--- a/Presentation/Presentation1.pptx
+++ b/Presentation/Presentation1.pptx
@@ -5,16 +5,17 @@
     <p:sldMasterId id="2147483648" r:id="rId1"/>
   </p:sldMasterIdLst>
   <p:notesMasterIdLst>
-    <p:notesMasterId r:id="rId9"/>
+    <p:notesMasterId r:id="rId10"/>
   </p:notesMasterIdLst>
   <p:sldIdLst>
     <p:sldId id="256" r:id="rId2"/>
     <p:sldId id="257" r:id="rId3"/>
-    <p:sldId id="258" r:id="rId4"/>
+    <p:sldId id="264" r:id="rId4"/>
     <p:sldId id="259" r:id="rId5"/>
     <p:sldId id="261" r:id="rId6"/>
-    <p:sldId id="262" r:id="rId7"/>
+    <p:sldId id="266" r:id="rId7"/>
     <p:sldId id="263" r:id="rId8"/>
+    <p:sldId id="265" r:id="rId9"/>
   </p:sldIdLst>
   <p:sldSz cx="12192000" cy="6858000"/>
   <p:notesSz cx="6858000" cy="9144000"/>
@@ -113,7 +114,3149 @@
       </a:defRPr>
     </a:lvl9pPr>
   </p:defaultTextStyle>
+  <p:extLst>
+    <p:ext uri="{EFAFB233-063F-42B5-8137-9DF3F51BA10A}">
+      <p15:sldGuideLst xmlns:p15="http://schemas.microsoft.com/office/powerpoint/2012/main"/>
+    </p:ext>
+  </p:extLst>
 </p:presentation>
+</file>
+
+<file path=ppt/diagrams/colors1.xml><?xml version="1.0" encoding="utf-8"?>
+<dgm:colorsDef xmlns:dgm="http://schemas.openxmlformats.org/drawingml/2006/diagram" xmlns:a="http://schemas.openxmlformats.org/drawingml/2006/main" uniqueId="urn:microsoft.com/office/officeart/2005/8/colors/accent2_2">
+  <dgm:title val=""/>
+  <dgm:desc val=""/>
+  <dgm:catLst>
+    <dgm:cat type="accent2" pri="11200"/>
+  </dgm:catLst>
+  <dgm:styleLbl name="node0">
+    <dgm:fillClrLst meth="repeat">
+      <a:schemeClr val="accent2"/>
+    </dgm:fillClrLst>
+    <dgm:linClrLst meth="repeat">
+      <a:schemeClr val="lt1"/>
+    </dgm:linClrLst>
+    <dgm:effectClrLst/>
+    <dgm:txLinClrLst/>
+    <dgm:txFillClrLst/>
+    <dgm:txEffectClrLst/>
+  </dgm:styleLbl>
+  <dgm:styleLbl name="node1">
+    <dgm:fillClrLst meth="repeat">
+      <a:schemeClr val="accent2"/>
+    </dgm:fillClrLst>
+    <dgm:linClrLst meth="repeat">
+      <a:schemeClr val="lt1"/>
+    </dgm:linClrLst>
+    <dgm:effectClrLst/>
+    <dgm:txLinClrLst/>
+    <dgm:txFillClrLst/>
+    <dgm:txEffectClrLst/>
+  </dgm:styleLbl>
+  <dgm:styleLbl name="alignNode1">
+    <dgm:fillClrLst meth="repeat">
+      <a:schemeClr val="accent2"/>
+    </dgm:fillClrLst>
+    <dgm:linClrLst meth="repeat">
+      <a:schemeClr val="accent2"/>
+    </dgm:linClrLst>
+    <dgm:effectClrLst/>
+    <dgm:txLinClrLst/>
+    <dgm:txFillClrLst/>
+    <dgm:txEffectClrLst/>
+  </dgm:styleLbl>
+  <dgm:styleLbl name="lnNode1">
+    <dgm:fillClrLst meth="repeat">
+      <a:schemeClr val="accent2"/>
+    </dgm:fillClrLst>
+    <dgm:linClrLst meth="repeat">
+      <a:schemeClr val="lt1"/>
+    </dgm:linClrLst>
+    <dgm:effectClrLst/>
+    <dgm:txLinClrLst/>
+    <dgm:txFillClrLst/>
+    <dgm:txEffectClrLst/>
+  </dgm:styleLbl>
+  <dgm:styleLbl name="vennNode1">
+    <dgm:fillClrLst meth="repeat">
+      <a:schemeClr val="accent2">
+        <a:alpha val="50000"/>
+      </a:schemeClr>
+    </dgm:fillClrLst>
+    <dgm:linClrLst meth="repeat">
+      <a:schemeClr val="lt1"/>
+    </dgm:linClrLst>
+    <dgm:effectClrLst/>
+    <dgm:txLinClrLst/>
+    <dgm:txFillClrLst/>
+    <dgm:txEffectClrLst/>
+  </dgm:styleLbl>
+  <dgm:styleLbl name="node2">
+    <dgm:fillClrLst meth="repeat">
+      <a:schemeClr val="accent2"/>
+    </dgm:fillClrLst>
+    <dgm:linClrLst meth="repeat">
+      <a:schemeClr val="lt1"/>
+    </dgm:linClrLst>
+    <dgm:effectClrLst/>
+    <dgm:txLinClrLst/>
+    <dgm:txFillClrLst/>
+    <dgm:txEffectClrLst/>
+  </dgm:styleLbl>
+  <dgm:styleLbl name="node3">
+    <dgm:fillClrLst meth="repeat">
+      <a:schemeClr val="accent2"/>
+    </dgm:fillClrLst>
+    <dgm:linClrLst meth="repeat">
+      <a:schemeClr val="lt1"/>
+    </dgm:linClrLst>
+    <dgm:effectClrLst/>
+    <dgm:txLinClrLst/>
+    <dgm:txFillClrLst/>
+    <dgm:txEffectClrLst/>
+  </dgm:styleLbl>
+  <dgm:styleLbl name="node4">
+    <dgm:fillClrLst meth="repeat">
+      <a:schemeClr val="accent2"/>
+    </dgm:fillClrLst>
+    <dgm:linClrLst meth="repeat">
+      <a:schemeClr val="lt1"/>
+    </dgm:linClrLst>
+    <dgm:effectClrLst/>
+    <dgm:txLinClrLst/>
+    <dgm:txFillClrLst/>
+    <dgm:txEffectClrLst/>
+  </dgm:styleLbl>
+  <dgm:styleLbl name="fgImgPlace1">
+    <dgm:fillClrLst meth="repeat">
+      <a:schemeClr val="accent2">
+        <a:tint val="50000"/>
+      </a:schemeClr>
+    </dgm:fillClrLst>
+    <dgm:linClrLst meth="repeat">
+      <a:schemeClr val="lt1"/>
+    </dgm:linClrLst>
+    <dgm:effectClrLst/>
+    <dgm:txLinClrLst/>
+    <dgm:txFillClrLst meth="repeat">
+      <a:schemeClr val="lt1"/>
+    </dgm:txFillClrLst>
+    <dgm:txEffectClrLst/>
+  </dgm:styleLbl>
+  <dgm:styleLbl name="alignImgPlace1">
+    <dgm:fillClrLst meth="repeat">
+      <a:schemeClr val="accent2">
+        <a:tint val="50000"/>
+      </a:schemeClr>
+    </dgm:fillClrLst>
+    <dgm:linClrLst meth="repeat">
+      <a:schemeClr val="lt1"/>
+    </dgm:linClrLst>
+    <dgm:effectClrLst/>
+    <dgm:txLinClrLst/>
+    <dgm:txFillClrLst meth="repeat">
+      <a:schemeClr val="lt1"/>
+    </dgm:txFillClrLst>
+    <dgm:txEffectClrLst/>
+  </dgm:styleLbl>
+  <dgm:styleLbl name="bgImgPlace1">
+    <dgm:fillClrLst meth="repeat">
+      <a:schemeClr val="accent2">
+        <a:tint val="50000"/>
+      </a:schemeClr>
+    </dgm:fillClrLst>
+    <dgm:linClrLst meth="repeat">
+      <a:schemeClr val="lt1"/>
+    </dgm:linClrLst>
+    <dgm:effectClrLst/>
+    <dgm:txLinClrLst/>
+    <dgm:txFillClrLst meth="repeat">
+      <a:schemeClr val="lt1"/>
+    </dgm:txFillClrLst>
+    <dgm:txEffectClrLst/>
+  </dgm:styleLbl>
+  <dgm:styleLbl name="sibTrans2D1">
+    <dgm:fillClrLst meth="repeat">
+      <a:schemeClr val="accent2">
+        <a:tint val="60000"/>
+      </a:schemeClr>
+    </dgm:fillClrLst>
+    <dgm:linClrLst meth="repeat">
+      <a:schemeClr val="accent2">
+        <a:tint val="60000"/>
+      </a:schemeClr>
+    </dgm:linClrLst>
+    <dgm:effectClrLst/>
+    <dgm:txLinClrLst/>
+    <dgm:txFillClrLst/>
+    <dgm:txEffectClrLst/>
+  </dgm:styleLbl>
+  <dgm:styleLbl name="fgSibTrans2D1">
+    <dgm:fillClrLst meth="repeat">
+      <a:schemeClr val="accent2">
+        <a:tint val="60000"/>
+      </a:schemeClr>
+    </dgm:fillClrLst>
+    <dgm:linClrLst meth="repeat">
+      <a:schemeClr val="accent2">
+        <a:tint val="60000"/>
+      </a:schemeClr>
+    </dgm:linClrLst>
+    <dgm:effectClrLst/>
+    <dgm:txLinClrLst/>
+    <dgm:txFillClrLst/>
+    <dgm:txEffectClrLst/>
+  </dgm:styleLbl>
+  <dgm:styleLbl name="bgSibTrans2D1">
+    <dgm:fillClrLst meth="repeat">
+      <a:schemeClr val="accent2">
+        <a:tint val="60000"/>
+      </a:schemeClr>
+    </dgm:fillClrLst>
+    <dgm:linClrLst meth="repeat">
+      <a:schemeClr val="accent2">
+        <a:tint val="60000"/>
+      </a:schemeClr>
+    </dgm:linClrLst>
+    <dgm:effectClrLst/>
+    <dgm:txLinClrLst/>
+    <dgm:txFillClrLst/>
+    <dgm:txEffectClrLst/>
+  </dgm:styleLbl>
+  <dgm:styleLbl name="sibTrans1D1">
+    <dgm:fillClrLst meth="repeat">
+      <a:schemeClr val="accent2"/>
+    </dgm:fillClrLst>
+    <dgm:linClrLst meth="repeat">
+      <a:schemeClr val="accent2"/>
+    </dgm:linClrLst>
+    <dgm:effectClrLst/>
+    <dgm:txLinClrLst/>
+    <dgm:txFillClrLst meth="repeat">
+      <a:schemeClr val="tx1"/>
+    </dgm:txFillClrLst>
+    <dgm:txEffectClrLst/>
+  </dgm:styleLbl>
+  <dgm:styleLbl name="callout">
+    <dgm:fillClrLst meth="repeat">
+      <a:schemeClr val="accent2"/>
+    </dgm:fillClrLst>
+    <dgm:linClrLst meth="repeat">
+      <a:schemeClr val="accent2">
+        <a:tint val="50000"/>
+      </a:schemeClr>
+    </dgm:linClrLst>
+    <dgm:effectClrLst/>
+    <dgm:txLinClrLst/>
+    <dgm:txFillClrLst meth="repeat">
+      <a:schemeClr val="tx1"/>
+    </dgm:txFillClrLst>
+    <dgm:txEffectClrLst/>
+  </dgm:styleLbl>
+  <dgm:styleLbl name="asst0">
+    <dgm:fillClrLst meth="repeat">
+      <a:schemeClr val="accent2"/>
+    </dgm:fillClrLst>
+    <dgm:linClrLst meth="repeat">
+      <a:schemeClr val="lt1"/>
+    </dgm:linClrLst>
+    <dgm:effectClrLst/>
+    <dgm:txLinClrLst/>
+    <dgm:txFillClrLst/>
+    <dgm:txEffectClrLst/>
+  </dgm:styleLbl>
+  <dgm:styleLbl name="asst1">
+    <dgm:fillClrLst meth="repeat">
+      <a:schemeClr val="accent2"/>
+    </dgm:fillClrLst>
+    <dgm:linClrLst meth="repeat">
+      <a:schemeClr val="lt1"/>
+    </dgm:linClrLst>
+    <dgm:effectClrLst/>
+    <dgm:txLinClrLst/>
+    <dgm:txFillClrLst/>
+    <dgm:txEffectClrLst/>
+  </dgm:styleLbl>
+  <dgm:styleLbl name="asst2">
+    <dgm:fillClrLst meth="repeat">
+      <a:schemeClr val="accent2"/>
+    </dgm:fillClrLst>
+    <dgm:linClrLst meth="repeat">
+      <a:schemeClr val="lt1"/>
+    </dgm:linClrLst>
+    <dgm:effectClrLst/>
+    <dgm:txLinClrLst/>
+    <dgm:txFillClrLst/>
+    <dgm:txEffectClrLst/>
+  </dgm:styleLbl>
+  <dgm:styleLbl name="asst3">
+    <dgm:fillClrLst meth="repeat">
+      <a:schemeClr val="accent2"/>
+    </dgm:fillClrLst>
+    <dgm:linClrLst meth="repeat">
+      <a:schemeClr val="lt1"/>
+    </dgm:linClrLst>
+    <dgm:effectClrLst/>
+    <dgm:txLinClrLst/>
+    <dgm:txFillClrLst/>
+    <dgm:txEffectClrLst/>
+  </dgm:styleLbl>
+  <dgm:styleLbl name="asst4">
+    <dgm:fillClrLst meth="repeat">
+      <a:schemeClr val="accent2"/>
+    </dgm:fillClrLst>
+    <dgm:linClrLst meth="repeat">
+      <a:schemeClr val="lt1"/>
+    </dgm:linClrLst>
+    <dgm:effectClrLst/>
+    <dgm:txLinClrLst/>
+    <dgm:txFillClrLst/>
+    <dgm:txEffectClrLst/>
+  </dgm:styleLbl>
+  <dgm:styleLbl name="parChTrans2D1">
+    <dgm:fillClrLst meth="repeat">
+      <a:schemeClr val="accent2">
+        <a:tint val="60000"/>
+      </a:schemeClr>
+    </dgm:fillClrLst>
+    <dgm:linClrLst meth="repeat">
+      <a:schemeClr val="accent2">
+        <a:tint val="60000"/>
+      </a:schemeClr>
+    </dgm:linClrLst>
+    <dgm:effectClrLst/>
+    <dgm:txLinClrLst/>
+    <dgm:txFillClrLst meth="repeat">
+      <a:schemeClr val="lt1"/>
+    </dgm:txFillClrLst>
+    <dgm:txEffectClrLst/>
+  </dgm:styleLbl>
+  <dgm:styleLbl name="parChTrans2D2">
+    <dgm:fillClrLst meth="repeat">
+      <a:schemeClr val="accent2"/>
+    </dgm:fillClrLst>
+    <dgm:linClrLst meth="repeat">
+      <a:schemeClr val="accent2"/>
+    </dgm:linClrLst>
+    <dgm:effectClrLst/>
+    <dgm:txLinClrLst/>
+    <dgm:txFillClrLst meth="repeat">
+      <a:schemeClr val="lt1"/>
+    </dgm:txFillClrLst>
+    <dgm:txEffectClrLst/>
+  </dgm:styleLbl>
+  <dgm:styleLbl name="parChTrans2D3">
+    <dgm:fillClrLst meth="repeat">
+      <a:schemeClr val="accent2"/>
+    </dgm:fillClrLst>
+    <dgm:linClrLst meth="repeat">
+      <a:schemeClr val="accent2"/>
+    </dgm:linClrLst>
+    <dgm:effectClrLst/>
+    <dgm:txLinClrLst/>
+    <dgm:txFillClrLst meth="repeat">
+      <a:schemeClr val="lt1"/>
+    </dgm:txFillClrLst>
+    <dgm:txEffectClrLst/>
+  </dgm:styleLbl>
+  <dgm:styleLbl name="parChTrans2D4">
+    <dgm:fillClrLst meth="repeat">
+      <a:schemeClr val="accent2"/>
+    </dgm:fillClrLst>
+    <dgm:linClrLst meth="repeat">
+      <a:schemeClr val="accent2"/>
+    </dgm:linClrLst>
+    <dgm:effectClrLst/>
+    <dgm:txLinClrLst/>
+    <dgm:txFillClrLst meth="repeat">
+      <a:schemeClr val="lt1"/>
+    </dgm:txFillClrLst>
+    <dgm:txEffectClrLst/>
+  </dgm:styleLbl>
+  <dgm:styleLbl name="parChTrans1D1">
+    <dgm:fillClrLst meth="repeat">
+      <a:schemeClr val="accent2"/>
+    </dgm:fillClrLst>
+    <dgm:linClrLst meth="repeat">
+      <a:schemeClr val="accent2">
+        <a:shade val="60000"/>
+      </a:schemeClr>
+    </dgm:linClrLst>
+    <dgm:effectClrLst/>
+    <dgm:txLinClrLst/>
+    <dgm:txFillClrLst meth="repeat">
+      <a:schemeClr val="tx1"/>
+    </dgm:txFillClrLst>
+    <dgm:txEffectClrLst/>
+  </dgm:styleLbl>
+  <dgm:styleLbl name="parChTrans1D2">
+    <dgm:fillClrLst meth="repeat">
+      <a:schemeClr val="accent2"/>
+    </dgm:fillClrLst>
+    <dgm:linClrLst meth="repeat">
+      <a:schemeClr val="accent2">
+        <a:shade val="60000"/>
+      </a:schemeClr>
+    </dgm:linClrLst>
+    <dgm:effectClrLst/>
+    <dgm:txLinClrLst/>
+    <dgm:txFillClrLst meth="repeat">
+      <a:schemeClr val="tx1"/>
+    </dgm:txFillClrLst>
+    <dgm:txEffectClrLst/>
+  </dgm:styleLbl>
+  <dgm:styleLbl name="parChTrans1D3">
+    <dgm:fillClrLst meth="repeat">
+      <a:schemeClr val="accent2"/>
+    </dgm:fillClrLst>
+    <dgm:linClrLst meth="repeat">
+      <a:schemeClr val="accent2">
+        <a:shade val="80000"/>
+      </a:schemeClr>
+    </dgm:linClrLst>
+    <dgm:effectClrLst/>
+    <dgm:txLinClrLst/>
+    <dgm:txFillClrLst meth="repeat">
+      <a:schemeClr val="tx1"/>
+    </dgm:txFillClrLst>
+    <dgm:txEffectClrLst/>
+  </dgm:styleLbl>
+  <dgm:styleLbl name="parChTrans1D4">
+    <dgm:fillClrLst meth="repeat">
+      <a:schemeClr val="accent2"/>
+    </dgm:fillClrLst>
+    <dgm:linClrLst meth="repeat">
+      <a:schemeClr val="accent2">
+        <a:shade val="80000"/>
+      </a:schemeClr>
+    </dgm:linClrLst>
+    <dgm:effectClrLst/>
+    <dgm:txLinClrLst/>
+    <dgm:txFillClrLst meth="repeat">
+      <a:schemeClr val="tx1"/>
+    </dgm:txFillClrLst>
+    <dgm:txEffectClrLst/>
+  </dgm:styleLbl>
+  <dgm:styleLbl name="fgAcc1">
+    <dgm:fillClrLst meth="repeat">
+      <a:schemeClr val="lt1">
+        <a:alpha val="90000"/>
+      </a:schemeClr>
+    </dgm:fillClrLst>
+    <dgm:linClrLst meth="repeat">
+      <a:schemeClr val="accent2"/>
+    </dgm:linClrLst>
+    <dgm:effectClrLst/>
+    <dgm:txLinClrLst/>
+    <dgm:txFillClrLst meth="repeat">
+      <a:schemeClr val="dk1"/>
+    </dgm:txFillClrLst>
+    <dgm:txEffectClrLst/>
+  </dgm:styleLbl>
+  <dgm:styleLbl name="conFgAcc1">
+    <dgm:fillClrLst meth="repeat">
+      <a:schemeClr val="lt1">
+        <a:alpha val="90000"/>
+      </a:schemeClr>
+    </dgm:fillClrLst>
+    <dgm:linClrLst meth="repeat">
+      <a:schemeClr val="accent2"/>
+    </dgm:linClrLst>
+    <dgm:effectClrLst/>
+    <dgm:txLinClrLst/>
+    <dgm:txFillClrLst meth="repeat">
+      <a:schemeClr val="dk1"/>
+    </dgm:txFillClrLst>
+    <dgm:txEffectClrLst/>
+  </dgm:styleLbl>
+  <dgm:styleLbl name="alignAcc1">
+    <dgm:fillClrLst meth="repeat">
+      <a:schemeClr val="lt1">
+        <a:alpha val="90000"/>
+      </a:schemeClr>
+    </dgm:fillClrLst>
+    <dgm:linClrLst meth="repeat">
+      <a:schemeClr val="accent2"/>
+    </dgm:linClrLst>
+    <dgm:effectClrLst/>
+    <dgm:txLinClrLst/>
+    <dgm:txFillClrLst meth="repeat">
+      <a:schemeClr val="dk1"/>
+    </dgm:txFillClrLst>
+    <dgm:txEffectClrLst/>
+  </dgm:styleLbl>
+  <dgm:styleLbl name="trAlignAcc1">
+    <dgm:fillClrLst meth="repeat">
+      <a:schemeClr val="lt1">
+        <a:alpha val="40000"/>
+      </a:schemeClr>
+    </dgm:fillClrLst>
+    <dgm:linClrLst meth="repeat">
+      <a:schemeClr val="accent2"/>
+    </dgm:linClrLst>
+    <dgm:effectClrLst/>
+    <dgm:txLinClrLst/>
+    <dgm:txFillClrLst meth="repeat">
+      <a:schemeClr val="dk1"/>
+    </dgm:txFillClrLst>
+    <dgm:txEffectClrLst/>
+  </dgm:styleLbl>
+  <dgm:styleLbl name="bgAcc1">
+    <dgm:fillClrLst meth="repeat">
+      <a:schemeClr val="lt1">
+        <a:alpha val="90000"/>
+      </a:schemeClr>
+    </dgm:fillClrLst>
+    <dgm:linClrLst meth="repeat">
+      <a:schemeClr val="accent2"/>
+    </dgm:linClrLst>
+    <dgm:effectClrLst/>
+    <dgm:txLinClrLst/>
+    <dgm:txFillClrLst meth="repeat">
+      <a:schemeClr val="dk1"/>
+    </dgm:txFillClrLst>
+    <dgm:txEffectClrLst/>
+  </dgm:styleLbl>
+  <dgm:styleLbl name="solidFgAcc1">
+    <dgm:fillClrLst meth="repeat">
+      <a:schemeClr val="lt1"/>
+    </dgm:fillClrLst>
+    <dgm:linClrLst meth="repeat">
+      <a:schemeClr val="accent2"/>
+    </dgm:linClrLst>
+    <dgm:effectClrLst/>
+    <dgm:txLinClrLst/>
+    <dgm:txFillClrLst meth="repeat">
+      <a:schemeClr val="dk1"/>
+    </dgm:txFillClrLst>
+    <dgm:txEffectClrLst/>
+  </dgm:styleLbl>
+  <dgm:styleLbl name="solidAlignAcc1">
+    <dgm:fillClrLst meth="repeat">
+      <a:schemeClr val="lt1"/>
+    </dgm:fillClrLst>
+    <dgm:linClrLst meth="repeat">
+      <a:schemeClr val="accent2"/>
+    </dgm:linClrLst>
+    <dgm:effectClrLst/>
+    <dgm:txLinClrLst/>
+    <dgm:txFillClrLst meth="repeat">
+      <a:schemeClr val="dk1"/>
+    </dgm:txFillClrLst>
+    <dgm:txEffectClrLst/>
+  </dgm:styleLbl>
+  <dgm:styleLbl name="solidBgAcc1">
+    <dgm:fillClrLst meth="repeat">
+      <a:schemeClr val="lt1"/>
+    </dgm:fillClrLst>
+    <dgm:linClrLst meth="repeat">
+      <a:schemeClr val="accent2"/>
+    </dgm:linClrLst>
+    <dgm:effectClrLst/>
+    <dgm:txLinClrLst/>
+    <dgm:txFillClrLst meth="repeat">
+      <a:schemeClr val="dk1"/>
+    </dgm:txFillClrLst>
+    <dgm:txEffectClrLst/>
+  </dgm:styleLbl>
+  <dgm:styleLbl name="fgAccFollowNode1">
+    <dgm:fillClrLst meth="repeat">
+      <a:schemeClr val="accent2">
+        <a:alpha val="90000"/>
+        <a:tint val="40000"/>
+      </a:schemeClr>
+    </dgm:fillClrLst>
+    <dgm:linClrLst meth="repeat">
+      <a:schemeClr val="accent2">
+        <a:alpha val="90000"/>
+        <a:tint val="40000"/>
+      </a:schemeClr>
+    </dgm:linClrLst>
+    <dgm:effectClrLst/>
+    <dgm:txLinClrLst/>
+    <dgm:txFillClrLst meth="repeat">
+      <a:schemeClr val="dk1"/>
+    </dgm:txFillClrLst>
+    <dgm:txEffectClrLst/>
+  </dgm:styleLbl>
+  <dgm:styleLbl name="alignAccFollowNode1">
+    <dgm:fillClrLst meth="repeat">
+      <a:schemeClr val="accent2">
+        <a:alpha val="90000"/>
+        <a:tint val="40000"/>
+      </a:schemeClr>
+    </dgm:fillClrLst>
+    <dgm:linClrLst meth="repeat">
+      <a:schemeClr val="accent2">
+        <a:alpha val="90000"/>
+        <a:tint val="40000"/>
+      </a:schemeClr>
+    </dgm:linClrLst>
+    <dgm:effectClrLst/>
+    <dgm:txLinClrLst/>
+    <dgm:txFillClrLst meth="repeat">
+      <a:schemeClr val="dk1"/>
+    </dgm:txFillClrLst>
+    <dgm:txEffectClrLst/>
+  </dgm:styleLbl>
+  <dgm:styleLbl name="bgAccFollowNode1">
+    <dgm:fillClrLst meth="repeat">
+      <a:schemeClr val="accent2">
+        <a:alpha val="90000"/>
+        <a:tint val="40000"/>
+      </a:schemeClr>
+    </dgm:fillClrLst>
+    <dgm:linClrLst meth="repeat">
+      <a:schemeClr val="accent2">
+        <a:alpha val="90000"/>
+        <a:tint val="40000"/>
+      </a:schemeClr>
+    </dgm:linClrLst>
+    <dgm:effectClrLst/>
+    <dgm:txLinClrLst/>
+    <dgm:txFillClrLst meth="repeat">
+      <a:schemeClr val="dk1"/>
+    </dgm:txFillClrLst>
+    <dgm:txEffectClrLst/>
+  </dgm:styleLbl>
+  <dgm:styleLbl name="fgAcc0">
+    <dgm:fillClrLst meth="repeat">
+      <a:schemeClr val="lt1">
+        <a:alpha val="90000"/>
+      </a:schemeClr>
+    </dgm:fillClrLst>
+    <dgm:linClrLst meth="repeat">
+      <a:schemeClr val="accent2"/>
+    </dgm:linClrLst>
+    <dgm:effectClrLst/>
+    <dgm:txLinClrLst/>
+    <dgm:txFillClrLst meth="repeat">
+      <a:schemeClr val="dk1"/>
+    </dgm:txFillClrLst>
+    <dgm:txEffectClrLst/>
+  </dgm:styleLbl>
+  <dgm:styleLbl name="fgAcc2">
+    <dgm:fillClrLst meth="repeat">
+      <a:schemeClr val="lt1">
+        <a:alpha val="90000"/>
+      </a:schemeClr>
+    </dgm:fillClrLst>
+    <dgm:linClrLst meth="repeat">
+      <a:schemeClr val="accent2"/>
+    </dgm:linClrLst>
+    <dgm:effectClrLst/>
+    <dgm:txLinClrLst/>
+    <dgm:txFillClrLst meth="repeat">
+      <a:schemeClr val="dk1"/>
+    </dgm:txFillClrLst>
+    <dgm:txEffectClrLst/>
+  </dgm:styleLbl>
+  <dgm:styleLbl name="fgAcc3">
+    <dgm:fillClrLst meth="repeat">
+      <a:schemeClr val="lt1">
+        <a:alpha val="90000"/>
+      </a:schemeClr>
+    </dgm:fillClrLst>
+    <dgm:linClrLst meth="repeat">
+      <a:schemeClr val="accent2"/>
+    </dgm:linClrLst>
+    <dgm:effectClrLst/>
+    <dgm:txLinClrLst/>
+    <dgm:txFillClrLst meth="repeat">
+      <a:schemeClr val="dk1"/>
+    </dgm:txFillClrLst>
+    <dgm:txEffectClrLst/>
+  </dgm:styleLbl>
+  <dgm:styleLbl name="fgAcc4">
+    <dgm:fillClrLst meth="repeat">
+      <a:schemeClr val="lt1">
+        <a:alpha val="90000"/>
+      </a:schemeClr>
+    </dgm:fillClrLst>
+    <dgm:linClrLst meth="repeat">
+      <a:schemeClr val="accent2"/>
+    </dgm:linClrLst>
+    <dgm:effectClrLst/>
+    <dgm:txLinClrLst/>
+    <dgm:txFillClrLst meth="repeat">
+      <a:schemeClr val="dk1"/>
+    </dgm:txFillClrLst>
+    <dgm:txEffectClrLst/>
+  </dgm:styleLbl>
+  <dgm:styleLbl name="bgShp">
+    <dgm:fillClrLst meth="repeat">
+      <a:schemeClr val="accent2">
+        <a:tint val="40000"/>
+      </a:schemeClr>
+    </dgm:fillClrLst>
+    <dgm:linClrLst meth="repeat">
+      <a:schemeClr val="accent2"/>
+    </dgm:linClrLst>
+    <dgm:effectClrLst/>
+    <dgm:txLinClrLst/>
+    <dgm:txFillClrLst meth="repeat">
+      <a:schemeClr val="dk1"/>
+    </dgm:txFillClrLst>
+    <dgm:txEffectClrLst/>
+  </dgm:styleLbl>
+  <dgm:styleLbl name="dkBgShp">
+    <dgm:fillClrLst meth="repeat">
+      <a:schemeClr val="accent2">
+        <a:shade val="80000"/>
+      </a:schemeClr>
+    </dgm:fillClrLst>
+    <dgm:linClrLst meth="repeat">
+      <a:schemeClr val="accent2"/>
+    </dgm:linClrLst>
+    <dgm:effectClrLst/>
+    <dgm:txLinClrLst/>
+    <dgm:txFillClrLst meth="repeat">
+      <a:schemeClr val="lt1"/>
+    </dgm:txFillClrLst>
+    <dgm:txEffectClrLst/>
+  </dgm:styleLbl>
+  <dgm:styleLbl name="trBgShp">
+    <dgm:fillClrLst meth="repeat">
+      <a:schemeClr val="accent2">
+        <a:tint val="50000"/>
+        <a:alpha val="40000"/>
+      </a:schemeClr>
+    </dgm:fillClrLst>
+    <dgm:linClrLst meth="repeat">
+      <a:schemeClr val="accent2"/>
+    </dgm:linClrLst>
+    <dgm:effectClrLst/>
+    <dgm:txLinClrLst/>
+    <dgm:txFillClrLst meth="repeat">
+      <a:schemeClr val="lt1"/>
+    </dgm:txFillClrLst>
+    <dgm:txEffectClrLst/>
+  </dgm:styleLbl>
+  <dgm:styleLbl name="fgShp">
+    <dgm:fillClrLst meth="repeat">
+      <a:schemeClr val="accent2">
+        <a:tint val="60000"/>
+      </a:schemeClr>
+    </dgm:fillClrLst>
+    <dgm:linClrLst meth="repeat">
+      <a:schemeClr val="lt1"/>
+    </dgm:linClrLst>
+    <dgm:effectClrLst/>
+    <dgm:txLinClrLst/>
+    <dgm:txFillClrLst meth="repeat">
+      <a:schemeClr val="dk1"/>
+    </dgm:txFillClrLst>
+    <dgm:txEffectClrLst/>
+  </dgm:styleLbl>
+  <dgm:styleLbl name="revTx">
+    <dgm:fillClrLst meth="repeat">
+      <a:schemeClr val="lt1">
+        <a:alpha val="0"/>
+      </a:schemeClr>
+    </dgm:fillClrLst>
+    <dgm:linClrLst meth="repeat">
+      <a:schemeClr val="dk1">
+        <a:alpha val="0"/>
+      </a:schemeClr>
+    </dgm:linClrLst>
+    <dgm:effectClrLst/>
+    <dgm:txLinClrLst/>
+    <dgm:txFillClrLst meth="repeat">
+      <a:schemeClr val="tx1"/>
+    </dgm:txFillClrLst>
+    <dgm:txEffectClrLst/>
+  </dgm:styleLbl>
+</dgm:colorsDef>
+</file>
+
+<file path=ppt/diagrams/data1.xml><?xml version="1.0" encoding="utf-8"?>
+<dgm:dataModel xmlns:dgm="http://schemas.openxmlformats.org/drawingml/2006/diagram" xmlns:a="http://schemas.openxmlformats.org/drawingml/2006/main">
+  <dgm:ptLst>
+    <dgm:pt modelId="{CA1E7074-E83E-49BA-8E15-524BF38FD8B7}" type="doc">
+      <dgm:prSet loTypeId="urn:microsoft.com/office/officeart/2008/layout/LinedList" loCatId="list" qsTypeId="urn:microsoft.com/office/officeart/2005/8/quickstyle/simple2" qsCatId="simple" csTypeId="urn:microsoft.com/office/officeart/2005/8/colors/accent2_2" csCatId="accent2" phldr="1"/>
+      <dgm:spPr/>
+      <dgm:t>
+        <a:bodyPr/>
+        <a:lstStyle/>
+        <a:p>
+          <a:endParaRPr lang="en-US"/>
+        </a:p>
+      </dgm:t>
+    </dgm:pt>
+    <dgm:pt modelId="{98E71ECD-3795-4615-8228-0E29291F43D1}">
+      <dgm:prSet custT="1"/>
+      <dgm:spPr/>
+      <dgm:t>
+        <a:bodyPr/>
+        <a:lstStyle/>
+        <a:p>
+          <a:r>
+            <a:rPr lang="en-US" sz="1800" dirty="0"/>
+            <a:t>Federal Reserve is responsible for setting short term interest rates and the money supply in an attempt to keep inflation and unemployment within an acceptable range.</a:t>
+          </a:r>
+        </a:p>
+      </dgm:t>
+    </dgm:pt>
+    <dgm:pt modelId="{2C6D97BA-5491-4485-96F3-821C96D4B12F}" type="parTrans" cxnId="{C433E695-D831-4D0F-BC1C-DBFEA0B85569}">
+      <dgm:prSet/>
+      <dgm:spPr/>
+      <dgm:t>
+        <a:bodyPr/>
+        <a:lstStyle/>
+        <a:p>
+          <a:endParaRPr lang="en-US" sz="2000"/>
+        </a:p>
+      </dgm:t>
+    </dgm:pt>
+    <dgm:pt modelId="{D196075F-5F48-483E-8574-AB74954F288A}" type="sibTrans" cxnId="{C433E695-D831-4D0F-BC1C-DBFEA0B85569}">
+      <dgm:prSet/>
+      <dgm:spPr/>
+      <dgm:t>
+        <a:bodyPr/>
+        <a:lstStyle/>
+        <a:p>
+          <a:endParaRPr lang="en-US" sz="2000"/>
+        </a:p>
+      </dgm:t>
+    </dgm:pt>
+    <dgm:pt modelId="{5A42BB77-9366-46A1-92AF-D838BD9EC34C}">
+      <dgm:prSet custT="1"/>
+      <dgm:spPr/>
+      <dgm:t>
+        <a:bodyPr/>
+        <a:lstStyle/>
+        <a:p>
+          <a:r>
+            <a:rPr lang="en-US" sz="1800" dirty="0"/>
+            <a:t>Speeches and press releases by Federal Reserve Board members may provide insights into future changes in interest rates</a:t>
+          </a:r>
+        </a:p>
+      </dgm:t>
+    </dgm:pt>
+    <dgm:pt modelId="{442777E8-7C76-4A7F-AAC9-E38DAB8F3F72}" type="parTrans" cxnId="{12CB5B94-FD60-491C-8984-306326DA6DA3}">
+      <dgm:prSet/>
+      <dgm:spPr/>
+      <dgm:t>
+        <a:bodyPr/>
+        <a:lstStyle/>
+        <a:p>
+          <a:endParaRPr lang="en-US" sz="2000"/>
+        </a:p>
+      </dgm:t>
+    </dgm:pt>
+    <dgm:pt modelId="{68A416E0-DCA9-45D1-BEB7-4AC46FDF3118}" type="sibTrans" cxnId="{12CB5B94-FD60-491C-8984-306326DA6DA3}">
+      <dgm:prSet/>
+      <dgm:spPr/>
+      <dgm:t>
+        <a:bodyPr/>
+        <a:lstStyle/>
+        <a:p>
+          <a:endParaRPr lang="en-US" sz="2000"/>
+        </a:p>
+      </dgm:t>
+    </dgm:pt>
+    <dgm:pt modelId="{574A8A19-9349-41C4-9183-1252CB02753F}">
+      <dgm:prSet custT="1"/>
+      <dgm:spPr/>
+      <dgm:t>
+        <a:bodyPr/>
+        <a:lstStyle/>
+        <a:p>
+          <a:r>
+            <a:rPr lang="en-US" sz="1800" dirty="0"/>
+            <a:t>Natural Language Processing (NLP) used to determine how different new speeches and press releases are from recent text in an attempt to explain changes in interest rates</a:t>
+          </a:r>
+        </a:p>
+      </dgm:t>
+    </dgm:pt>
+    <dgm:pt modelId="{877BD4F8-84BE-410D-9C05-F0D8A6866651}" type="parTrans" cxnId="{BD005431-3530-4A42-9F65-EBA1DC47B18D}">
+      <dgm:prSet/>
+      <dgm:spPr/>
+      <dgm:t>
+        <a:bodyPr/>
+        <a:lstStyle/>
+        <a:p>
+          <a:endParaRPr lang="en-US" sz="2000"/>
+        </a:p>
+      </dgm:t>
+    </dgm:pt>
+    <dgm:pt modelId="{A25F763E-C637-4C95-B183-9361E17A78F8}" type="sibTrans" cxnId="{BD005431-3530-4A42-9F65-EBA1DC47B18D}">
+      <dgm:prSet/>
+      <dgm:spPr/>
+      <dgm:t>
+        <a:bodyPr/>
+        <a:lstStyle/>
+        <a:p>
+          <a:endParaRPr lang="en-US" sz="2000"/>
+        </a:p>
+      </dgm:t>
+    </dgm:pt>
+    <dgm:pt modelId="{0DD3510F-5F34-4E85-9A72-2B273CA84F50}">
+      <dgm:prSet custT="1"/>
+      <dgm:spPr/>
+      <dgm:t>
+        <a:bodyPr/>
+        <a:lstStyle/>
+        <a:p>
+          <a:r>
+            <a:rPr lang="en-US" sz="1800" dirty="0"/>
+            <a:t>483 public speeches from Federal Reserve Board members dating back to 2006</a:t>
+          </a:r>
+        </a:p>
+      </dgm:t>
+    </dgm:pt>
+    <dgm:pt modelId="{229626DF-AAEC-40C5-892E-CC28688803BE}" type="parTrans" cxnId="{98984A85-703E-4C46-9576-557167675303}">
+      <dgm:prSet/>
+      <dgm:spPr/>
+      <dgm:t>
+        <a:bodyPr/>
+        <a:lstStyle/>
+        <a:p>
+          <a:endParaRPr lang="en-US" sz="2000"/>
+        </a:p>
+      </dgm:t>
+    </dgm:pt>
+    <dgm:pt modelId="{BA77D113-9478-40A4-92AD-2E45FE0310F7}" type="sibTrans" cxnId="{98984A85-703E-4C46-9576-557167675303}">
+      <dgm:prSet/>
+      <dgm:spPr/>
+      <dgm:t>
+        <a:bodyPr/>
+        <a:lstStyle/>
+        <a:p>
+          <a:endParaRPr lang="en-US" sz="2000"/>
+        </a:p>
+      </dgm:t>
+    </dgm:pt>
+    <dgm:pt modelId="{1AEFCF4E-3948-4E58-91ED-8696AA068637}">
+      <dgm:prSet custT="1"/>
+      <dgm:spPr/>
+      <dgm:t>
+        <a:bodyPr/>
+        <a:lstStyle/>
+        <a:p>
+          <a:r>
+            <a:rPr lang="en-US" sz="1800" dirty="0"/>
+            <a:t>43 Federal Open Market Committee (the committee that votes to change interest rates) minutes since 2014</a:t>
+          </a:r>
+        </a:p>
+      </dgm:t>
+    </dgm:pt>
+    <dgm:pt modelId="{09291C61-B4B1-41FF-8AD4-AE081A814F45}" type="parTrans" cxnId="{0943559E-2736-4960-9A16-29B5C918B666}">
+      <dgm:prSet/>
+      <dgm:spPr/>
+      <dgm:t>
+        <a:bodyPr/>
+        <a:lstStyle/>
+        <a:p>
+          <a:endParaRPr lang="en-US" sz="2000"/>
+        </a:p>
+      </dgm:t>
+    </dgm:pt>
+    <dgm:pt modelId="{1F25A856-AD1A-4EDB-9FBC-9469B7E61337}" type="sibTrans" cxnId="{0943559E-2736-4960-9A16-29B5C918B666}">
+      <dgm:prSet/>
+      <dgm:spPr/>
+      <dgm:t>
+        <a:bodyPr/>
+        <a:lstStyle/>
+        <a:p>
+          <a:endParaRPr lang="en-US" sz="2000"/>
+        </a:p>
+      </dgm:t>
+    </dgm:pt>
+    <dgm:pt modelId="{22B60024-D954-EB48-A7D4-926A39698776}" type="pres">
+      <dgm:prSet presAssocID="{CA1E7074-E83E-49BA-8E15-524BF38FD8B7}" presName="vert0" presStyleCnt="0">
+        <dgm:presLayoutVars>
+          <dgm:dir/>
+          <dgm:animOne val="branch"/>
+          <dgm:animLvl val="lvl"/>
+        </dgm:presLayoutVars>
+      </dgm:prSet>
+      <dgm:spPr/>
+    </dgm:pt>
+    <dgm:pt modelId="{E1AD35E4-6E2C-6049-8995-E94B51F7EBB9}" type="pres">
+      <dgm:prSet presAssocID="{98E71ECD-3795-4615-8228-0E29291F43D1}" presName="thickLine" presStyleLbl="alignNode1" presStyleIdx="0" presStyleCnt="5"/>
+      <dgm:spPr/>
+    </dgm:pt>
+    <dgm:pt modelId="{AA6E0D47-A0D1-AE46-9B28-BE0FC994E08A}" type="pres">
+      <dgm:prSet presAssocID="{98E71ECD-3795-4615-8228-0E29291F43D1}" presName="horz1" presStyleCnt="0"/>
+      <dgm:spPr/>
+    </dgm:pt>
+    <dgm:pt modelId="{984438EA-4119-9E41-BB77-7041AC1273E2}" type="pres">
+      <dgm:prSet presAssocID="{98E71ECD-3795-4615-8228-0E29291F43D1}" presName="tx1" presStyleLbl="revTx" presStyleIdx="0" presStyleCnt="5"/>
+      <dgm:spPr/>
+    </dgm:pt>
+    <dgm:pt modelId="{65375D9D-5A3F-BF48-93A3-9EE67E8ED17A}" type="pres">
+      <dgm:prSet presAssocID="{98E71ECD-3795-4615-8228-0E29291F43D1}" presName="vert1" presStyleCnt="0"/>
+      <dgm:spPr/>
+    </dgm:pt>
+    <dgm:pt modelId="{C5C299D2-F277-C548-9F3A-F6EADA8BC43F}" type="pres">
+      <dgm:prSet presAssocID="{5A42BB77-9366-46A1-92AF-D838BD9EC34C}" presName="thickLine" presStyleLbl="alignNode1" presStyleIdx="1" presStyleCnt="5"/>
+      <dgm:spPr/>
+    </dgm:pt>
+    <dgm:pt modelId="{FC80A551-C9E6-5243-ADC0-3CBA0624F6C4}" type="pres">
+      <dgm:prSet presAssocID="{5A42BB77-9366-46A1-92AF-D838BD9EC34C}" presName="horz1" presStyleCnt="0"/>
+      <dgm:spPr/>
+    </dgm:pt>
+    <dgm:pt modelId="{4F1DBDD1-85E2-8340-B584-0AE49055816C}" type="pres">
+      <dgm:prSet presAssocID="{5A42BB77-9366-46A1-92AF-D838BD9EC34C}" presName="tx1" presStyleLbl="revTx" presStyleIdx="1" presStyleCnt="5"/>
+      <dgm:spPr/>
+    </dgm:pt>
+    <dgm:pt modelId="{AED37B9F-0BBC-E240-8362-4DC0E0208687}" type="pres">
+      <dgm:prSet presAssocID="{5A42BB77-9366-46A1-92AF-D838BD9EC34C}" presName="vert1" presStyleCnt="0"/>
+      <dgm:spPr/>
+    </dgm:pt>
+    <dgm:pt modelId="{BD3CD2E6-EE18-8048-8A5E-531C3F1B0E13}" type="pres">
+      <dgm:prSet presAssocID="{574A8A19-9349-41C4-9183-1252CB02753F}" presName="thickLine" presStyleLbl="alignNode1" presStyleIdx="2" presStyleCnt="5"/>
+      <dgm:spPr/>
+    </dgm:pt>
+    <dgm:pt modelId="{A1A02E5A-A169-D746-A88D-E7CD37C46C5E}" type="pres">
+      <dgm:prSet presAssocID="{574A8A19-9349-41C4-9183-1252CB02753F}" presName="horz1" presStyleCnt="0"/>
+      <dgm:spPr/>
+    </dgm:pt>
+    <dgm:pt modelId="{5096E042-9CB2-3945-9DC3-616C3A8361E0}" type="pres">
+      <dgm:prSet presAssocID="{574A8A19-9349-41C4-9183-1252CB02753F}" presName="tx1" presStyleLbl="revTx" presStyleIdx="2" presStyleCnt="5"/>
+      <dgm:spPr/>
+    </dgm:pt>
+    <dgm:pt modelId="{F9841843-B631-EB4D-82EA-DDC7A834D0B0}" type="pres">
+      <dgm:prSet presAssocID="{574A8A19-9349-41C4-9183-1252CB02753F}" presName="vert1" presStyleCnt="0"/>
+      <dgm:spPr/>
+    </dgm:pt>
+    <dgm:pt modelId="{456808C6-2FAD-2845-B9C1-FDBB79A52C54}" type="pres">
+      <dgm:prSet presAssocID="{0DD3510F-5F34-4E85-9A72-2B273CA84F50}" presName="thickLine" presStyleLbl="alignNode1" presStyleIdx="3" presStyleCnt="5"/>
+      <dgm:spPr/>
+    </dgm:pt>
+    <dgm:pt modelId="{E602993C-D5A9-6542-B114-403B64C3B45D}" type="pres">
+      <dgm:prSet presAssocID="{0DD3510F-5F34-4E85-9A72-2B273CA84F50}" presName="horz1" presStyleCnt="0"/>
+      <dgm:spPr/>
+    </dgm:pt>
+    <dgm:pt modelId="{BEB901C2-03DC-474E-9820-42CB1CAF6F04}" type="pres">
+      <dgm:prSet presAssocID="{0DD3510F-5F34-4E85-9A72-2B273CA84F50}" presName="tx1" presStyleLbl="revTx" presStyleIdx="3" presStyleCnt="5"/>
+      <dgm:spPr/>
+    </dgm:pt>
+    <dgm:pt modelId="{85171B97-4D1C-EA42-B731-10797C57CE0E}" type="pres">
+      <dgm:prSet presAssocID="{0DD3510F-5F34-4E85-9A72-2B273CA84F50}" presName="vert1" presStyleCnt="0"/>
+      <dgm:spPr/>
+    </dgm:pt>
+    <dgm:pt modelId="{F4C3B2BF-A2A6-6C48-A6A0-E5A04A5C58DC}" type="pres">
+      <dgm:prSet presAssocID="{1AEFCF4E-3948-4E58-91ED-8696AA068637}" presName="thickLine" presStyleLbl="alignNode1" presStyleIdx="4" presStyleCnt="5"/>
+      <dgm:spPr/>
+    </dgm:pt>
+    <dgm:pt modelId="{F1333FDB-E349-4441-A462-C25A0381C801}" type="pres">
+      <dgm:prSet presAssocID="{1AEFCF4E-3948-4E58-91ED-8696AA068637}" presName="horz1" presStyleCnt="0"/>
+      <dgm:spPr/>
+    </dgm:pt>
+    <dgm:pt modelId="{9A5EAFCD-A647-0E4C-8E89-A9668935741D}" type="pres">
+      <dgm:prSet presAssocID="{1AEFCF4E-3948-4E58-91ED-8696AA068637}" presName="tx1" presStyleLbl="revTx" presStyleIdx="4" presStyleCnt="5"/>
+      <dgm:spPr/>
+    </dgm:pt>
+    <dgm:pt modelId="{0941D3F0-3DAE-AD4F-B5E7-AF5047B285A5}" type="pres">
+      <dgm:prSet presAssocID="{1AEFCF4E-3948-4E58-91ED-8696AA068637}" presName="vert1" presStyleCnt="0"/>
+      <dgm:spPr/>
+    </dgm:pt>
+  </dgm:ptLst>
+  <dgm:cxnLst>
+    <dgm:cxn modelId="{72759004-1C4B-A444-AF2F-4D697CC955C2}" type="presOf" srcId="{5A42BB77-9366-46A1-92AF-D838BD9EC34C}" destId="{4F1DBDD1-85E2-8340-B584-0AE49055816C}" srcOrd="0" destOrd="0" presId="urn:microsoft.com/office/officeart/2008/layout/LinedList"/>
+    <dgm:cxn modelId="{18B82F14-38A1-BB40-8097-FBF3F9AA6561}" type="presOf" srcId="{98E71ECD-3795-4615-8228-0E29291F43D1}" destId="{984438EA-4119-9E41-BB77-7041AC1273E2}" srcOrd="0" destOrd="0" presId="urn:microsoft.com/office/officeart/2008/layout/LinedList"/>
+    <dgm:cxn modelId="{BD005431-3530-4A42-9F65-EBA1DC47B18D}" srcId="{CA1E7074-E83E-49BA-8E15-524BF38FD8B7}" destId="{574A8A19-9349-41C4-9183-1252CB02753F}" srcOrd="2" destOrd="0" parTransId="{877BD4F8-84BE-410D-9C05-F0D8A6866651}" sibTransId="{A25F763E-C637-4C95-B183-9361E17A78F8}"/>
+    <dgm:cxn modelId="{98984A85-703E-4C46-9576-557167675303}" srcId="{CA1E7074-E83E-49BA-8E15-524BF38FD8B7}" destId="{0DD3510F-5F34-4E85-9A72-2B273CA84F50}" srcOrd="3" destOrd="0" parTransId="{229626DF-AAEC-40C5-892E-CC28688803BE}" sibTransId="{BA77D113-9478-40A4-92AD-2E45FE0310F7}"/>
+    <dgm:cxn modelId="{0CEEC28E-799B-8643-8E80-466E985352E2}" type="presOf" srcId="{CA1E7074-E83E-49BA-8E15-524BF38FD8B7}" destId="{22B60024-D954-EB48-A7D4-926A39698776}" srcOrd="0" destOrd="0" presId="urn:microsoft.com/office/officeart/2008/layout/LinedList"/>
+    <dgm:cxn modelId="{12CB5B94-FD60-491C-8984-306326DA6DA3}" srcId="{CA1E7074-E83E-49BA-8E15-524BF38FD8B7}" destId="{5A42BB77-9366-46A1-92AF-D838BD9EC34C}" srcOrd="1" destOrd="0" parTransId="{442777E8-7C76-4A7F-AAC9-E38DAB8F3F72}" sibTransId="{68A416E0-DCA9-45D1-BEB7-4AC46FDF3118}"/>
+    <dgm:cxn modelId="{C433E695-D831-4D0F-BC1C-DBFEA0B85569}" srcId="{CA1E7074-E83E-49BA-8E15-524BF38FD8B7}" destId="{98E71ECD-3795-4615-8228-0E29291F43D1}" srcOrd="0" destOrd="0" parTransId="{2C6D97BA-5491-4485-96F3-821C96D4B12F}" sibTransId="{D196075F-5F48-483E-8574-AB74954F288A}"/>
+    <dgm:cxn modelId="{C30BA19C-680F-9543-B5A4-DDDDB2127111}" type="presOf" srcId="{0DD3510F-5F34-4E85-9A72-2B273CA84F50}" destId="{BEB901C2-03DC-474E-9820-42CB1CAF6F04}" srcOrd="0" destOrd="0" presId="urn:microsoft.com/office/officeart/2008/layout/LinedList"/>
+    <dgm:cxn modelId="{0943559E-2736-4960-9A16-29B5C918B666}" srcId="{CA1E7074-E83E-49BA-8E15-524BF38FD8B7}" destId="{1AEFCF4E-3948-4E58-91ED-8696AA068637}" srcOrd="4" destOrd="0" parTransId="{09291C61-B4B1-41FF-8AD4-AE081A814F45}" sibTransId="{1F25A856-AD1A-4EDB-9FBC-9469B7E61337}"/>
+    <dgm:cxn modelId="{3A8C00C2-F3C1-8C46-B411-23E5F477CC8B}" type="presOf" srcId="{1AEFCF4E-3948-4E58-91ED-8696AA068637}" destId="{9A5EAFCD-A647-0E4C-8E89-A9668935741D}" srcOrd="0" destOrd="0" presId="urn:microsoft.com/office/officeart/2008/layout/LinedList"/>
+    <dgm:cxn modelId="{79888AF7-799F-0B42-9E97-D9146C989721}" type="presOf" srcId="{574A8A19-9349-41C4-9183-1252CB02753F}" destId="{5096E042-9CB2-3945-9DC3-616C3A8361E0}" srcOrd="0" destOrd="0" presId="urn:microsoft.com/office/officeart/2008/layout/LinedList"/>
+    <dgm:cxn modelId="{5681B560-1B28-7F49-A6AF-55FFE393113D}" type="presParOf" srcId="{22B60024-D954-EB48-A7D4-926A39698776}" destId="{E1AD35E4-6E2C-6049-8995-E94B51F7EBB9}" srcOrd="0" destOrd="0" presId="urn:microsoft.com/office/officeart/2008/layout/LinedList"/>
+    <dgm:cxn modelId="{EE034795-5AB9-DF4E-AD2F-FBAFB8323258}" type="presParOf" srcId="{22B60024-D954-EB48-A7D4-926A39698776}" destId="{AA6E0D47-A0D1-AE46-9B28-BE0FC994E08A}" srcOrd="1" destOrd="0" presId="urn:microsoft.com/office/officeart/2008/layout/LinedList"/>
+    <dgm:cxn modelId="{0020E649-B37D-1B46-A486-B770825BCA91}" type="presParOf" srcId="{AA6E0D47-A0D1-AE46-9B28-BE0FC994E08A}" destId="{984438EA-4119-9E41-BB77-7041AC1273E2}" srcOrd="0" destOrd="0" presId="urn:microsoft.com/office/officeart/2008/layout/LinedList"/>
+    <dgm:cxn modelId="{A5DD0D22-00DA-F340-A196-C6E51305E314}" type="presParOf" srcId="{AA6E0D47-A0D1-AE46-9B28-BE0FC994E08A}" destId="{65375D9D-5A3F-BF48-93A3-9EE67E8ED17A}" srcOrd="1" destOrd="0" presId="urn:microsoft.com/office/officeart/2008/layout/LinedList"/>
+    <dgm:cxn modelId="{BF0483D5-AEAA-494E-BFF5-F668B1073D4D}" type="presParOf" srcId="{22B60024-D954-EB48-A7D4-926A39698776}" destId="{C5C299D2-F277-C548-9F3A-F6EADA8BC43F}" srcOrd="2" destOrd="0" presId="urn:microsoft.com/office/officeart/2008/layout/LinedList"/>
+    <dgm:cxn modelId="{9A47F6E6-D8BC-B649-9355-FB4C00CD64CB}" type="presParOf" srcId="{22B60024-D954-EB48-A7D4-926A39698776}" destId="{FC80A551-C9E6-5243-ADC0-3CBA0624F6C4}" srcOrd="3" destOrd="0" presId="urn:microsoft.com/office/officeart/2008/layout/LinedList"/>
+    <dgm:cxn modelId="{277803CA-C469-994B-BBF7-75CE64D49D10}" type="presParOf" srcId="{FC80A551-C9E6-5243-ADC0-3CBA0624F6C4}" destId="{4F1DBDD1-85E2-8340-B584-0AE49055816C}" srcOrd="0" destOrd="0" presId="urn:microsoft.com/office/officeart/2008/layout/LinedList"/>
+    <dgm:cxn modelId="{25A953A2-668D-2F4F-9F84-F65C5A92C934}" type="presParOf" srcId="{FC80A551-C9E6-5243-ADC0-3CBA0624F6C4}" destId="{AED37B9F-0BBC-E240-8362-4DC0E0208687}" srcOrd="1" destOrd="0" presId="urn:microsoft.com/office/officeart/2008/layout/LinedList"/>
+    <dgm:cxn modelId="{CAD4112F-18EC-AB4E-B371-09313B522448}" type="presParOf" srcId="{22B60024-D954-EB48-A7D4-926A39698776}" destId="{BD3CD2E6-EE18-8048-8A5E-531C3F1B0E13}" srcOrd="4" destOrd="0" presId="urn:microsoft.com/office/officeart/2008/layout/LinedList"/>
+    <dgm:cxn modelId="{07A15A31-9B31-9348-974A-477609645347}" type="presParOf" srcId="{22B60024-D954-EB48-A7D4-926A39698776}" destId="{A1A02E5A-A169-D746-A88D-E7CD37C46C5E}" srcOrd="5" destOrd="0" presId="urn:microsoft.com/office/officeart/2008/layout/LinedList"/>
+    <dgm:cxn modelId="{FDF2936A-A574-4C45-B44B-7636799CF526}" type="presParOf" srcId="{A1A02E5A-A169-D746-A88D-E7CD37C46C5E}" destId="{5096E042-9CB2-3945-9DC3-616C3A8361E0}" srcOrd="0" destOrd="0" presId="urn:microsoft.com/office/officeart/2008/layout/LinedList"/>
+    <dgm:cxn modelId="{F3097303-3133-4E4A-B6E0-73F407524DAA}" type="presParOf" srcId="{A1A02E5A-A169-D746-A88D-E7CD37C46C5E}" destId="{F9841843-B631-EB4D-82EA-DDC7A834D0B0}" srcOrd="1" destOrd="0" presId="urn:microsoft.com/office/officeart/2008/layout/LinedList"/>
+    <dgm:cxn modelId="{2BAEA223-F68A-4C49-9FC5-C1669057894D}" type="presParOf" srcId="{22B60024-D954-EB48-A7D4-926A39698776}" destId="{456808C6-2FAD-2845-B9C1-FDBB79A52C54}" srcOrd="6" destOrd="0" presId="urn:microsoft.com/office/officeart/2008/layout/LinedList"/>
+    <dgm:cxn modelId="{83146AFB-AD79-CD48-91E7-26D6C4E3EAD8}" type="presParOf" srcId="{22B60024-D954-EB48-A7D4-926A39698776}" destId="{E602993C-D5A9-6542-B114-403B64C3B45D}" srcOrd="7" destOrd="0" presId="urn:microsoft.com/office/officeart/2008/layout/LinedList"/>
+    <dgm:cxn modelId="{1E9A1F5B-6511-D14E-A1C1-4C7E9B019C96}" type="presParOf" srcId="{E602993C-D5A9-6542-B114-403B64C3B45D}" destId="{BEB901C2-03DC-474E-9820-42CB1CAF6F04}" srcOrd="0" destOrd="0" presId="urn:microsoft.com/office/officeart/2008/layout/LinedList"/>
+    <dgm:cxn modelId="{396BCFDC-5CCE-8248-931D-9F812AC3DAAA}" type="presParOf" srcId="{E602993C-D5A9-6542-B114-403B64C3B45D}" destId="{85171B97-4D1C-EA42-B731-10797C57CE0E}" srcOrd="1" destOrd="0" presId="urn:microsoft.com/office/officeart/2008/layout/LinedList"/>
+    <dgm:cxn modelId="{4607F621-D877-F846-A92A-23D663A65D1D}" type="presParOf" srcId="{22B60024-D954-EB48-A7D4-926A39698776}" destId="{F4C3B2BF-A2A6-6C48-A6A0-E5A04A5C58DC}" srcOrd="8" destOrd="0" presId="urn:microsoft.com/office/officeart/2008/layout/LinedList"/>
+    <dgm:cxn modelId="{33C63A3E-E448-6943-8F4C-E8E1E8C67666}" type="presParOf" srcId="{22B60024-D954-EB48-A7D4-926A39698776}" destId="{F1333FDB-E349-4441-A462-C25A0381C801}" srcOrd="9" destOrd="0" presId="urn:microsoft.com/office/officeart/2008/layout/LinedList"/>
+    <dgm:cxn modelId="{DC4935AB-48F5-7B49-AEA5-9E814C5E260E}" type="presParOf" srcId="{F1333FDB-E349-4441-A462-C25A0381C801}" destId="{9A5EAFCD-A647-0E4C-8E89-A9668935741D}" srcOrd="0" destOrd="0" presId="urn:microsoft.com/office/officeart/2008/layout/LinedList"/>
+    <dgm:cxn modelId="{FA818713-8790-9C46-BECF-9807D173C9AD}" type="presParOf" srcId="{F1333FDB-E349-4441-A462-C25A0381C801}" destId="{0941D3F0-3DAE-AD4F-B5E7-AF5047B285A5}" srcOrd="1" destOrd="0" presId="urn:microsoft.com/office/officeart/2008/layout/LinedList"/>
+  </dgm:cxnLst>
+  <dgm:bg/>
+  <dgm:whole/>
+  <dgm:extLst>
+    <a:ext uri="http://schemas.microsoft.com/office/drawing/2008/diagram">
+      <dsp:dataModelExt xmlns:dsp="http://schemas.microsoft.com/office/drawing/2008/diagram" relId="rId7" minVer="http://schemas.openxmlformats.org/drawingml/2006/diagram"/>
+    </a:ext>
+  </dgm:extLst>
+</dgm:dataModel>
+</file>
+
+<file path=ppt/diagrams/drawing1.xml><?xml version="1.0" encoding="utf-8"?>
+<dsp:drawing xmlns:dgm="http://schemas.openxmlformats.org/drawingml/2006/diagram" xmlns:dsp="http://schemas.microsoft.com/office/drawing/2008/diagram" xmlns:a="http://schemas.openxmlformats.org/drawingml/2006/main">
+  <dsp:spTree>
+    <dsp:nvGrpSpPr>
+      <dsp:cNvPr id="0" name=""/>
+      <dsp:cNvGrpSpPr/>
+    </dsp:nvGrpSpPr>
+    <dsp:grpSpPr/>
+    <dsp:sp modelId="{E1AD35E4-6E2C-6049-8995-E94B51F7EBB9}">
+      <dsp:nvSpPr>
+        <dsp:cNvPr id="0" name=""/>
+        <dsp:cNvSpPr/>
+      </dsp:nvSpPr>
+      <dsp:spPr>
+        <a:xfrm>
+          <a:off x="0" y="614"/>
+          <a:ext cx="6246859" cy="0"/>
+        </a:xfrm>
+        <a:prstGeom prst="line">
+          <a:avLst/>
+        </a:prstGeom>
+        <a:solidFill>
+          <a:schemeClr val="accent2">
+            <a:hueOff val="0"/>
+            <a:satOff val="0"/>
+            <a:lumOff val="0"/>
+            <a:alphaOff val="0"/>
+          </a:schemeClr>
+        </a:solidFill>
+        <a:ln w="12700" cap="flat" cmpd="sng" algn="ctr">
+          <a:solidFill>
+            <a:schemeClr val="accent2">
+              <a:hueOff val="0"/>
+              <a:satOff val="0"/>
+              <a:lumOff val="0"/>
+              <a:alphaOff val="0"/>
+            </a:schemeClr>
+          </a:solidFill>
+          <a:prstDash val="solid"/>
+          <a:miter lim="800000"/>
+        </a:ln>
+        <a:effectLst/>
+      </dsp:spPr>
+      <dsp:style>
+        <a:lnRef idx="2">
+          <a:scrgbClr r="0" g="0" b="0"/>
+        </a:lnRef>
+        <a:fillRef idx="1">
+          <a:scrgbClr r="0" g="0" b="0"/>
+        </a:fillRef>
+        <a:effectRef idx="1">
+          <a:scrgbClr r="0" g="0" b="0"/>
+        </a:effectRef>
+        <a:fontRef idx="minor">
+          <a:schemeClr val="lt1"/>
+        </a:fontRef>
+      </dsp:style>
+    </dsp:sp>
+    <dsp:sp modelId="{984438EA-4119-9E41-BB77-7041AC1273E2}">
+      <dsp:nvSpPr>
+        <dsp:cNvPr id="0" name=""/>
+        <dsp:cNvSpPr/>
+      </dsp:nvSpPr>
+      <dsp:spPr>
+        <a:xfrm>
+          <a:off x="0" y="614"/>
+          <a:ext cx="6246859" cy="1006216"/>
+        </a:xfrm>
+        <a:prstGeom prst="rect">
+          <a:avLst/>
+        </a:prstGeom>
+        <a:noFill/>
+        <a:ln>
+          <a:noFill/>
+        </a:ln>
+        <a:effectLst/>
+      </dsp:spPr>
+      <dsp:style>
+        <a:lnRef idx="0">
+          <a:scrgbClr r="0" g="0" b="0"/>
+        </a:lnRef>
+        <a:fillRef idx="0">
+          <a:scrgbClr r="0" g="0" b="0"/>
+        </a:fillRef>
+        <a:effectRef idx="0">
+          <a:scrgbClr r="0" g="0" b="0"/>
+        </a:effectRef>
+        <a:fontRef idx="minor"/>
+      </dsp:style>
+      <dsp:txBody>
+        <a:bodyPr spcFirstLastPara="0" vert="horz" wrap="square" lIns="68580" tIns="68580" rIns="68580" bIns="68580" numCol="1" spcCol="1270" anchor="t" anchorCtr="0">
+          <a:noAutofit/>
+        </a:bodyPr>
+        <a:lstStyle/>
+        <a:p>
+          <a:pPr marL="0" lvl="0" indent="0" algn="l" defTabSz="800100">
+            <a:lnSpc>
+              <a:spcPct val="90000"/>
+            </a:lnSpc>
+            <a:spcBef>
+              <a:spcPct val="0"/>
+            </a:spcBef>
+            <a:spcAft>
+              <a:spcPct val="35000"/>
+            </a:spcAft>
+            <a:buNone/>
+          </a:pPr>
+          <a:r>
+            <a:rPr lang="en-US" sz="1800" kern="1200" dirty="0"/>
+            <a:t>Federal Reserve is responsible for setting short term interest rates and the money supply in an attempt to keep inflation and unemployment within an acceptable range.</a:t>
+          </a:r>
+        </a:p>
+      </dsp:txBody>
+      <dsp:txXfrm>
+        <a:off x="0" y="614"/>
+        <a:ext cx="6246859" cy="1006216"/>
+      </dsp:txXfrm>
+    </dsp:sp>
+    <dsp:sp modelId="{C5C299D2-F277-C548-9F3A-F6EADA8BC43F}">
+      <dsp:nvSpPr>
+        <dsp:cNvPr id="0" name=""/>
+        <dsp:cNvSpPr/>
+      </dsp:nvSpPr>
+      <dsp:spPr>
+        <a:xfrm>
+          <a:off x="0" y="1006830"/>
+          <a:ext cx="6246859" cy="0"/>
+        </a:xfrm>
+        <a:prstGeom prst="line">
+          <a:avLst/>
+        </a:prstGeom>
+        <a:solidFill>
+          <a:schemeClr val="accent2">
+            <a:hueOff val="0"/>
+            <a:satOff val="0"/>
+            <a:lumOff val="0"/>
+            <a:alphaOff val="0"/>
+          </a:schemeClr>
+        </a:solidFill>
+        <a:ln w="12700" cap="flat" cmpd="sng" algn="ctr">
+          <a:solidFill>
+            <a:schemeClr val="accent2">
+              <a:hueOff val="0"/>
+              <a:satOff val="0"/>
+              <a:lumOff val="0"/>
+              <a:alphaOff val="0"/>
+            </a:schemeClr>
+          </a:solidFill>
+          <a:prstDash val="solid"/>
+          <a:miter lim="800000"/>
+        </a:ln>
+        <a:effectLst/>
+      </dsp:spPr>
+      <dsp:style>
+        <a:lnRef idx="2">
+          <a:scrgbClr r="0" g="0" b="0"/>
+        </a:lnRef>
+        <a:fillRef idx="1">
+          <a:scrgbClr r="0" g="0" b="0"/>
+        </a:fillRef>
+        <a:effectRef idx="1">
+          <a:scrgbClr r="0" g="0" b="0"/>
+        </a:effectRef>
+        <a:fontRef idx="minor">
+          <a:schemeClr val="lt1"/>
+        </a:fontRef>
+      </dsp:style>
+    </dsp:sp>
+    <dsp:sp modelId="{4F1DBDD1-85E2-8340-B584-0AE49055816C}">
+      <dsp:nvSpPr>
+        <dsp:cNvPr id="0" name=""/>
+        <dsp:cNvSpPr/>
+      </dsp:nvSpPr>
+      <dsp:spPr>
+        <a:xfrm>
+          <a:off x="0" y="1006830"/>
+          <a:ext cx="6246859" cy="1006216"/>
+        </a:xfrm>
+        <a:prstGeom prst="rect">
+          <a:avLst/>
+        </a:prstGeom>
+        <a:noFill/>
+        <a:ln>
+          <a:noFill/>
+        </a:ln>
+        <a:effectLst/>
+      </dsp:spPr>
+      <dsp:style>
+        <a:lnRef idx="0">
+          <a:scrgbClr r="0" g="0" b="0"/>
+        </a:lnRef>
+        <a:fillRef idx="0">
+          <a:scrgbClr r="0" g="0" b="0"/>
+        </a:fillRef>
+        <a:effectRef idx="0">
+          <a:scrgbClr r="0" g="0" b="0"/>
+        </a:effectRef>
+        <a:fontRef idx="minor"/>
+      </dsp:style>
+      <dsp:txBody>
+        <a:bodyPr spcFirstLastPara="0" vert="horz" wrap="square" lIns="68580" tIns="68580" rIns="68580" bIns="68580" numCol="1" spcCol="1270" anchor="t" anchorCtr="0">
+          <a:noAutofit/>
+        </a:bodyPr>
+        <a:lstStyle/>
+        <a:p>
+          <a:pPr marL="0" lvl="0" indent="0" algn="l" defTabSz="800100">
+            <a:lnSpc>
+              <a:spcPct val="90000"/>
+            </a:lnSpc>
+            <a:spcBef>
+              <a:spcPct val="0"/>
+            </a:spcBef>
+            <a:spcAft>
+              <a:spcPct val="35000"/>
+            </a:spcAft>
+            <a:buNone/>
+          </a:pPr>
+          <a:r>
+            <a:rPr lang="en-US" sz="1800" kern="1200" dirty="0"/>
+            <a:t>Speeches and press releases by Federal Reserve Board members may provide insights into future changes in interest rates</a:t>
+          </a:r>
+        </a:p>
+      </dsp:txBody>
+      <dsp:txXfrm>
+        <a:off x="0" y="1006830"/>
+        <a:ext cx="6246859" cy="1006216"/>
+      </dsp:txXfrm>
+    </dsp:sp>
+    <dsp:sp modelId="{BD3CD2E6-EE18-8048-8A5E-531C3F1B0E13}">
+      <dsp:nvSpPr>
+        <dsp:cNvPr id="0" name=""/>
+        <dsp:cNvSpPr/>
+      </dsp:nvSpPr>
+      <dsp:spPr>
+        <a:xfrm>
+          <a:off x="0" y="2013047"/>
+          <a:ext cx="6246859" cy="0"/>
+        </a:xfrm>
+        <a:prstGeom prst="line">
+          <a:avLst/>
+        </a:prstGeom>
+        <a:solidFill>
+          <a:schemeClr val="accent2">
+            <a:hueOff val="0"/>
+            <a:satOff val="0"/>
+            <a:lumOff val="0"/>
+            <a:alphaOff val="0"/>
+          </a:schemeClr>
+        </a:solidFill>
+        <a:ln w="12700" cap="flat" cmpd="sng" algn="ctr">
+          <a:solidFill>
+            <a:schemeClr val="accent2">
+              <a:hueOff val="0"/>
+              <a:satOff val="0"/>
+              <a:lumOff val="0"/>
+              <a:alphaOff val="0"/>
+            </a:schemeClr>
+          </a:solidFill>
+          <a:prstDash val="solid"/>
+          <a:miter lim="800000"/>
+        </a:ln>
+        <a:effectLst/>
+      </dsp:spPr>
+      <dsp:style>
+        <a:lnRef idx="2">
+          <a:scrgbClr r="0" g="0" b="0"/>
+        </a:lnRef>
+        <a:fillRef idx="1">
+          <a:scrgbClr r="0" g="0" b="0"/>
+        </a:fillRef>
+        <a:effectRef idx="1">
+          <a:scrgbClr r="0" g="0" b="0"/>
+        </a:effectRef>
+        <a:fontRef idx="minor">
+          <a:schemeClr val="lt1"/>
+        </a:fontRef>
+      </dsp:style>
+    </dsp:sp>
+    <dsp:sp modelId="{5096E042-9CB2-3945-9DC3-616C3A8361E0}">
+      <dsp:nvSpPr>
+        <dsp:cNvPr id="0" name=""/>
+        <dsp:cNvSpPr/>
+      </dsp:nvSpPr>
+      <dsp:spPr>
+        <a:xfrm>
+          <a:off x="0" y="2013047"/>
+          <a:ext cx="6246859" cy="1006216"/>
+        </a:xfrm>
+        <a:prstGeom prst="rect">
+          <a:avLst/>
+        </a:prstGeom>
+        <a:noFill/>
+        <a:ln>
+          <a:noFill/>
+        </a:ln>
+        <a:effectLst/>
+      </dsp:spPr>
+      <dsp:style>
+        <a:lnRef idx="0">
+          <a:scrgbClr r="0" g="0" b="0"/>
+        </a:lnRef>
+        <a:fillRef idx="0">
+          <a:scrgbClr r="0" g="0" b="0"/>
+        </a:fillRef>
+        <a:effectRef idx="0">
+          <a:scrgbClr r="0" g="0" b="0"/>
+        </a:effectRef>
+        <a:fontRef idx="minor"/>
+      </dsp:style>
+      <dsp:txBody>
+        <a:bodyPr spcFirstLastPara="0" vert="horz" wrap="square" lIns="68580" tIns="68580" rIns="68580" bIns="68580" numCol="1" spcCol="1270" anchor="t" anchorCtr="0">
+          <a:noAutofit/>
+        </a:bodyPr>
+        <a:lstStyle/>
+        <a:p>
+          <a:pPr marL="0" lvl="0" indent="0" algn="l" defTabSz="800100">
+            <a:lnSpc>
+              <a:spcPct val="90000"/>
+            </a:lnSpc>
+            <a:spcBef>
+              <a:spcPct val="0"/>
+            </a:spcBef>
+            <a:spcAft>
+              <a:spcPct val="35000"/>
+            </a:spcAft>
+            <a:buNone/>
+          </a:pPr>
+          <a:r>
+            <a:rPr lang="en-US" sz="1800" kern="1200" dirty="0"/>
+            <a:t>Natural Language Processing (NLP) used to determine how different new speeches and press releases are from recent text in an attempt to explain changes in interest rates</a:t>
+          </a:r>
+        </a:p>
+      </dsp:txBody>
+      <dsp:txXfrm>
+        <a:off x="0" y="2013047"/>
+        <a:ext cx="6246859" cy="1006216"/>
+      </dsp:txXfrm>
+    </dsp:sp>
+    <dsp:sp modelId="{456808C6-2FAD-2845-B9C1-FDBB79A52C54}">
+      <dsp:nvSpPr>
+        <dsp:cNvPr id="0" name=""/>
+        <dsp:cNvSpPr/>
+      </dsp:nvSpPr>
+      <dsp:spPr>
+        <a:xfrm>
+          <a:off x="0" y="3019264"/>
+          <a:ext cx="6246859" cy="0"/>
+        </a:xfrm>
+        <a:prstGeom prst="line">
+          <a:avLst/>
+        </a:prstGeom>
+        <a:solidFill>
+          <a:schemeClr val="accent2">
+            <a:hueOff val="0"/>
+            <a:satOff val="0"/>
+            <a:lumOff val="0"/>
+            <a:alphaOff val="0"/>
+          </a:schemeClr>
+        </a:solidFill>
+        <a:ln w="12700" cap="flat" cmpd="sng" algn="ctr">
+          <a:solidFill>
+            <a:schemeClr val="accent2">
+              <a:hueOff val="0"/>
+              <a:satOff val="0"/>
+              <a:lumOff val="0"/>
+              <a:alphaOff val="0"/>
+            </a:schemeClr>
+          </a:solidFill>
+          <a:prstDash val="solid"/>
+          <a:miter lim="800000"/>
+        </a:ln>
+        <a:effectLst/>
+      </dsp:spPr>
+      <dsp:style>
+        <a:lnRef idx="2">
+          <a:scrgbClr r="0" g="0" b="0"/>
+        </a:lnRef>
+        <a:fillRef idx="1">
+          <a:scrgbClr r="0" g="0" b="0"/>
+        </a:fillRef>
+        <a:effectRef idx="1">
+          <a:scrgbClr r="0" g="0" b="0"/>
+        </a:effectRef>
+        <a:fontRef idx="minor">
+          <a:schemeClr val="lt1"/>
+        </a:fontRef>
+      </dsp:style>
+    </dsp:sp>
+    <dsp:sp modelId="{BEB901C2-03DC-474E-9820-42CB1CAF6F04}">
+      <dsp:nvSpPr>
+        <dsp:cNvPr id="0" name=""/>
+        <dsp:cNvSpPr/>
+      </dsp:nvSpPr>
+      <dsp:spPr>
+        <a:xfrm>
+          <a:off x="0" y="3019264"/>
+          <a:ext cx="6246859" cy="1006216"/>
+        </a:xfrm>
+        <a:prstGeom prst="rect">
+          <a:avLst/>
+        </a:prstGeom>
+        <a:noFill/>
+        <a:ln>
+          <a:noFill/>
+        </a:ln>
+        <a:effectLst/>
+      </dsp:spPr>
+      <dsp:style>
+        <a:lnRef idx="0">
+          <a:scrgbClr r="0" g="0" b="0"/>
+        </a:lnRef>
+        <a:fillRef idx="0">
+          <a:scrgbClr r="0" g="0" b="0"/>
+        </a:fillRef>
+        <a:effectRef idx="0">
+          <a:scrgbClr r="0" g="0" b="0"/>
+        </a:effectRef>
+        <a:fontRef idx="minor"/>
+      </dsp:style>
+      <dsp:txBody>
+        <a:bodyPr spcFirstLastPara="0" vert="horz" wrap="square" lIns="68580" tIns="68580" rIns="68580" bIns="68580" numCol="1" spcCol="1270" anchor="t" anchorCtr="0">
+          <a:noAutofit/>
+        </a:bodyPr>
+        <a:lstStyle/>
+        <a:p>
+          <a:pPr marL="0" lvl="0" indent="0" algn="l" defTabSz="800100">
+            <a:lnSpc>
+              <a:spcPct val="90000"/>
+            </a:lnSpc>
+            <a:spcBef>
+              <a:spcPct val="0"/>
+            </a:spcBef>
+            <a:spcAft>
+              <a:spcPct val="35000"/>
+            </a:spcAft>
+            <a:buNone/>
+          </a:pPr>
+          <a:r>
+            <a:rPr lang="en-US" sz="1800" kern="1200" dirty="0"/>
+            <a:t>483 public speeches from Federal Reserve Board members dating back to 2006</a:t>
+          </a:r>
+        </a:p>
+      </dsp:txBody>
+      <dsp:txXfrm>
+        <a:off x="0" y="3019264"/>
+        <a:ext cx="6246859" cy="1006216"/>
+      </dsp:txXfrm>
+    </dsp:sp>
+    <dsp:sp modelId="{F4C3B2BF-A2A6-6C48-A6A0-E5A04A5C58DC}">
+      <dsp:nvSpPr>
+        <dsp:cNvPr id="0" name=""/>
+        <dsp:cNvSpPr/>
+      </dsp:nvSpPr>
+      <dsp:spPr>
+        <a:xfrm>
+          <a:off x="0" y="4025481"/>
+          <a:ext cx="6246859" cy="0"/>
+        </a:xfrm>
+        <a:prstGeom prst="line">
+          <a:avLst/>
+        </a:prstGeom>
+        <a:solidFill>
+          <a:schemeClr val="accent2">
+            <a:hueOff val="0"/>
+            <a:satOff val="0"/>
+            <a:lumOff val="0"/>
+            <a:alphaOff val="0"/>
+          </a:schemeClr>
+        </a:solidFill>
+        <a:ln w="12700" cap="flat" cmpd="sng" algn="ctr">
+          <a:solidFill>
+            <a:schemeClr val="accent2">
+              <a:hueOff val="0"/>
+              <a:satOff val="0"/>
+              <a:lumOff val="0"/>
+              <a:alphaOff val="0"/>
+            </a:schemeClr>
+          </a:solidFill>
+          <a:prstDash val="solid"/>
+          <a:miter lim="800000"/>
+        </a:ln>
+        <a:effectLst/>
+      </dsp:spPr>
+      <dsp:style>
+        <a:lnRef idx="2">
+          <a:scrgbClr r="0" g="0" b="0"/>
+        </a:lnRef>
+        <a:fillRef idx="1">
+          <a:scrgbClr r="0" g="0" b="0"/>
+        </a:fillRef>
+        <a:effectRef idx="1">
+          <a:scrgbClr r="0" g="0" b="0"/>
+        </a:effectRef>
+        <a:fontRef idx="minor">
+          <a:schemeClr val="lt1"/>
+        </a:fontRef>
+      </dsp:style>
+    </dsp:sp>
+    <dsp:sp modelId="{9A5EAFCD-A647-0E4C-8E89-A9668935741D}">
+      <dsp:nvSpPr>
+        <dsp:cNvPr id="0" name=""/>
+        <dsp:cNvSpPr/>
+      </dsp:nvSpPr>
+      <dsp:spPr>
+        <a:xfrm>
+          <a:off x="0" y="4025481"/>
+          <a:ext cx="6246859" cy="1006216"/>
+        </a:xfrm>
+        <a:prstGeom prst="rect">
+          <a:avLst/>
+        </a:prstGeom>
+        <a:noFill/>
+        <a:ln>
+          <a:noFill/>
+        </a:ln>
+        <a:effectLst/>
+      </dsp:spPr>
+      <dsp:style>
+        <a:lnRef idx="0">
+          <a:scrgbClr r="0" g="0" b="0"/>
+        </a:lnRef>
+        <a:fillRef idx="0">
+          <a:scrgbClr r="0" g="0" b="0"/>
+        </a:fillRef>
+        <a:effectRef idx="0">
+          <a:scrgbClr r="0" g="0" b="0"/>
+        </a:effectRef>
+        <a:fontRef idx="minor"/>
+      </dsp:style>
+      <dsp:txBody>
+        <a:bodyPr spcFirstLastPara="0" vert="horz" wrap="square" lIns="68580" tIns="68580" rIns="68580" bIns="68580" numCol="1" spcCol="1270" anchor="t" anchorCtr="0">
+          <a:noAutofit/>
+        </a:bodyPr>
+        <a:lstStyle/>
+        <a:p>
+          <a:pPr marL="0" lvl="0" indent="0" algn="l" defTabSz="800100">
+            <a:lnSpc>
+              <a:spcPct val="90000"/>
+            </a:lnSpc>
+            <a:spcBef>
+              <a:spcPct val="0"/>
+            </a:spcBef>
+            <a:spcAft>
+              <a:spcPct val="35000"/>
+            </a:spcAft>
+            <a:buNone/>
+          </a:pPr>
+          <a:r>
+            <a:rPr lang="en-US" sz="1800" kern="1200" dirty="0"/>
+            <a:t>43 Federal Open Market Committee (the committee that votes to change interest rates) minutes since 2014</a:t>
+          </a:r>
+        </a:p>
+      </dsp:txBody>
+      <dsp:txXfrm>
+        <a:off x="0" y="4025481"/>
+        <a:ext cx="6246859" cy="1006216"/>
+      </dsp:txXfrm>
+    </dsp:sp>
+  </dsp:spTree>
+</dsp:drawing>
+</file>
+
+<file path=ppt/diagrams/layout1.xml><?xml version="1.0" encoding="utf-8"?>
+<dgm:layoutDef xmlns:dgm="http://schemas.openxmlformats.org/drawingml/2006/diagram" xmlns:a="http://schemas.openxmlformats.org/drawingml/2006/main" uniqueId="urn:microsoft.com/office/officeart/2008/layout/LinedList">
+  <dgm:title val=""/>
+  <dgm:desc val=""/>
+  <dgm:catLst>
+    <dgm:cat type="hierarchy" pri="8000"/>
+    <dgm:cat type="list" pri="2500"/>
+  </dgm:catLst>
+  <dgm:sampData>
+    <dgm:dataModel>
+      <dgm:ptLst>
+        <dgm:pt modelId="0" type="doc"/>
+        <dgm:pt modelId="1">
+          <dgm:prSet phldr="1"/>
+        </dgm:pt>
+        <dgm:pt modelId="11">
+          <dgm:prSet phldr="1"/>
+        </dgm:pt>
+        <dgm:pt modelId="12">
+          <dgm:prSet phldr="1"/>
+        </dgm:pt>
+        <dgm:pt modelId="13">
+          <dgm:prSet phldr="1"/>
+        </dgm:pt>
+      </dgm:ptLst>
+      <dgm:cxnLst>
+        <dgm:cxn modelId="2" srcId="0" destId="1" srcOrd="0" destOrd="0"/>
+        <dgm:cxn modelId="3" srcId="1" destId="11" srcOrd="0" destOrd="0"/>
+        <dgm:cxn modelId="4" srcId="1" destId="12" srcOrd="1" destOrd="0"/>
+        <dgm:cxn modelId="5" srcId="1" destId="13" srcOrd="2" destOrd="0"/>
+      </dgm:cxnLst>
+      <dgm:bg/>
+      <dgm:whole/>
+    </dgm:dataModel>
+  </dgm:sampData>
+  <dgm:styleData>
+    <dgm:dataModel>
+      <dgm:ptLst>
+        <dgm:pt modelId="0" type="doc"/>
+        <dgm:pt modelId="1">
+          <dgm:prSet phldr="1"/>
+        </dgm:pt>
+        <dgm:pt modelId="11">
+          <dgm:prSet phldr="1"/>
+        </dgm:pt>
+        <dgm:pt modelId="12">
+          <dgm:prSet phldr="1"/>
+        </dgm:pt>
+      </dgm:ptLst>
+      <dgm:cxnLst>
+        <dgm:cxn modelId="2" srcId="0" destId="1" srcOrd="0" destOrd="0"/>
+        <dgm:cxn modelId="3" srcId="1" destId="11" srcOrd="0" destOrd="0"/>
+        <dgm:cxn modelId="4" srcId="1" destId="12" srcOrd="1" destOrd="0"/>
+      </dgm:cxnLst>
+      <dgm:bg/>
+      <dgm:whole/>
+    </dgm:dataModel>
+  </dgm:styleData>
+  <dgm:clrData>
+    <dgm:dataModel>
+      <dgm:ptLst>
+        <dgm:pt modelId="0" type="doc"/>
+        <dgm:pt modelId="1">
+          <dgm:prSet phldr="1"/>
+        </dgm:pt>
+        <dgm:pt modelId="11">
+          <dgm:prSet phldr="1"/>
+        </dgm:pt>
+        <dgm:pt modelId="12">
+          <dgm:prSet phldr="1"/>
+        </dgm:pt>
+      </dgm:ptLst>
+      <dgm:cxnLst>
+        <dgm:cxn modelId="2" srcId="0" destId="1" srcOrd="0" destOrd="0"/>
+        <dgm:cxn modelId="3" srcId="1" destId="11" srcOrd="0" destOrd="0"/>
+        <dgm:cxn modelId="4" srcId="1" destId="12" srcOrd="1" destOrd="0"/>
+      </dgm:cxnLst>
+      <dgm:bg/>
+      <dgm:whole/>
+    </dgm:dataModel>
+  </dgm:clrData>
+  <dgm:layoutNode name="vert0">
+    <dgm:varLst>
+      <dgm:dir/>
+      <dgm:animOne val="branch"/>
+      <dgm:animLvl val="lvl"/>
+    </dgm:varLst>
+    <dgm:choose name="Name0">
+      <dgm:if name="Name1" func="var" arg="dir" op="equ" val="norm">
+        <dgm:alg type="lin">
+          <dgm:param type="linDir" val="fromT"/>
+          <dgm:param type="nodeHorzAlign" val="l"/>
+        </dgm:alg>
+      </dgm:if>
+      <dgm:else name="Name2">
+        <dgm:alg type="lin">
+          <dgm:param type="linDir" val="fromT"/>
+          <dgm:param type="nodeHorzAlign" val="r"/>
+        </dgm:alg>
+      </dgm:else>
+    </dgm:choose>
+    <dgm:shape xmlns:r="http://schemas.openxmlformats.org/officeDocument/2006/relationships" r:blip="">
+      <dgm:adjLst/>
+    </dgm:shape>
+    <dgm:presOf/>
+    <dgm:constrLst>
+      <dgm:constr type="w" for="ch" forName="horz1" refType="w"/>
+      <dgm:constr type="h" for="ch" forName="horz1" refType="h"/>
+      <dgm:constr type="h" for="des" forName="vert1" refType="h"/>
+      <dgm:constr type="h" for="des" forName="tx1" refType="h"/>
+      <dgm:constr type="h" for="des" forName="horz2" refType="h"/>
+      <dgm:constr type="h" for="des" forName="vert2" refType="h"/>
+      <dgm:constr type="h" for="des" forName="horz3" refType="h"/>
+      <dgm:constr type="h" for="des" forName="vert3" refType="h"/>
+      <dgm:constr type="h" for="des" forName="horz4" refType="h"/>
+      <dgm:constr type="h" for="des" ptType="node" refType="h"/>
+      <dgm:constr type="primFontSz" for="des" forName="tx1" op="equ" val="65"/>
+      <dgm:constr type="primFontSz" for="des" forName="tx2" op="equ" val="65"/>
+      <dgm:constr type="primFontSz" for="des" forName="tx3" op="equ" val="65"/>
+      <dgm:constr type="primFontSz" for="des" forName="tx4" op="equ" val="65"/>
+      <dgm:constr type="w" for="des" forName="thickLine" refType="w"/>
+      <dgm:constr type="h" for="des" forName="thickLine"/>
+      <dgm:constr type="h" for="des" forName="thinLine1"/>
+      <dgm:constr type="h" for="des" forName="thinLine2b"/>
+      <dgm:constr type="h" for="des" forName="thinLine3"/>
+      <dgm:constr type="h" for="des" forName="vertSpace2a" refType="h" fact="0.05"/>
+      <dgm:constr type="h" for="des" forName="vertSpace2b" refType="h" refFor="des" refForName="vertSpace2a"/>
+    </dgm:constrLst>
+    <dgm:forEach name="Name3" axis="ch" ptType="node">
+      <dgm:layoutNode name="thickLine" styleLbl="alignNode1">
+        <dgm:alg type="sp"/>
+        <dgm:shape xmlns:r="http://schemas.openxmlformats.org/officeDocument/2006/relationships" type="line" r:blip="">
+          <dgm:adjLst/>
+        </dgm:shape>
+        <dgm:presOf/>
+      </dgm:layoutNode>
+      <dgm:layoutNode name="horz1">
+        <dgm:choose name="Name4">
+          <dgm:if name="Name5" func="var" arg="dir" op="equ" val="norm">
+            <dgm:alg type="lin">
+              <dgm:param type="linDir" val="fromL"/>
+              <dgm:param type="nodeVertAlign" val="t"/>
+            </dgm:alg>
+          </dgm:if>
+          <dgm:else name="Name6">
+            <dgm:alg type="lin">
+              <dgm:param type="linDir" val="fromR"/>
+              <dgm:param type="nodeVertAlign" val="t"/>
+            </dgm:alg>
+          </dgm:else>
+        </dgm:choose>
+        <dgm:shape xmlns:r="http://schemas.openxmlformats.org/officeDocument/2006/relationships" r:blip="">
+          <dgm:adjLst/>
+        </dgm:shape>
+        <dgm:presOf/>
+        <dgm:choose name="Name7">
+          <dgm:if name="Name8" axis="root des" func="maxDepth" op="equ" val="1">
+            <dgm:constrLst>
+              <dgm:constr type="w" for="ch" forName="tx1" refType="w"/>
+            </dgm:constrLst>
+          </dgm:if>
+          <dgm:if name="Name9" axis="root des" func="maxDepth" op="equ" val="2">
+            <dgm:constrLst>
+              <dgm:constr type="w" for="ch" forName="tx1" refType="w" fact="0.2"/>
+              <dgm:constr type="w" for="des" forName="tx2" refType="w" fact="0.785"/>
+              <dgm:constr type="w" for="des" forName="horzSpace2" refType="w" fact="0.015"/>
+              <dgm:constr type="w" for="des" forName="thinLine2b" refType="w" fact="0.8"/>
+            </dgm:constrLst>
+          </dgm:if>
+          <dgm:if name="Name10" axis="root des" func="maxDepth" op="equ" val="3">
+            <dgm:constrLst>
+              <dgm:constr type="w" for="ch" forName="tx1" refType="w" fact="0.2"/>
+              <dgm:constr type="w" for="des" forName="tx2" refType="w" fact="0.385"/>
+              <dgm:constr type="w" for="des" forName="tx3" refType="w" fact="0.385"/>
+              <dgm:constr type="w" for="des" forName="horzSpace2" refType="w" fact="0.015"/>
+              <dgm:constr type="w" for="des" forName="horzSpace3" refType="w" fact="0.015"/>
+              <dgm:constr type="w" for="des" forName="thinLine2b" refType="w" fact="0.8"/>
+              <dgm:constr type="w" for="des" forName="thinLine3" refType="w" fact="0.385"/>
+            </dgm:constrLst>
+          </dgm:if>
+          <dgm:if name="Name11" axis="root des" func="maxDepth" op="gte" val="4">
+            <dgm:constrLst>
+              <dgm:constr type="w" for="ch" forName="tx1" refType="w" fact="0.2"/>
+              <dgm:constr type="w" for="des" forName="tx2" refType="w" fact="0.2516"/>
+              <dgm:constr type="w" for="des" forName="tx3" refType="w" fact="0.2516"/>
+              <dgm:constr type="w" for="des" forName="tx4" refType="w" fact="0.2516"/>
+              <dgm:constr type="w" for="des" forName="horzSpace2" refType="w" fact="0.015"/>
+              <dgm:constr type="w" for="des" forName="horzSpace3" refType="w" fact="0.015"/>
+              <dgm:constr type="w" for="des" forName="horzSpace4" refType="w" fact="0.015"/>
+              <dgm:constr type="w" for="des" forName="thinLine2b" refType="w" fact="0.8"/>
+              <dgm:constr type="w" for="des" forName="thinLine3" refType="w" fact="0.5332"/>
+            </dgm:constrLst>
+          </dgm:if>
+          <dgm:else name="Name12"/>
+        </dgm:choose>
+        <dgm:layoutNode name="tx1" styleLbl="revTx">
+          <dgm:alg type="tx">
+            <dgm:param type="parTxLTRAlign" val="l"/>
+            <dgm:param type="parTxRTLAlign" val="r"/>
+            <dgm:param type="txAnchorVert" val="t"/>
+          </dgm:alg>
+          <dgm:shape xmlns:r="http://schemas.openxmlformats.org/officeDocument/2006/relationships" type="rect" r:blip="">
+            <dgm:adjLst/>
+          </dgm:shape>
+          <dgm:presOf axis="self"/>
+          <dgm:constrLst>
+            <dgm:constr type="tMarg" refType="primFontSz" fact="0.3"/>
+            <dgm:constr type="bMarg" refType="primFontSz" fact="0.3"/>
+            <dgm:constr type="lMarg" refType="primFontSz" fact="0.3"/>
+            <dgm:constr type="rMarg" refType="primFontSz" fact="0.3"/>
+          </dgm:constrLst>
+          <dgm:ruleLst>
+            <dgm:rule type="primFontSz" val="5" fact="NaN" max="NaN"/>
+          </dgm:ruleLst>
+        </dgm:layoutNode>
+        <dgm:layoutNode name="vert1">
+          <dgm:choose name="Name13">
+            <dgm:if name="Name14" func="var" arg="dir" op="equ" val="norm">
+              <dgm:alg type="lin">
+                <dgm:param type="linDir" val="fromT"/>
+                <dgm:param type="nodeHorzAlign" val="l"/>
+              </dgm:alg>
+            </dgm:if>
+            <dgm:else name="Name15">
+              <dgm:alg type="lin">
+                <dgm:param type="linDir" val="fromT"/>
+                <dgm:param type="nodeHorzAlign" val="r"/>
+              </dgm:alg>
+            </dgm:else>
+          </dgm:choose>
+          <dgm:shape xmlns:r="http://schemas.openxmlformats.org/officeDocument/2006/relationships" r:blip="">
+            <dgm:adjLst/>
+          </dgm:shape>
+          <dgm:presOf/>
+          <dgm:forEach name="Name16" axis="ch" ptType="node">
+            <dgm:choose name="Name17">
+              <dgm:if name="Name18" axis="self" ptType="node" func="pos" op="equ" val="1">
+                <dgm:layoutNode name="vertSpace2a">
+                  <dgm:alg type="sp"/>
+                  <dgm:shape xmlns:r="http://schemas.openxmlformats.org/officeDocument/2006/relationships" r:blip="">
+                    <dgm:adjLst/>
+                  </dgm:shape>
+                  <dgm:presOf/>
+                </dgm:layoutNode>
+              </dgm:if>
+              <dgm:else name="Name19"/>
+            </dgm:choose>
+            <dgm:layoutNode name="horz2">
+              <dgm:choose name="Name20">
+                <dgm:if name="Name21" func="var" arg="dir" op="equ" val="norm">
+                  <dgm:alg type="lin">
+                    <dgm:param type="linDir" val="fromL"/>
+                    <dgm:param type="nodeVertAlign" val="t"/>
+                  </dgm:alg>
+                </dgm:if>
+                <dgm:else name="Name22">
+                  <dgm:alg type="lin">
+                    <dgm:param type="linDir" val="fromR"/>
+                    <dgm:param type="nodeVertAlign" val="t"/>
+                  </dgm:alg>
+                </dgm:else>
+              </dgm:choose>
+              <dgm:shape xmlns:r="http://schemas.openxmlformats.org/officeDocument/2006/relationships" r:blip="">
+                <dgm:adjLst/>
+              </dgm:shape>
+              <dgm:presOf/>
+              <dgm:layoutNode name="horzSpace2">
+                <dgm:alg type="sp"/>
+                <dgm:shape xmlns:r="http://schemas.openxmlformats.org/officeDocument/2006/relationships" r:blip="">
+                  <dgm:adjLst/>
+                </dgm:shape>
+                <dgm:presOf/>
+              </dgm:layoutNode>
+              <dgm:layoutNode name="tx2" styleLbl="revTx">
+                <dgm:alg type="tx">
+                  <dgm:param type="parTxLTRAlign" val="l"/>
+                  <dgm:param type="parTxRTLAlign" val="r"/>
+                  <dgm:param type="txAnchorVert" val="t"/>
+                </dgm:alg>
+                <dgm:shape xmlns:r="http://schemas.openxmlformats.org/officeDocument/2006/relationships" type="rect" r:blip="">
+                  <dgm:adjLst/>
+                </dgm:shape>
+                <dgm:presOf axis="self"/>
+                <dgm:constrLst>
+                  <dgm:constr type="tMarg" refType="primFontSz" fact="0.3"/>
+                  <dgm:constr type="bMarg" refType="primFontSz" fact="0.3"/>
+                  <dgm:constr type="lMarg" refType="primFontSz" fact="0.3"/>
+                  <dgm:constr type="rMarg" refType="primFontSz" fact="0.3"/>
+                </dgm:constrLst>
+                <dgm:ruleLst>
+                  <dgm:rule type="primFontSz" val="5" fact="NaN" max="NaN"/>
+                </dgm:ruleLst>
+              </dgm:layoutNode>
+              <dgm:layoutNode name="vert2">
+                <dgm:choose name="Name23">
+                  <dgm:if name="Name24" func="var" arg="dir" op="equ" val="norm">
+                    <dgm:alg type="lin">
+                      <dgm:param type="linDir" val="fromT"/>
+                      <dgm:param type="nodeHorzAlign" val="l"/>
+                    </dgm:alg>
+                  </dgm:if>
+                  <dgm:else name="Name25">
+                    <dgm:alg type="lin">
+                      <dgm:param type="linDir" val="fromT"/>
+                      <dgm:param type="nodeHorzAlign" val="r"/>
+                    </dgm:alg>
+                  </dgm:else>
+                </dgm:choose>
+                <dgm:shape xmlns:r="http://schemas.openxmlformats.org/officeDocument/2006/relationships" r:blip="">
+                  <dgm:adjLst/>
+                </dgm:shape>
+                <dgm:presOf/>
+                <dgm:forEach name="Name26" axis="ch" ptType="node">
+                  <dgm:layoutNode name="horz3">
+                    <dgm:choose name="Name27">
+                      <dgm:if name="Name28" func="var" arg="dir" op="equ" val="norm">
+                        <dgm:alg type="lin">
+                          <dgm:param type="linDir" val="fromL"/>
+                          <dgm:param type="nodeVertAlign" val="t"/>
+                        </dgm:alg>
+                      </dgm:if>
+                      <dgm:else name="Name29">
+                        <dgm:alg type="lin">
+                          <dgm:param type="linDir" val="fromR"/>
+                          <dgm:param type="nodeVertAlign" val="t"/>
+                        </dgm:alg>
+                      </dgm:else>
+                    </dgm:choose>
+                    <dgm:shape xmlns:r="http://schemas.openxmlformats.org/officeDocument/2006/relationships" r:blip="">
+                      <dgm:adjLst/>
+                    </dgm:shape>
+                    <dgm:presOf/>
+                    <dgm:layoutNode name="horzSpace3">
+                      <dgm:alg type="sp"/>
+                      <dgm:shape xmlns:r="http://schemas.openxmlformats.org/officeDocument/2006/relationships" r:blip="">
+                        <dgm:adjLst/>
+                      </dgm:shape>
+                      <dgm:presOf/>
+                    </dgm:layoutNode>
+                    <dgm:layoutNode name="tx3" styleLbl="revTx">
+                      <dgm:alg type="tx">
+                        <dgm:param type="parTxLTRAlign" val="l"/>
+                        <dgm:param type="parTxRTLAlign" val="r"/>
+                        <dgm:param type="txAnchorVert" val="t"/>
+                      </dgm:alg>
+                      <dgm:shape xmlns:r="http://schemas.openxmlformats.org/officeDocument/2006/relationships" type="rect" r:blip="">
+                        <dgm:adjLst/>
+                      </dgm:shape>
+                      <dgm:presOf axis="self"/>
+                      <dgm:constrLst>
+                        <dgm:constr type="tMarg" refType="primFontSz" fact="0.3"/>
+                        <dgm:constr type="bMarg" refType="primFontSz" fact="0.3"/>
+                        <dgm:constr type="lMarg" refType="primFontSz" fact="0.3"/>
+                        <dgm:constr type="rMarg" refType="primFontSz" fact="0.3"/>
+                      </dgm:constrLst>
+                      <dgm:ruleLst>
+                        <dgm:rule type="primFontSz" val="5" fact="NaN" max="NaN"/>
+                      </dgm:ruleLst>
+                    </dgm:layoutNode>
+                    <dgm:layoutNode name="vert3">
+                      <dgm:choose name="Name30">
+                        <dgm:if name="Name31" func="var" arg="dir" op="equ" val="norm">
+                          <dgm:alg type="lin">
+                            <dgm:param type="linDir" val="fromT"/>
+                            <dgm:param type="nodeHorzAlign" val="l"/>
+                          </dgm:alg>
+                        </dgm:if>
+                        <dgm:else name="Name32">
+                          <dgm:alg type="lin">
+                            <dgm:param type="linDir" val="fromT"/>
+                            <dgm:param type="nodeHorzAlign" val="r"/>
+                          </dgm:alg>
+                        </dgm:else>
+                      </dgm:choose>
+                      <dgm:shape xmlns:r="http://schemas.openxmlformats.org/officeDocument/2006/relationships" r:blip="">
+                        <dgm:adjLst/>
+                      </dgm:shape>
+                      <dgm:presOf/>
+                      <dgm:forEach name="Name33" axis="ch" ptType="node">
+                        <dgm:layoutNode name="horz4">
+                          <dgm:choose name="Name34">
+                            <dgm:if name="Name35" func="var" arg="dir" op="equ" val="norm">
+                              <dgm:alg type="lin">
+                                <dgm:param type="linDir" val="fromL"/>
+                                <dgm:param type="nodeVertAlign" val="t"/>
+                              </dgm:alg>
+                            </dgm:if>
+                            <dgm:else name="Name36">
+                              <dgm:alg type="lin">
+                                <dgm:param type="linDir" val="fromR"/>
+                                <dgm:param type="nodeVertAlign" val="t"/>
+                              </dgm:alg>
+                            </dgm:else>
+                          </dgm:choose>
+                          <dgm:shape xmlns:r="http://schemas.openxmlformats.org/officeDocument/2006/relationships" r:blip="">
+                            <dgm:adjLst/>
+                          </dgm:shape>
+                          <dgm:presOf/>
+                          <dgm:layoutNode name="horzSpace4">
+                            <dgm:alg type="sp"/>
+                            <dgm:shape xmlns:r="http://schemas.openxmlformats.org/officeDocument/2006/relationships" r:blip="">
+                              <dgm:adjLst/>
+                            </dgm:shape>
+                            <dgm:presOf/>
+                          </dgm:layoutNode>
+                          <dgm:layoutNode name="tx4" styleLbl="revTx">
+                            <dgm:varLst>
+                              <dgm:bulletEnabled val="1"/>
+                            </dgm:varLst>
+                            <dgm:alg type="tx">
+                              <dgm:param type="parTxLTRAlign" val="l"/>
+                              <dgm:param type="parTxRTLAlign" val="r"/>
+                              <dgm:param type="txAnchorVert" val="t"/>
+                            </dgm:alg>
+                            <dgm:shape xmlns:r="http://schemas.openxmlformats.org/officeDocument/2006/relationships" type="rect" r:blip="">
+                              <dgm:adjLst/>
+                            </dgm:shape>
+                            <dgm:presOf axis="desOrSelf" ptType="node"/>
+                            <dgm:constrLst>
+                              <dgm:constr type="tMarg" refType="primFontSz" fact="0.3"/>
+                              <dgm:constr type="bMarg" refType="primFontSz" fact="0.3"/>
+                              <dgm:constr type="lMarg" refType="primFontSz" fact="0.3"/>
+                              <dgm:constr type="rMarg" refType="primFontSz" fact="0.3"/>
+                            </dgm:constrLst>
+                            <dgm:ruleLst>
+                              <dgm:rule type="primFontSz" val="5" fact="NaN" max="NaN"/>
+                            </dgm:ruleLst>
+                          </dgm:layoutNode>
+                        </dgm:layoutNode>
+                      </dgm:forEach>
+                    </dgm:layoutNode>
+                  </dgm:layoutNode>
+                  <dgm:forEach name="Name37" axis="followSib" ptType="sibTrans" cnt="1">
+                    <dgm:layoutNode name="thinLine3" styleLbl="callout">
+                      <dgm:alg type="sp"/>
+                      <dgm:shape xmlns:r="http://schemas.openxmlformats.org/officeDocument/2006/relationships" type="line" r:blip="">
+                        <dgm:adjLst/>
+                      </dgm:shape>
+                      <dgm:presOf/>
+                    </dgm:layoutNode>
+                  </dgm:forEach>
+                </dgm:forEach>
+              </dgm:layoutNode>
+            </dgm:layoutNode>
+            <dgm:layoutNode name="thinLine2b" styleLbl="callout">
+              <dgm:alg type="sp"/>
+              <dgm:shape xmlns:r="http://schemas.openxmlformats.org/officeDocument/2006/relationships" type="line" r:blip="">
+                <dgm:adjLst/>
+              </dgm:shape>
+              <dgm:presOf/>
+            </dgm:layoutNode>
+            <dgm:layoutNode name="vertSpace2b">
+              <dgm:alg type="sp"/>
+              <dgm:shape xmlns:r="http://schemas.openxmlformats.org/officeDocument/2006/relationships" r:blip="">
+                <dgm:adjLst/>
+              </dgm:shape>
+              <dgm:presOf/>
+            </dgm:layoutNode>
+          </dgm:forEach>
+        </dgm:layoutNode>
+      </dgm:layoutNode>
+    </dgm:forEach>
+  </dgm:layoutNode>
+</dgm:layoutDef>
+</file>
+
+<file path=ppt/diagrams/quickStyle1.xml><?xml version="1.0" encoding="utf-8"?>
+<dgm:styleDef xmlns:dgm="http://schemas.openxmlformats.org/drawingml/2006/diagram" xmlns:a="http://schemas.openxmlformats.org/drawingml/2006/main" uniqueId="urn:microsoft.com/office/officeart/2005/8/quickstyle/simple2">
+  <dgm:title val=""/>
+  <dgm:desc val=""/>
+  <dgm:catLst>
+    <dgm:cat type="simple" pri="10200"/>
+  </dgm:catLst>
+  <dgm:scene3d>
+    <a:camera prst="orthographicFront"/>
+    <a:lightRig rig="threePt" dir="t"/>
+  </dgm:scene3d>
+  <dgm:styleLbl name="node0">
+    <dgm:scene3d>
+      <a:camera prst="orthographicFront"/>
+      <a:lightRig rig="threePt" dir="t"/>
+    </dgm:scene3d>
+    <dgm:sp3d/>
+    <dgm:txPr/>
+    <dgm:style>
+      <a:lnRef idx="3">
+        <a:scrgbClr r="0" g="0" b="0"/>
+      </a:lnRef>
+      <a:fillRef idx="1">
+        <a:scrgbClr r="0" g="0" b="0"/>
+      </a:fillRef>
+      <a:effectRef idx="1">
+        <a:scrgbClr r="0" g="0" b="0"/>
+      </a:effectRef>
+      <a:fontRef idx="minor">
+        <a:schemeClr val="lt1"/>
+      </a:fontRef>
+    </dgm:style>
+  </dgm:styleLbl>
+  <dgm:styleLbl name="lnNode1">
+    <dgm:scene3d>
+      <a:camera prst="orthographicFront"/>
+      <a:lightRig rig="threePt" dir="t"/>
+    </dgm:scene3d>
+    <dgm:sp3d/>
+    <dgm:txPr/>
+    <dgm:style>
+      <a:lnRef idx="3">
+        <a:scrgbClr r="0" g="0" b="0"/>
+      </a:lnRef>
+      <a:fillRef idx="1">
+        <a:scrgbClr r="0" g="0" b="0"/>
+      </a:fillRef>
+      <a:effectRef idx="1">
+        <a:scrgbClr r="0" g="0" b="0"/>
+      </a:effectRef>
+      <a:fontRef idx="minor">
+        <a:schemeClr val="lt1"/>
+      </a:fontRef>
+    </dgm:style>
+  </dgm:styleLbl>
+  <dgm:styleLbl name="vennNode1">
+    <dgm:scene3d>
+      <a:camera prst="orthographicFront"/>
+      <a:lightRig rig="threePt" dir="t"/>
+    </dgm:scene3d>
+    <dgm:sp3d/>
+    <dgm:txPr/>
+    <dgm:style>
+      <a:lnRef idx="3">
+        <a:scrgbClr r="0" g="0" b="0"/>
+      </a:lnRef>
+      <a:fillRef idx="1">
+        <a:scrgbClr r="0" g="0" b="0"/>
+      </a:fillRef>
+      <a:effectRef idx="0">
+        <a:scrgbClr r="0" g="0" b="0"/>
+      </a:effectRef>
+      <a:fontRef idx="minor">
+        <a:schemeClr val="tx1"/>
+      </a:fontRef>
+    </dgm:style>
+  </dgm:styleLbl>
+  <dgm:styleLbl name="alignNode1">
+    <dgm:scene3d>
+      <a:camera prst="orthographicFront"/>
+      <a:lightRig rig="threePt" dir="t"/>
+    </dgm:scene3d>
+    <dgm:sp3d/>
+    <dgm:txPr/>
+    <dgm:style>
+      <a:lnRef idx="2">
+        <a:scrgbClr r="0" g="0" b="0"/>
+      </a:lnRef>
+      <a:fillRef idx="1">
+        <a:scrgbClr r="0" g="0" b="0"/>
+      </a:fillRef>
+      <a:effectRef idx="1">
+        <a:scrgbClr r="0" g="0" b="0"/>
+      </a:effectRef>
+      <a:fontRef idx="minor">
+        <a:schemeClr val="lt1"/>
+      </a:fontRef>
+    </dgm:style>
+  </dgm:styleLbl>
+  <dgm:styleLbl name="node1">
+    <dgm:scene3d>
+      <a:camera prst="orthographicFront"/>
+      <a:lightRig rig="threePt" dir="t"/>
+    </dgm:scene3d>
+    <dgm:sp3d/>
+    <dgm:txPr/>
+    <dgm:style>
+      <a:lnRef idx="3">
+        <a:scrgbClr r="0" g="0" b="0"/>
+      </a:lnRef>
+      <a:fillRef idx="1">
+        <a:scrgbClr r="0" g="0" b="0"/>
+      </a:fillRef>
+      <a:effectRef idx="1">
+        <a:scrgbClr r="0" g="0" b="0"/>
+      </a:effectRef>
+      <a:fontRef idx="minor">
+        <a:schemeClr val="lt1"/>
+      </a:fontRef>
+    </dgm:style>
+  </dgm:styleLbl>
+  <dgm:styleLbl name="node2">
+    <dgm:scene3d>
+      <a:camera prst="orthographicFront"/>
+      <a:lightRig rig="threePt" dir="t"/>
+    </dgm:scene3d>
+    <dgm:sp3d/>
+    <dgm:txPr/>
+    <dgm:style>
+      <a:lnRef idx="3">
+        <a:scrgbClr r="0" g="0" b="0"/>
+      </a:lnRef>
+      <a:fillRef idx="1">
+        <a:scrgbClr r="0" g="0" b="0"/>
+      </a:fillRef>
+      <a:effectRef idx="1">
+        <a:scrgbClr r="0" g="0" b="0"/>
+      </a:effectRef>
+      <a:fontRef idx="minor">
+        <a:schemeClr val="lt1"/>
+      </a:fontRef>
+    </dgm:style>
+  </dgm:styleLbl>
+  <dgm:styleLbl name="node3">
+    <dgm:scene3d>
+      <a:camera prst="orthographicFront"/>
+      <a:lightRig rig="threePt" dir="t"/>
+    </dgm:scene3d>
+    <dgm:sp3d/>
+    <dgm:txPr/>
+    <dgm:style>
+      <a:lnRef idx="3">
+        <a:scrgbClr r="0" g="0" b="0"/>
+      </a:lnRef>
+      <a:fillRef idx="1">
+        <a:scrgbClr r="0" g="0" b="0"/>
+      </a:fillRef>
+      <a:effectRef idx="1">
+        <a:scrgbClr r="0" g="0" b="0"/>
+      </a:effectRef>
+      <a:fontRef idx="minor">
+        <a:schemeClr val="lt1"/>
+      </a:fontRef>
+    </dgm:style>
+  </dgm:styleLbl>
+  <dgm:styleLbl name="node4">
+    <dgm:scene3d>
+      <a:camera prst="orthographicFront"/>
+      <a:lightRig rig="threePt" dir="t"/>
+    </dgm:scene3d>
+    <dgm:sp3d/>
+    <dgm:txPr/>
+    <dgm:style>
+      <a:lnRef idx="3">
+        <a:scrgbClr r="0" g="0" b="0"/>
+      </a:lnRef>
+      <a:fillRef idx="1">
+        <a:scrgbClr r="0" g="0" b="0"/>
+      </a:fillRef>
+      <a:effectRef idx="1">
+        <a:scrgbClr r="0" g="0" b="0"/>
+      </a:effectRef>
+      <a:fontRef idx="minor">
+        <a:schemeClr val="lt1"/>
+      </a:fontRef>
+    </dgm:style>
+  </dgm:styleLbl>
+  <dgm:styleLbl name="fgImgPlace1">
+    <dgm:scene3d>
+      <a:camera prst="orthographicFront"/>
+      <a:lightRig rig="threePt" dir="t"/>
+    </dgm:scene3d>
+    <dgm:sp3d/>
+    <dgm:txPr/>
+    <dgm:style>
+      <a:lnRef idx="3">
+        <a:scrgbClr r="0" g="0" b="0"/>
+      </a:lnRef>
+      <a:fillRef idx="1">
+        <a:scrgbClr r="0" g="0" b="0"/>
+      </a:fillRef>
+      <a:effectRef idx="1">
+        <a:scrgbClr r="0" g="0" b="0"/>
+      </a:effectRef>
+      <a:fontRef idx="minor"/>
+    </dgm:style>
+  </dgm:styleLbl>
+  <dgm:styleLbl name="alignImgPlace1">
+    <dgm:scene3d>
+      <a:camera prst="orthographicFront"/>
+      <a:lightRig rig="threePt" dir="t"/>
+    </dgm:scene3d>
+    <dgm:sp3d/>
+    <dgm:txPr/>
+    <dgm:style>
+      <a:lnRef idx="3">
+        <a:scrgbClr r="0" g="0" b="0"/>
+      </a:lnRef>
+      <a:fillRef idx="1">
+        <a:scrgbClr r="0" g="0" b="0"/>
+      </a:fillRef>
+      <a:effectRef idx="1">
+        <a:scrgbClr r="0" g="0" b="0"/>
+      </a:effectRef>
+      <a:fontRef idx="minor"/>
+    </dgm:style>
+  </dgm:styleLbl>
+  <dgm:styleLbl name="bgImgPlace1">
+    <dgm:scene3d>
+      <a:camera prst="orthographicFront"/>
+      <a:lightRig rig="threePt" dir="t"/>
+    </dgm:scene3d>
+    <dgm:sp3d/>
+    <dgm:txPr/>
+    <dgm:style>
+      <a:lnRef idx="3">
+        <a:scrgbClr r="0" g="0" b="0"/>
+      </a:lnRef>
+      <a:fillRef idx="1">
+        <a:scrgbClr r="0" g="0" b="0"/>
+      </a:fillRef>
+      <a:effectRef idx="1">
+        <a:scrgbClr r="0" g="0" b="0"/>
+      </a:effectRef>
+      <a:fontRef idx="minor"/>
+    </dgm:style>
+  </dgm:styleLbl>
+  <dgm:styleLbl name="sibTrans2D1">
+    <dgm:scene3d>
+      <a:camera prst="orthographicFront"/>
+      <a:lightRig rig="threePt" dir="t"/>
+    </dgm:scene3d>
+    <dgm:sp3d/>
+    <dgm:txPr/>
+    <dgm:style>
+      <a:lnRef idx="0">
+        <a:scrgbClr r="0" g="0" b="0"/>
+      </a:lnRef>
+      <a:fillRef idx="1">
+        <a:scrgbClr r="0" g="0" b="0"/>
+      </a:fillRef>
+      <a:effectRef idx="1">
+        <a:scrgbClr r="0" g="0" b="0"/>
+      </a:effectRef>
+      <a:fontRef idx="minor">
+        <a:schemeClr val="lt1"/>
+      </a:fontRef>
+    </dgm:style>
+  </dgm:styleLbl>
+  <dgm:styleLbl name="fgSibTrans2D1">
+    <dgm:scene3d>
+      <a:camera prst="orthographicFront"/>
+      <a:lightRig rig="threePt" dir="t"/>
+    </dgm:scene3d>
+    <dgm:sp3d/>
+    <dgm:txPr/>
+    <dgm:style>
+      <a:lnRef idx="0">
+        <a:scrgbClr r="0" g="0" b="0"/>
+      </a:lnRef>
+      <a:fillRef idx="1">
+        <a:scrgbClr r="0" g="0" b="0"/>
+      </a:fillRef>
+      <a:effectRef idx="1">
+        <a:scrgbClr r="0" g="0" b="0"/>
+      </a:effectRef>
+      <a:fontRef idx="minor">
+        <a:schemeClr val="lt1"/>
+      </a:fontRef>
+    </dgm:style>
+  </dgm:styleLbl>
+  <dgm:styleLbl name="bgSibTrans2D1">
+    <dgm:scene3d>
+      <a:camera prst="orthographicFront"/>
+      <a:lightRig rig="threePt" dir="t"/>
+    </dgm:scene3d>
+    <dgm:sp3d/>
+    <dgm:txPr/>
+    <dgm:style>
+      <a:lnRef idx="0">
+        <a:scrgbClr r="0" g="0" b="0"/>
+      </a:lnRef>
+      <a:fillRef idx="1">
+        <a:scrgbClr r="0" g="0" b="0"/>
+      </a:fillRef>
+      <a:effectRef idx="1">
+        <a:scrgbClr r="0" g="0" b="0"/>
+      </a:effectRef>
+      <a:fontRef idx="minor">
+        <a:schemeClr val="lt1"/>
+      </a:fontRef>
+    </dgm:style>
+  </dgm:styleLbl>
+  <dgm:styleLbl name="sibTrans1D1">
+    <dgm:scene3d>
+      <a:camera prst="orthographicFront"/>
+      <a:lightRig rig="threePt" dir="t"/>
+    </dgm:scene3d>
+    <dgm:sp3d/>
+    <dgm:txPr/>
+    <dgm:style>
+      <a:lnRef idx="1">
+        <a:scrgbClr r="0" g="0" b="0"/>
+      </a:lnRef>
+      <a:fillRef idx="0">
+        <a:scrgbClr r="0" g="0" b="0"/>
+      </a:fillRef>
+      <a:effectRef idx="0">
+        <a:scrgbClr r="0" g="0" b="0"/>
+      </a:effectRef>
+      <a:fontRef idx="minor"/>
+    </dgm:style>
+  </dgm:styleLbl>
+  <dgm:styleLbl name="callout">
+    <dgm:scene3d>
+      <a:camera prst="orthographicFront"/>
+      <a:lightRig rig="threePt" dir="t"/>
+    </dgm:scene3d>
+    <dgm:sp3d/>
+    <dgm:txPr/>
+    <dgm:style>
+      <a:lnRef idx="2">
+        <a:scrgbClr r="0" g="0" b="0"/>
+      </a:lnRef>
+      <a:fillRef idx="1">
+        <a:scrgbClr r="0" g="0" b="0"/>
+      </a:fillRef>
+      <a:effectRef idx="1">
+        <a:scrgbClr r="0" g="0" b="0"/>
+      </a:effectRef>
+      <a:fontRef idx="minor"/>
+    </dgm:style>
+  </dgm:styleLbl>
+  <dgm:styleLbl name="asst0">
+    <dgm:scene3d>
+      <a:camera prst="orthographicFront"/>
+      <a:lightRig rig="threePt" dir="t"/>
+    </dgm:scene3d>
+    <dgm:sp3d/>
+    <dgm:txPr/>
+    <dgm:style>
+      <a:lnRef idx="3">
+        <a:scrgbClr r="0" g="0" b="0"/>
+      </a:lnRef>
+      <a:fillRef idx="1">
+        <a:scrgbClr r="0" g="0" b="0"/>
+      </a:fillRef>
+      <a:effectRef idx="1">
+        <a:scrgbClr r="0" g="0" b="0"/>
+      </a:effectRef>
+      <a:fontRef idx="minor">
+        <a:schemeClr val="lt1"/>
+      </a:fontRef>
+    </dgm:style>
+  </dgm:styleLbl>
+  <dgm:styleLbl name="asst1">
+    <dgm:scene3d>
+      <a:camera prst="orthographicFront"/>
+      <a:lightRig rig="threePt" dir="t"/>
+    </dgm:scene3d>
+    <dgm:sp3d/>
+    <dgm:txPr/>
+    <dgm:style>
+      <a:lnRef idx="3">
+        <a:scrgbClr r="0" g="0" b="0"/>
+      </a:lnRef>
+      <a:fillRef idx="1">
+        <a:scrgbClr r="0" g="0" b="0"/>
+      </a:fillRef>
+      <a:effectRef idx="1">
+        <a:scrgbClr r="0" g="0" b="0"/>
+      </a:effectRef>
+      <a:fontRef idx="minor">
+        <a:schemeClr val="lt1"/>
+      </a:fontRef>
+    </dgm:style>
+  </dgm:styleLbl>
+  <dgm:styleLbl name="asst2">
+    <dgm:scene3d>
+      <a:camera prst="orthographicFront"/>
+      <a:lightRig rig="threePt" dir="t"/>
+    </dgm:scene3d>
+    <dgm:sp3d/>
+    <dgm:txPr/>
+    <dgm:style>
+      <a:lnRef idx="3">
+        <a:scrgbClr r="0" g="0" b="0"/>
+      </a:lnRef>
+      <a:fillRef idx="1">
+        <a:scrgbClr r="0" g="0" b="0"/>
+      </a:fillRef>
+      <a:effectRef idx="1">
+        <a:scrgbClr r="0" g="0" b="0"/>
+      </a:effectRef>
+      <a:fontRef idx="minor">
+        <a:schemeClr val="lt1"/>
+      </a:fontRef>
+    </dgm:style>
+  </dgm:styleLbl>
+  <dgm:styleLbl name="asst3">
+    <dgm:scene3d>
+      <a:camera prst="orthographicFront"/>
+      <a:lightRig rig="threePt" dir="t"/>
+    </dgm:scene3d>
+    <dgm:sp3d/>
+    <dgm:txPr/>
+    <dgm:style>
+      <a:lnRef idx="3">
+        <a:scrgbClr r="0" g="0" b="0"/>
+      </a:lnRef>
+      <a:fillRef idx="1">
+        <a:scrgbClr r="0" g="0" b="0"/>
+      </a:fillRef>
+      <a:effectRef idx="1">
+        <a:scrgbClr r="0" g="0" b="0"/>
+      </a:effectRef>
+      <a:fontRef idx="minor">
+        <a:schemeClr val="lt1"/>
+      </a:fontRef>
+    </dgm:style>
+  </dgm:styleLbl>
+  <dgm:styleLbl name="asst4">
+    <dgm:scene3d>
+      <a:camera prst="orthographicFront"/>
+      <a:lightRig rig="threePt" dir="t"/>
+    </dgm:scene3d>
+    <dgm:sp3d/>
+    <dgm:txPr/>
+    <dgm:style>
+      <a:lnRef idx="3">
+        <a:scrgbClr r="0" g="0" b="0"/>
+      </a:lnRef>
+      <a:fillRef idx="1">
+        <a:scrgbClr r="0" g="0" b="0"/>
+      </a:fillRef>
+      <a:effectRef idx="1">
+        <a:scrgbClr r="0" g="0" b="0"/>
+      </a:effectRef>
+      <a:fontRef idx="minor">
+        <a:schemeClr val="lt1"/>
+      </a:fontRef>
+    </dgm:style>
+  </dgm:styleLbl>
+  <dgm:styleLbl name="parChTrans2D1">
+    <dgm:scene3d>
+      <a:camera prst="orthographicFront"/>
+      <a:lightRig rig="threePt" dir="t"/>
+    </dgm:scene3d>
+    <dgm:sp3d/>
+    <dgm:txPr/>
+    <dgm:style>
+      <a:lnRef idx="3">
+        <a:scrgbClr r="0" g="0" b="0"/>
+      </a:lnRef>
+      <a:fillRef idx="1">
+        <a:scrgbClr r="0" g="0" b="0"/>
+      </a:fillRef>
+      <a:effectRef idx="1">
+        <a:scrgbClr r="0" g="0" b="0"/>
+      </a:effectRef>
+      <a:fontRef idx="minor">
+        <a:schemeClr val="lt1"/>
+      </a:fontRef>
+    </dgm:style>
+  </dgm:styleLbl>
+  <dgm:styleLbl name="parChTrans2D2">
+    <dgm:scene3d>
+      <a:camera prst="orthographicFront"/>
+      <a:lightRig rig="threePt" dir="t"/>
+    </dgm:scene3d>
+    <dgm:sp3d/>
+    <dgm:txPr/>
+    <dgm:style>
+      <a:lnRef idx="3">
+        <a:scrgbClr r="0" g="0" b="0"/>
+      </a:lnRef>
+      <a:fillRef idx="1">
+        <a:scrgbClr r="0" g="0" b="0"/>
+      </a:fillRef>
+      <a:effectRef idx="1">
+        <a:scrgbClr r="0" g="0" b="0"/>
+      </a:effectRef>
+      <a:fontRef idx="minor">
+        <a:schemeClr val="lt1"/>
+      </a:fontRef>
+    </dgm:style>
+  </dgm:styleLbl>
+  <dgm:styleLbl name="parChTrans2D3">
+    <dgm:scene3d>
+      <a:camera prst="orthographicFront"/>
+      <a:lightRig rig="threePt" dir="t"/>
+    </dgm:scene3d>
+    <dgm:sp3d/>
+    <dgm:txPr/>
+    <dgm:style>
+      <a:lnRef idx="3">
+        <a:scrgbClr r="0" g="0" b="0"/>
+      </a:lnRef>
+      <a:fillRef idx="1">
+        <a:scrgbClr r="0" g="0" b="0"/>
+      </a:fillRef>
+      <a:effectRef idx="1">
+        <a:scrgbClr r="0" g="0" b="0"/>
+      </a:effectRef>
+      <a:fontRef idx="minor">
+        <a:schemeClr val="lt1"/>
+      </a:fontRef>
+    </dgm:style>
+  </dgm:styleLbl>
+  <dgm:styleLbl name="parChTrans2D4">
+    <dgm:scene3d>
+      <a:camera prst="orthographicFront"/>
+      <a:lightRig rig="threePt" dir="t"/>
+    </dgm:scene3d>
+    <dgm:sp3d/>
+    <dgm:txPr/>
+    <dgm:style>
+      <a:lnRef idx="3">
+        <a:scrgbClr r="0" g="0" b="0"/>
+      </a:lnRef>
+      <a:fillRef idx="1">
+        <a:scrgbClr r="0" g="0" b="0"/>
+      </a:fillRef>
+      <a:effectRef idx="1">
+        <a:scrgbClr r="0" g="0" b="0"/>
+      </a:effectRef>
+      <a:fontRef idx="minor">
+        <a:schemeClr val="lt1"/>
+      </a:fontRef>
+    </dgm:style>
+  </dgm:styleLbl>
+  <dgm:styleLbl name="parChTrans1D1">
+    <dgm:scene3d>
+      <a:camera prst="orthographicFront"/>
+      <a:lightRig rig="threePt" dir="t"/>
+    </dgm:scene3d>
+    <dgm:sp3d/>
+    <dgm:txPr/>
+    <dgm:style>
+      <a:lnRef idx="2">
+        <a:scrgbClr r="0" g="0" b="0"/>
+      </a:lnRef>
+      <a:fillRef idx="0">
+        <a:scrgbClr r="0" g="0" b="0"/>
+      </a:fillRef>
+      <a:effectRef idx="0">
+        <a:scrgbClr r="0" g="0" b="0"/>
+      </a:effectRef>
+      <a:fontRef idx="minor"/>
+    </dgm:style>
+  </dgm:styleLbl>
+  <dgm:styleLbl name="parChTrans1D2">
+    <dgm:scene3d>
+      <a:camera prst="orthographicFront"/>
+      <a:lightRig rig="threePt" dir="t"/>
+    </dgm:scene3d>
+    <dgm:sp3d/>
+    <dgm:txPr/>
+    <dgm:style>
+      <a:lnRef idx="2">
+        <a:scrgbClr r="0" g="0" b="0"/>
+      </a:lnRef>
+      <a:fillRef idx="0">
+        <a:scrgbClr r="0" g="0" b="0"/>
+      </a:fillRef>
+      <a:effectRef idx="0">
+        <a:scrgbClr r="0" g="0" b="0"/>
+      </a:effectRef>
+      <a:fontRef idx="minor"/>
+    </dgm:style>
+  </dgm:styleLbl>
+  <dgm:styleLbl name="parChTrans1D3">
+    <dgm:scene3d>
+      <a:camera prst="orthographicFront"/>
+      <a:lightRig rig="threePt" dir="t"/>
+    </dgm:scene3d>
+    <dgm:sp3d/>
+    <dgm:txPr/>
+    <dgm:style>
+      <a:lnRef idx="2">
+        <a:scrgbClr r="0" g="0" b="0"/>
+      </a:lnRef>
+      <a:fillRef idx="0">
+        <a:scrgbClr r="0" g="0" b="0"/>
+      </a:fillRef>
+      <a:effectRef idx="0">
+        <a:scrgbClr r="0" g="0" b="0"/>
+      </a:effectRef>
+      <a:fontRef idx="minor"/>
+    </dgm:style>
+  </dgm:styleLbl>
+  <dgm:styleLbl name="parChTrans1D4">
+    <dgm:scene3d>
+      <a:camera prst="orthographicFront"/>
+      <a:lightRig rig="threePt" dir="t"/>
+    </dgm:scene3d>
+    <dgm:sp3d/>
+    <dgm:txPr/>
+    <dgm:style>
+      <a:lnRef idx="2">
+        <a:scrgbClr r="0" g="0" b="0"/>
+      </a:lnRef>
+      <a:fillRef idx="0">
+        <a:scrgbClr r="0" g="0" b="0"/>
+      </a:fillRef>
+      <a:effectRef idx="0">
+        <a:scrgbClr r="0" g="0" b="0"/>
+      </a:effectRef>
+      <a:fontRef idx="minor"/>
+    </dgm:style>
+  </dgm:styleLbl>
+  <dgm:styleLbl name="fgAcc1">
+    <dgm:scene3d>
+      <a:camera prst="orthographicFront"/>
+      <a:lightRig rig="threePt" dir="t"/>
+    </dgm:scene3d>
+    <dgm:sp3d/>
+    <dgm:txPr/>
+    <dgm:style>
+      <a:lnRef idx="2">
+        <a:scrgbClr r="0" g="0" b="0"/>
+      </a:lnRef>
+      <a:fillRef idx="1">
+        <a:scrgbClr r="0" g="0" b="0"/>
+      </a:fillRef>
+      <a:effectRef idx="0">
+        <a:scrgbClr r="0" g="0" b="0"/>
+      </a:effectRef>
+      <a:fontRef idx="minor"/>
+    </dgm:style>
+  </dgm:styleLbl>
+  <dgm:styleLbl name="conFgAcc1">
+    <dgm:scene3d>
+      <a:camera prst="orthographicFront"/>
+      <a:lightRig rig="threePt" dir="t"/>
+    </dgm:scene3d>
+    <dgm:sp3d/>
+    <dgm:txPr/>
+    <dgm:style>
+      <a:lnRef idx="2">
+        <a:scrgbClr r="0" g="0" b="0"/>
+      </a:lnRef>
+      <a:fillRef idx="1">
+        <a:scrgbClr r="0" g="0" b="0"/>
+      </a:fillRef>
+      <a:effectRef idx="0">
+        <a:scrgbClr r="0" g="0" b="0"/>
+      </a:effectRef>
+      <a:fontRef idx="minor"/>
+    </dgm:style>
+  </dgm:styleLbl>
+  <dgm:styleLbl name="alignAcc1">
+    <dgm:scene3d>
+      <a:camera prst="orthographicFront"/>
+      <a:lightRig rig="threePt" dir="t"/>
+    </dgm:scene3d>
+    <dgm:sp3d/>
+    <dgm:txPr/>
+    <dgm:style>
+      <a:lnRef idx="2">
+        <a:scrgbClr r="0" g="0" b="0"/>
+      </a:lnRef>
+      <a:fillRef idx="1">
+        <a:scrgbClr r="0" g="0" b="0"/>
+      </a:fillRef>
+      <a:effectRef idx="0">
+        <a:scrgbClr r="0" g="0" b="0"/>
+      </a:effectRef>
+      <a:fontRef idx="minor"/>
+    </dgm:style>
+  </dgm:styleLbl>
+  <dgm:styleLbl name="trAlignAcc1">
+    <dgm:scene3d>
+      <a:camera prst="orthographicFront"/>
+      <a:lightRig rig="threePt" dir="t"/>
+    </dgm:scene3d>
+    <dgm:sp3d/>
+    <dgm:txPr/>
+    <dgm:style>
+      <a:lnRef idx="1">
+        <a:scrgbClr r="0" g="0" b="0"/>
+      </a:lnRef>
+      <a:fillRef idx="1">
+        <a:scrgbClr r="0" g="0" b="0"/>
+      </a:fillRef>
+      <a:effectRef idx="0">
+        <a:scrgbClr r="0" g="0" b="0"/>
+      </a:effectRef>
+      <a:fontRef idx="minor"/>
+    </dgm:style>
+  </dgm:styleLbl>
+  <dgm:styleLbl name="bgAcc1">
+    <dgm:scene3d>
+      <a:camera prst="orthographicFront"/>
+      <a:lightRig rig="threePt" dir="t"/>
+    </dgm:scene3d>
+    <dgm:sp3d/>
+    <dgm:txPr/>
+    <dgm:style>
+      <a:lnRef idx="2">
+        <a:scrgbClr r="0" g="0" b="0"/>
+      </a:lnRef>
+      <a:fillRef idx="1">
+        <a:scrgbClr r="0" g="0" b="0"/>
+      </a:fillRef>
+      <a:effectRef idx="0">
+        <a:scrgbClr r="0" g="0" b="0"/>
+      </a:effectRef>
+      <a:fontRef idx="minor"/>
+    </dgm:style>
+  </dgm:styleLbl>
+  <dgm:styleLbl name="solidFgAcc1">
+    <dgm:scene3d>
+      <a:camera prst="orthographicFront"/>
+      <a:lightRig rig="threePt" dir="t"/>
+    </dgm:scene3d>
+    <dgm:sp3d/>
+    <dgm:txPr/>
+    <dgm:style>
+      <a:lnRef idx="2">
+        <a:scrgbClr r="0" g="0" b="0"/>
+      </a:lnRef>
+      <a:fillRef idx="1">
+        <a:scrgbClr r="0" g="0" b="0"/>
+      </a:fillRef>
+      <a:effectRef idx="0">
+        <a:scrgbClr r="0" g="0" b="0"/>
+      </a:effectRef>
+      <a:fontRef idx="minor"/>
+    </dgm:style>
+  </dgm:styleLbl>
+  <dgm:styleLbl name="solidAlignAcc1">
+    <dgm:scene3d>
+      <a:camera prst="orthographicFront"/>
+      <a:lightRig rig="threePt" dir="t"/>
+    </dgm:scene3d>
+    <dgm:sp3d/>
+    <dgm:txPr/>
+    <dgm:style>
+      <a:lnRef idx="2">
+        <a:scrgbClr r="0" g="0" b="0"/>
+      </a:lnRef>
+      <a:fillRef idx="1">
+        <a:scrgbClr r="0" g="0" b="0"/>
+      </a:fillRef>
+      <a:effectRef idx="0">
+        <a:scrgbClr r="0" g="0" b="0"/>
+      </a:effectRef>
+      <a:fontRef idx="minor"/>
+    </dgm:style>
+  </dgm:styleLbl>
+  <dgm:styleLbl name="solidBgAcc1">
+    <dgm:scene3d>
+      <a:camera prst="orthographicFront"/>
+      <a:lightRig rig="threePt" dir="t"/>
+    </dgm:scene3d>
+    <dgm:sp3d/>
+    <dgm:txPr/>
+    <dgm:style>
+      <a:lnRef idx="2">
+        <a:scrgbClr r="0" g="0" b="0"/>
+      </a:lnRef>
+      <a:fillRef idx="1">
+        <a:scrgbClr r="0" g="0" b="0"/>
+      </a:fillRef>
+      <a:effectRef idx="0">
+        <a:scrgbClr r="0" g="0" b="0"/>
+      </a:effectRef>
+      <a:fontRef idx="minor"/>
+    </dgm:style>
+  </dgm:styleLbl>
+  <dgm:styleLbl name="fgAccFollowNode1">
+    <dgm:scene3d>
+      <a:camera prst="orthographicFront"/>
+      <a:lightRig rig="threePt" dir="t"/>
+    </dgm:scene3d>
+    <dgm:sp3d/>
+    <dgm:txPr/>
+    <dgm:style>
+      <a:lnRef idx="2">
+        <a:scrgbClr r="0" g="0" b="0"/>
+      </a:lnRef>
+      <a:fillRef idx="1">
+        <a:scrgbClr r="0" g="0" b="0"/>
+      </a:fillRef>
+      <a:effectRef idx="0">
+        <a:scrgbClr r="0" g="0" b="0"/>
+      </a:effectRef>
+      <a:fontRef idx="minor"/>
+    </dgm:style>
+  </dgm:styleLbl>
+  <dgm:styleLbl name="alignAccFollowNode1">
+    <dgm:scene3d>
+      <a:camera prst="orthographicFront"/>
+      <a:lightRig rig="threePt" dir="t"/>
+    </dgm:scene3d>
+    <dgm:sp3d/>
+    <dgm:txPr/>
+    <dgm:style>
+      <a:lnRef idx="2">
+        <a:scrgbClr r="0" g="0" b="0"/>
+      </a:lnRef>
+      <a:fillRef idx="1">
+        <a:scrgbClr r="0" g="0" b="0"/>
+      </a:fillRef>
+      <a:effectRef idx="0">
+        <a:scrgbClr r="0" g="0" b="0"/>
+      </a:effectRef>
+      <a:fontRef idx="minor"/>
+    </dgm:style>
+  </dgm:styleLbl>
+  <dgm:styleLbl name="bgAccFollowNode1">
+    <dgm:scene3d>
+      <a:camera prst="orthographicFront"/>
+      <a:lightRig rig="threePt" dir="t"/>
+    </dgm:scene3d>
+    <dgm:sp3d/>
+    <dgm:txPr/>
+    <dgm:style>
+      <a:lnRef idx="2">
+        <a:scrgbClr r="0" g="0" b="0"/>
+      </a:lnRef>
+      <a:fillRef idx="1">
+        <a:scrgbClr r="0" g="0" b="0"/>
+      </a:fillRef>
+      <a:effectRef idx="0">
+        <a:scrgbClr r="0" g="0" b="0"/>
+      </a:effectRef>
+      <a:fontRef idx="minor"/>
+    </dgm:style>
+  </dgm:styleLbl>
+  <dgm:styleLbl name="fgAcc0">
+    <dgm:scene3d>
+      <a:camera prst="orthographicFront"/>
+      <a:lightRig rig="threePt" dir="t"/>
+    </dgm:scene3d>
+    <dgm:sp3d/>
+    <dgm:txPr/>
+    <dgm:style>
+      <a:lnRef idx="2">
+        <a:scrgbClr r="0" g="0" b="0"/>
+      </a:lnRef>
+      <a:fillRef idx="1">
+        <a:scrgbClr r="0" g="0" b="0"/>
+      </a:fillRef>
+      <a:effectRef idx="0">
+        <a:scrgbClr r="0" g="0" b="0"/>
+      </a:effectRef>
+      <a:fontRef idx="minor"/>
+    </dgm:style>
+  </dgm:styleLbl>
+  <dgm:styleLbl name="fgAcc2">
+    <dgm:scene3d>
+      <a:camera prst="orthographicFront"/>
+      <a:lightRig rig="threePt" dir="t"/>
+    </dgm:scene3d>
+    <dgm:sp3d/>
+    <dgm:txPr/>
+    <dgm:style>
+      <a:lnRef idx="2">
+        <a:scrgbClr r="0" g="0" b="0"/>
+      </a:lnRef>
+      <a:fillRef idx="1">
+        <a:scrgbClr r="0" g="0" b="0"/>
+      </a:fillRef>
+      <a:effectRef idx="0">
+        <a:scrgbClr r="0" g="0" b="0"/>
+      </a:effectRef>
+      <a:fontRef idx="minor"/>
+    </dgm:style>
+  </dgm:styleLbl>
+  <dgm:styleLbl name="fgAcc3">
+    <dgm:scene3d>
+      <a:camera prst="orthographicFront"/>
+      <a:lightRig rig="threePt" dir="t"/>
+    </dgm:scene3d>
+    <dgm:sp3d/>
+    <dgm:txPr/>
+    <dgm:style>
+      <a:lnRef idx="2">
+        <a:scrgbClr r="0" g="0" b="0"/>
+      </a:lnRef>
+      <a:fillRef idx="1">
+        <a:scrgbClr r="0" g="0" b="0"/>
+      </a:fillRef>
+      <a:effectRef idx="0">
+        <a:scrgbClr r="0" g="0" b="0"/>
+      </a:effectRef>
+      <a:fontRef idx="minor"/>
+    </dgm:style>
+  </dgm:styleLbl>
+  <dgm:styleLbl name="fgAcc4">
+    <dgm:scene3d>
+      <a:camera prst="orthographicFront"/>
+      <a:lightRig rig="threePt" dir="t"/>
+    </dgm:scene3d>
+    <dgm:sp3d/>
+    <dgm:txPr/>
+    <dgm:style>
+      <a:lnRef idx="2">
+        <a:scrgbClr r="0" g="0" b="0"/>
+      </a:lnRef>
+      <a:fillRef idx="1">
+        <a:scrgbClr r="0" g="0" b="0"/>
+      </a:fillRef>
+      <a:effectRef idx="0">
+        <a:scrgbClr r="0" g="0" b="0"/>
+      </a:effectRef>
+      <a:fontRef idx="minor"/>
+    </dgm:style>
+  </dgm:styleLbl>
+  <dgm:styleLbl name="bgShp">
+    <dgm:scene3d>
+      <a:camera prst="orthographicFront"/>
+      <a:lightRig rig="threePt" dir="t"/>
+    </dgm:scene3d>
+    <dgm:sp3d/>
+    <dgm:txPr/>
+    <dgm:style>
+      <a:lnRef idx="0">
+        <a:scrgbClr r="0" g="0" b="0"/>
+      </a:lnRef>
+      <a:fillRef idx="1">
+        <a:scrgbClr r="0" g="0" b="0"/>
+      </a:fillRef>
+      <a:effectRef idx="0">
+        <a:scrgbClr r="0" g="0" b="0"/>
+      </a:effectRef>
+      <a:fontRef idx="minor"/>
+    </dgm:style>
+  </dgm:styleLbl>
+  <dgm:styleLbl name="dkBgShp">
+    <dgm:scene3d>
+      <a:camera prst="orthographicFront"/>
+      <a:lightRig rig="threePt" dir="t"/>
+    </dgm:scene3d>
+    <dgm:sp3d/>
+    <dgm:txPr/>
+    <dgm:style>
+      <a:lnRef idx="0">
+        <a:scrgbClr r="0" g="0" b="0"/>
+      </a:lnRef>
+      <a:fillRef idx="1">
+        <a:scrgbClr r="0" g="0" b="0"/>
+      </a:fillRef>
+      <a:effectRef idx="0">
+        <a:scrgbClr r="0" g="0" b="0"/>
+      </a:effectRef>
+      <a:fontRef idx="minor"/>
+    </dgm:style>
+  </dgm:styleLbl>
+  <dgm:styleLbl name="trBgShp">
+    <dgm:scene3d>
+      <a:camera prst="orthographicFront"/>
+      <a:lightRig rig="threePt" dir="t"/>
+    </dgm:scene3d>
+    <dgm:sp3d/>
+    <dgm:txPr/>
+    <dgm:style>
+      <a:lnRef idx="0">
+        <a:scrgbClr r="0" g="0" b="0"/>
+      </a:lnRef>
+      <a:fillRef idx="1">
+        <a:scrgbClr r="0" g="0" b="0"/>
+      </a:fillRef>
+      <a:effectRef idx="0">
+        <a:scrgbClr r="0" g="0" b="0"/>
+      </a:effectRef>
+      <a:fontRef idx="minor"/>
+    </dgm:style>
+  </dgm:styleLbl>
+  <dgm:styleLbl name="fgShp">
+    <dgm:scene3d>
+      <a:camera prst="orthographicFront"/>
+      <a:lightRig rig="threePt" dir="t"/>
+    </dgm:scene3d>
+    <dgm:sp3d/>
+    <dgm:txPr/>
+    <dgm:style>
+      <a:lnRef idx="3">
+        <a:scrgbClr r="0" g="0" b="0"/>
+      </a:lnRef>
+      <a:fillRef idx="1">
+        <a:scrgbClr r="0" g="0" b="0"/>
+      </a:fillRef>
+      <a:effectRef idx="1">
+        <a:scrgbClr r="0" g="0" b="0"/>
+      </a:effectRef>
+      <a:fontRef idx="minor"/>
+    </dgm:style>
+  </dgm:styleLbl>
+  <dgm:styleLbl name="revTx">
+    <dgm:scene3d>
+      <a:camera prst="orthographicFront"/>
+      <a:lightRig rig="threePt" dir="t"/>
+    </dgm:scene3d>
+    <dgm:sp3d/>
+    <dgm:txPr/>
+    <dgm:style>
+      <a:lnRef idx="0">
+        <a:scrgbClr r="0" g="0" b="0"/>
+      </a:lnRef>
+      <a:fillRef idx="0">
+        <a:scrgbClr r="0" g="0" b="0"/>
+      </a:fillRef>
+      <a:effectRef idx="0">
+        <a:scrgbClr r="0" g="0" b="0"/>
+      </a:effectRef>
+      <a:fontRef idx="minor"/>
+    </dgm:style>
+  </dgm:styleLbl>
+</dgm:styleDef>
 </file>
 
 <file path=ppt/notesMasters/notesMaster1.xml><?xml version="1.0" encoding="utf-8"?>
@@ -3752,6 +6895,14 @@
 <file path=ppt/slides/slide1.xml><?xml version="1.0" encoding="utf-8"?>
 <p:sld xmlns:a="http://schemas.openxmlformats.org/drawingml/2006/main" xmlns:r="http://schemas.openxmlformats.org/officeDocument/2006/relationships" xmlns:p="http://schemas.openxmlformats.org/presentationml/2006/main">
   <p:cSld>
+    <p:bg>
+      <p:bgPr>
+        <a:solidFill>
+          <a:schemeClr val="bg1"/>
+        </a:solidFill>
+        <a:effectLst/>
+      </p:bgPr>
+    </p:bg>
     <p:spTree>
       <p:nvGrpSpPr>
         <p:cNvPr id="1" name=""/>
@@ -3782,13 +6933,21 @@
             <p:ph type="ctrTitle"/>
           </p:nvPr>
         </p:nvSpPr>
-        <p:spPr/>
+        <p:spPr>
+          <a:xfrm>
+            <a:off x="1524000" y="2245809"/>
+            <a:ext cx="9144000" cy="1564716"/>
+          </a:xfrm>
+        </p:spPr>
         <p:txBody>
-          <a:bodyPr/>
+          <a:bodyPr>
+            <a:normAutofit/>
+          </a:bodyPr>
           <a:lstStyle/>
           <a:p>
+            <a:pPr algn="l"/>
             <a:r>
-              <a:rPr lang="en-US" dirty="0"/>
+              <a:rPr lang="en-US" sz="4800"/>
               <a:t>Economic Impact of Federal Reserve Speeches	</a:t>
             </a:r>
           </a:p>
@@ -3810,21 +6969,640 @@
             <p:ph type="subTitle" idx="1"/>
           </p:nvPr>
         </p:nvSpPr>
-        <p:spPr/>
+        <p:spPr>
+          <a:xfrm>
+            <a:off x="1524000" y="3947050"/>
+            <a:ext cx="9652000" cy="572583"/>
+          </a:xfrm>
+        </p:spPr>
         <p:txBody>
-          <a:bodyPr/>
+          <a:bodyPr>
+            <a:normAutofit/>
+          </a:bodyPr>
           <a:lstStyle/>
           <a:p>
+            <a:pPr algn="l"/>
             <a:r>
               <a:rPr lang="en-US" dirty="0"/>
-              <a:t>Dave Smith</a:t>
+              <a:t>Dave Smith						GitHub: davidjsmith44</a:t>
             </a:r>
           </a:p>
-          <a:p>
-            <a:r>
-              <a:rPr lang="en-US" dirty="0"/>
-              <a:t>GitHub: davidjsmith44</a:t>
-            </a:r>
+        </p:txBody>
+      </p:sp>
+      <p:sp>
+        <p:nvSpPr>
+          <p:cNvPr id="46" name="Freeform 14">
+            <a:extLst>
+              <a:ext uri="{FF2B5EF4-FFF2-40B4-BE49-F238E27FC236}">
+                <a16:creationId xmlns:a16="http://schemas.microsoft.com/office/drawing/2014/main" id="{C66F2F30-5DC0-44A0-BFA6-E12F46ED16DA}"/>
+              </a:ext>
+              <a:ext uri="{C183D7F6-B498-43B3-948B-1728B52AA6E4}">
+                <adec:decorative xmlns:adec="http://schemas.microsoft.com/office/drawing/2017/decorative" val="1"/>
+              </a:ext>
+            </a:extLst>
+          </p:cNvPr>
+          <p:cNvSpPr>
+            <a:spLocks noGrp="1" noRot="1" noChangeAspect="1" noMove="1" noResize="1" noEditPoints="1" noAdjustHandles="1" noChangeArrowheads="1" noChangeShapeType="1" noTextEdit="1"/>
+          </p:cNvSpPr>
+          <p:nvPr>
+            <p:extLst>
+              <p:ext uri="{386F3935-93C4-4BCD-93E2-E3B085C9AB24}">
+                <p16:designElem xmlns:p16="http://schemas.microsoft.com/office/powerpoint/2015/main" val="1"/>
+              </p:ext>
+            </p:extLst>
+          </p:nvPr>
+        </p:nvSpPr>
+        <p:spPr>
+          <a:xfrm>
+            <a:off x="0" y="1"/>
+            <a:ext cx="5920619" cy="2130951"/>
+          </a:xfrm>
+          <a:custGeom>
+            <a:avLst/>
+            <a:gdLst>
+              <a:gd name="connsiteX0" fmla="*/ 0 w 5920619"/>
+              <a:gd name="connsiteY0" fmla="*/ 0 h 2130951"/>
+              <a:gd name="connsiteX1" fmla="*/ 3191370 w 5920619"/>
+              <a:gd name="connsiteY1" fmla="*/ 0 h 2130951"/>
+              <a:gd name="connsiteX2" fmla="*/ 3346315 w 5920619"/>
+              <a:gd name="connsiteY2" fmla="*/ 0 h 2130951"/>
+              <a:gd name="connsiteX3" fmla="*/ 5920619 w 5920619"/>
+              <a:gd name="connsiteY3" fmla="*/ 0 h 2130951"/>
+              <a:gd name="connsiteX4" fmla="*/ 4936971 w 5920619"/>
+              <a:gd name="connsiteY4" fmla="*/ 2130951 h 2130951"/>
+              <a:gd name="connsiteX5" fmla="*/ 0 w 5920619"/>
+              <a:gd name="connsiteY5" fmla="*/ 2130951 h 2130951"/>
+            </a:gdLst>
+            <a:ahLst/>
+            <a:cxnLst>
+              <a:cxn ang="0">
+                <a:pos x="connsiteX0" y="connsiteY0"/>
+              </a:cxn>
+              <a:cxn ang="0">
+                <a:pos x="connsiteX1" y="connsiteY1"/>
+              </a:cxn>
+              <a:cxn ang="0">
+                <a:pos x="connsiteX2" y="connsiteY2"/>
+              </a:cxn>
+              <a:cxn ang="0">
+                <a:pos x="connsiteX3" y="connsiteY3"/>
+              </a:cxn>
+              <a:cxn ang="0">
+                <a:pos x="connsiteX4" y="connsiteY4"/>
+              </a:cxn>
+              <a:cxn ang="0">
+                <a:pos x="connsiteX5" y="connsiteY5"/>
+              </a:cxn>
+            </a:cxnLst>
+            <a:rect l="l" t="t" r="r" b="b"/>
+            <a:pathLst>
+              <a:path w="5920619" h="2130951">
+                <a:moveTo>
+                  <a:pt x="0" y="0"/>
+                </a:moveTo>
+                <a:lnTo>
+                  <a:pt x="3191370" y="0"/>
+                </a:lnTo>
+                <a:lnTo>
+                  <a:pt x="3346315" y="0"/>
+                </a:lnTo>
+                <a:lnTo>
+                  <a:pt x="5920619" y="0"/>
+                </a:lnTo>
+                <a:lnTo>
+                  <a:pt x="4936971" y="2130951"/>
+                </a:lnTo>
+                <a:lnTo>
+                  <a:pt x="0" y="2130951"/>
+                </a:lnTo>
+                <a:close/>
+              </a:path>
+            </a:pathLst>
+          </a:custGeom>
+          <a:solidFill>
+            <a:srgbClr val="595959"/>
+          </a:solidFill>
+          <a:ln>
+            <a:noFill/>
+          </a:ln>
+        </p:spPr>
+        <p:style>
+          <a:lnRef idx="2">
+            <a:schemeClr val="accent1">
+              <a:shade val="50000"/>
+            </a:schemeClr>
+          </a:lnRef>
+          <a:fillRef idx="1">
+            <a:schemeClr val="accent1"/>
+          </a:fillRef>
+          <a:effectRef idx="0">
+            <a:schemeClr val="accent1"/>
+          </a:effectRef>
+          <a:fontRef idx="minor">
+            <a:schemeClr val="lt1"/>
+          </a:fontRef>
+        </p:style>
+        <p:txBody>
+          <a:bodyPr wrap="square" rtlCol="0" anchor="ctr">
+            <a:noAutofit/>
+          </a:bodyPr>
+          <a:lstStyle/>
+          <a:p>
+            <a:pPr algn="ctr"/>
+            <a:endParaRPr lang="en-US"/>
+          </a:p>
+        </p:txBody>
+      </p:sp>
+      <p:sp>
+        <p:nvSpPr>
+          <p:cNvPr id="48" name="Freeform 21">
+            <a:extLst>
+              <a:ext uri="{FF2B5EF4-FFF2-40B4-BE49-F238E27FC236}">
+                <a16:creationId xmlns:a16="http://schemas.microsoft.com/office/drawing/2014/main" id="{85872F57-7F42-4F97-8391-DDC8D0054C03}"/>
+              </a:ext>
+              <a:ext uri="{C183D7F6-B498-43B3-948B-1728B52AA6E4}">
+                <adec:decorative xmlns:adec="http://schemas.microsoft.com/office/drawing/2017/decorative" val="1"/>
+              </a:ext>
+            </a:extLst>
+          </p:cNvPr>
+          <p:cNvSpPr>
+            <a:spLocks noGrp="1" noRot="1" noChangeAspect="1" noMove="1" noResize="1" noEditPoints="1" noAdjustHandles="1" noChangeArrowheads="1" noChangeShapeType="1" noTextEdit="1"/>
+          </p:cNvSpPr>
+          <p:nvPr>
+            <p:extLst>
+              <p:ext uri="{386F3935-93C4-4BCD-93E2-E3B085C9AB24}">
+                <p16:designElem xmlns:p16="http://schemas.microsoft.com/office/powerpoint/2015/main" val="1"/>
+              </p:ext>
+            </p:extLst>
+          </p:nvPr>
+        </p:nvSpPr>
+        <p:spPr>
+          <a:xfrm>
+            <a:off x="5097839" y="0"/>
+            <a:ext cx="7094160" cy="2130952"/>
+          </a:xfrm>
+          <a:custGeom>
+            <a:avLst/>
+            <a:gdLst>
+              <a:gd name="connsiteX0" fmla="*/ 4417853 w 7094160"/>
+              <a:gd name="connsiteY0" fmla="*/ 0 h 2130952"/>
+              <a:gd name="connsiteX1" fmla="*/ 7094160 w 7094160"/>
+              <a:gd name="connsiteY1" fmla="*/ 0 h 2130952"/>
+              <a:gd name="connsiteX2" fmla="*/ 7094160 w 7094160"/>
+              <a:gd name="connsiteY2" fmla="*/ 2130552 h 2130952"/>
+              <a:gd name="connsiteX3" fmla="*/ 5920619 w 7094160"/>
+              <a:gd name="connsiteY3" fmla="*/ 2130552 h 2130952"/>
+              <a:gd name="connsiteX4" fmla="*/ 5920619 w 7094160"/>
+              <a:gd name="connsiteY4" fmla="*/ 2130952 h 2130952"/>
+              <a:gd name="connsiteX5" fmla="*/ 2729249 w 7094160"/>
+              <a:gd name="connsiteY5" fmla="*/ 2130952 h 2130952"/>
+              <a:gd name="connsiteX6" fmla="*/ 2574304 w 7094160"/>
+              <a:gd name="connsiteY6" fmla="*/ 2130952 h 2130952"/>
+              <a:gd name="connsiteX7" fmla="*/ 0 w 7094160"/>
+              <a:gd name="connsiteY7" fmla="*/ 2130952 h 2130952"/>
+              <a:gd name="connsiteX8" fmla="*/ 983648 w 7094160"/>
+              <a:gd name="connsiteY8" fmla="*/ 1 h 2130952"/>
+              <a:gd name="connsiteX9" fmla="*/ 4417853 w 7094160"/>
+              <a:gd name="connsiteY9" fmla="*/ 1 h 2130952"/>
+            </a:gdLst>
+            <a:ahLst/>
+            <a:cxnLst>
+              <a:cxn ang="0">
+                <a:pos x="connsiteX0" y="connsiteY0"/>
+              </a:cxn>
+              <a:cxn ang="0">
+                <a:pos x="connsiteX1" y="connsiteY1"/>
+              </a:cxn>
+              <a:cxn ang="0">
+                <a:pos x="connsiteX2" y="connsiteY2"/>
+              </a:cxn>
+              <a:cxn ang="0">
+                <a:pos x="connsiteX3" y="connsiteY3"/>
+              </a:cxn>
+              <a:cxn ang="0">
+                <a:pos x="connsiteX4" y="connsiteY4"/>
+              </a:cxn>
+              <a:cxn ang="0">
+                <a:pos x="connsiteX5" y="connsiteY5"/>
+              </a:cxn>
+              <a:cxn ang="0">
+                <a:pos x="connsiteX6" y="connsiteY6"/>
+              </a:cxn>
+              <a:cxn ang="0">
+                <a:pos x="connsiteX7" y="connsiteY7"/>
+              </a:cxn>
+              <a:cxn ang="0">
+                <a:pos x="connsiteX8" y="connsiteY8"/>
+              </a:cxn>
+              <a:cxn ang="0">
+                <a:pos x="connsiteX9" y="connsiteY9"/>
+              </a:cxn>
+            </a:cxnLst>
+            <a:rect l="l" t="t" r="r" b="b"/>
+            <a:pathLst>
+              <a:path w="7094160" h="2130952">
+                <a:moveTo>
+                  <a:pt x="4417853" y="0"/>
+                </a:moveTo>
+                <a:lnTo>
+                  <a:pt x="7094160" y="0"/>
+                </a:lnTo>
+                <a:lnTo>
+                  <a:pt x="7094160" y="2130552"/>
+                </a:lnTo>
+                <a:lnTo>
+                  <a:pt x="5920619" y="2130552"/>
+                </a:lnTo>
+                <a:lnTo>
+                  <a:pt x="5920619" y="2130952"/>
+                </a:lnTo>
+                <a:lnTo>
+                  <a:pt x="2729249" y="2130952"/>
+                </a:lnTo>
+                <a:lnTo>
+                  <a:pt x="2574304" y="2130952"/>
+                </a:lnTo>
+                <a:lnTo>
+                  <a:pt x="0" y="2130952"/>
+                </a:lnTo>
+                <a:lnTo>
+                  <a:pt x="983648" y="1"/>
+                </a:lnTo>
+                <a:lnTo>
+                  <a:pt x="4417853" y="1"/>
+                </a:lnTo>
+                <a:close/>
+              </a:path>
+            </a:pathLst>
+          </a:custGeom>
+          <a:solidFill>
+            <a:srgbClr val="7F7F7F">
+              <a:alpha val="40000"/>
+            </a:srgbClr>
+          </a:solidFill>
+          <a:ln>
+            <a:noFill/>
+          </a:ln>
+        </p:spPr>
+        <p:style>
+          <a:lnRef idx="2">
+            <a:schemeClr val="accent1">
+              <a:shade val="50000"/>
+            </a:schemeClr>
+          </a:lnRef>
+          <a:fillRef idx="1">
+            <a:schemeClr val="accent1"/>
+          </a:fillRef>
+          <a:effectRef idx="0">
+            <a:schemeClr val="accent1"/>
+          </a:effectRef>
+          <a:fontRef idx="minor">
+            <a:schemeClr val="lt1"/>
+          </a:fontRef>
+        </p:style>
+        <p:txBody>
+          <a:bodyPr rtlCol="0" anchor="ctr"/>
+          <a:lstStyle/>
+          <a:p>
+            <a:pPr algn="ctr"/>
+            <a:endParaRPr lang="en-US"/>
+          </a:p>
+        </p:txBody>
+      </p:sp>
+      <p:sp useBgFill="1">
+        <p:nvSpPr>
+          <p:cNvPr id="50" name="Freeform: Shape 49">
+            <a:extLst>
+              <a:ext uri="{FF2B5EF4-FFF2-40B4-BE49-F238E27FC236}">
+                <a16:creationId xmlns:a16="http://schemas.microsoft.com/office/drawing/2014/main" id="{04DC2037-48A0-4F22-B9D4-8EAEBC780AB4}"/>
+              </a:ext>
+              <a:ext uri="{C183D7F6-B498-43B3-948B-1728B52AA6E4}">
+                <adec:decorative xmlns:adec="http://schemas.microsoft.com/office/drawing/2017/decorative" val="1"/>
+              </a:ext>
+            </a:extLst>
+          </p:cNvPr>
+          <p:cNvSpPr>
+            <a:spLocks noGrp="1" noRot="1" noChangeAspect="1" noMove="1" noResize="1" noEditPoints="1" noAdjustHandles="1" noChangeArrowheads="1" noChangeShapeType="1" noTextEdit="1"/>
+          </p:cNvSpPr>
+          <p:nvPr>
+            <p:extLst>
+              <p:ext uri="{386F3935-93C4-4BCD-93E2-E3B085C9AB24}">
+                <p16:designElem xmlns:p16="http://schemas.microsoft.com/office/powerpoint/2015/main" val="1"/>
+              </p:ext>
+            </p:extLst>
+          </p:nvPr>
+        </p:nvSpPr>
+        <p:spPr>
+          <a:xfrm flipH="1">
+            <a:off x="6149721" y="4682920"/>
+            <a:ext cx="4522796" cy="2175080"/>
+          </a:xfrm>
+          <a:custGeom>
+            <a:avLst/>
+            <a:gdLst>
+              <a:gd name="connsiteX0" fmla="*/ 3515449 w 4522796"/>
+              <a:gd name="connsiteY0" fmla="*/ 0 h 2175080"/>
+              <a:gd name="connsiteX1" fmla="*/ 0 w 4522796"/>
+              <a:gd name="connsiteY1" fmla="*/ 0 h 2175080"/>
+              <a:gd name="connsiteX2" fmla="*/ 0 w 4522796"/>
+              <a:gd name="connsiteY2" fmla="*/ 2175080 h 2175080"/>
+              <a:gd name="connsiteX3" fmla="*/ 4522796 w 4522796"/>
+              <a:gd name="connsiteY3" fmla="*/ 2175080 h 2175080"/>
+            </a:gdLst>
+            <a:ahLst/>
+            <a:cxnLst>
+              <a:cxn ang="0">
+                <a:pos x="connsiteX0" y="connsiteY0"/>
+              </a:cxn>
+              <a:cxn ang="0">
+                <a:pos x="connsiteX1" y="connsiteY1"/>
+              </a:cxn>
+              <a:cxn ang="0">
+                <a:pos x="connsiteX2" y="connsiteY2"/>
+              </a:cxn>
+              <a:cxn ang="0">
+                <a:pos x="connsiteX3" y="connsiteY3"/>
+              </a:cxn>
+            </a:cxnLst>
+            <a:rect l="l" t="t" r="r" b="b"/>
+            <a:pathLst>
+              <a:path w="4522796" h="2175080">
+                <a:moveTo>
+                  <a:pt x="3515449" y="0"/>
+                </a:moveTo>
+                <a:lnTo>
+                  <a:pt x="0" y="0"/>
+                </a:lnTo>
+                <a:lnTo>
+                  <a:pt x="0" y="2175080"/>
+                </a:lnTo>
+                <a:lnTo>
+                  <a:pt x="4522796" y="2175080"/>
+                </a:lnTo>
+                <a:close/>
+              </a:path>
+            </a:pathLst>
+          </a:custGeom>
+          <a:ln>
+            <a:noFill/>
+          </a:ln>
+        </p:spPr>
+        <p:style>
+          <a:lnRef idx="2">
+            <a:schemeClr val="accent1">
+              <a:shade val="50000"/>
+            </a:schemeClr>
+          </a:lnRef>
+          <a:fillRef idx="1">
+            <a:schemeClr val="accent1"/>
+          </a:fillRef>
+          <a:effectRef idx="0">
+            <a:schemeClr val="accent1"/>
+          </a:effectRef>
+          <a:fontRef idx="minor">
+            <a:schemeClr val="lt1"/>
+          </a:fontRef>
+        </p:style>
+        <p:txBody>
+          <a:bodyPr wrap="square" rtlCol="0" anchor="ctr">
+            <a:noAutofit/>
+          </a:bodyPr>
+          <a:lstStyle/>
+          <a:p>
+            <a:pPr algn="ctr"/>
+            <a:endParaRPr lang="en-US" b="1"/>
+          </a:p>
+        </p:txBody>
+      </p:sp>
+      <p:sp>
+        <p:nvSpPr>
+          <p:cNvPr id="52" name="Freeform 22">
+            <a:extLst>
+              <a:ext uri="{FF2B5EF4-FFF2-40B4-BE49-F238E27FC236}">
+                <a16:creationId xmlns:a16="http://schemas.microsoft.com/office/drawing/2014/main" id="{0006CBFD-ADA0-43D1-9332-9C34CA1C76ED}"/>
+              </a:ext>
+              <a:ext uri="{C183D7F6-B498-43B3-948B-1728B52AA6E4}">
+                <adec:decorative xmlns:adec="http://schemas.microsoft.com/office/drawing/2017/decorative" val="1"/>
+              </a:ext>
+            </a:extLst>
+          </p:cNvPr>
+          <p:cNvSpPr>
+            <a:spLocks noGrp="1" noRot="1" noChangeAspect="1" noMove="1" noResize="1" noEditPoints="1" noAdjustHandles="1" noChangeArrowheads="1" noChangeShapeType="1" noTextEdit="1"/>
+          </p:cNvSpPr>
+          <p:nvPr>
+            <p:extLst>
+              <p:ext uri="{386F3935-93C4-4BCD-93E2-E3B085C9AB24}">
+                <p16:designElem xmlns:p16="http://schemas.microsoft.com/office/powerpoint/2015/main" val="1"/>
+              </p:ext>
+            </p:extLst>
+          </p:nvPr>
+        </p:nvSpPr>
+        <p:spPr>
+          <a:xfrm>
+            <a:off x="6266810" y="4682920"/>
+            <a:ext cx="5925190" cy="2175080"/>
+          </a:xfrm>
+          <a:custGeom>
+            <a:avLst/>
+            <a:gdLst>
+              <a:gd name="connsiteX0" fmla="*/ 1007347 w 5925190"/>
+              <a:gd name="connsiteY0" fmla="*/ 0 h 2175080"/>
+              <a:gd name="connsiteX1" fmla="*/ 5925190 w 5925190"/>
+              <a:gd name="connsiteY1" fmla="*/ 0 h 2175080"/>
+              <a:gd name="connsiteX2" fmla="*/ 5925190 w 5925190"/>
+              <a:gd name="connsiteY2" fmla="*/ 2175080 h 2175080"/>
+              <a:gd name="connsiteX3" fmla="*/ 0 w 5925190"/>
+              <a:gd name="connsiteY3" fmla="*/ 2175080 h 2175080"/>
+            </a:gdLst>
+            <a:ahLst/>
+            <a:cxnLst>
+              <a:cxn ang="0">
+                <a:pos x="connsiteX0" y="connsiteY0"/>
+              </a:cxn>
+              <a:cxn ang="0">
+                <a:pos x="connsiteX1" y="connsiteY1"/>
+              </a:cxn>
+              <a:cxn ang="0">
+                <a:pos x="connsiteX2" y="connsiteY2"/>
+              </a:cxn>
+              <a:cxn ang="0">
+                <a:pos x="connsiteX3" y="connsiteY3"/>
+              </a:cxn>
+            </a:cxnLst>
+            <a:rect l="l" t="t" r="r" b="b"/>
+            <a:pathLst>
+              <a:path w="5925190" h="2175080">
+                <a:moveTo>
+                  <a:pt x="1007347" y="0"/>
+                </a:moveTo>
+                <a:lnTo>
+                  <a:pt x="5925190" y="0"/>
+                </a:lnTo>
+                <a:lnTo>
+                  <a:pt x="5925190" y="2175080"/>
+                </a:lnTo>
+                <a:lnTo>
+                  <a:pt x="0" y="2175080"/>
+                </a:lnTo>
+                <a:close/>
+              </a:path>
+            </a:pathLst>
+          </a:custGeom>
+          <a:solidFill>
+            <a:schemeClr val="accent4"/>
+          </a:solidFill>
+          <a:ln>
+            <a:noFill/>
+          </a:ln>
+        </p:spPr>
+        <p:style>
+          <a:lnRef idx="2">
+            <a:schemeClr val="accent1">
+              <a:shade val="50000"/>
+            </a:schemeClr>
+          </a:lnRef>
+          <a:fillRef idx="1">
+            <a:schemeClr val="accent1"/>
+          </a:fillRef>
+          <a:effectRef idx="0">
+            <a:schemeClr val="accent1"/>
+          </a:effectRef>
+          <a:fontRef idx="minor">
+            <a:schemeClr val="lt1"/>
+          </a:fontRef>
+        </p:style>
+        <p:txBody>
+          <a:bodyPr wrap="square" rtlCol="0" anchor="ctr">
+            <a:noAutofit/>
+          </a:bodyPr>
+          <a:lstStyle/>
+          <a:p>
+            <a:pPr algn="ctr"/>
+            <a:endParaRPr lang="en-US"/>
+          </a:p>
+        </p:txBody>
+      </p:sp>
+      <p:sp>
+        <p:nvSpPr>
+          <p:cNvPr id="54" name="Freeform 25">
+            <a:extLst>
+              <a:ext uri="{FF2B5EF4-FFF2-40B4-BE49-F238E27FC236}">
+                <a16:creationId xmlns:a16="http://schemas.microsoft.com/office/drawing/2014/main" id="{2B931666-F28F-45F3-A074-66D2272D580B}"/>
+              </a:ext>
+              <a:ext uri="{C183D7F6-B498-43B3-948B-1728B52AA6E4}">
+                <adec:decorative xmlns:adec="http://schemas.microsoft.com/office/drawing/2017/decorative" val="1"/>
+              </a:ext>
+            </a:extLst>
+          </p:cNvPr>
+          <p:cNvSpPr>
+            <a:spLocks noGrp="1" noRot="1" noChangeAspect="1" noMove="1" noResize="1" noEditPoints="1" noAdjustHandles="1" noChangeArrowheads="1" noChangeShapeType="1" noTextEdit="1"/>
+          </p:cNvSpPr>
+          <p:nvPr>
+            <p:extLst>
+              <p:ext uri="{386F3935-93C4-4BCD-93E2-E3B085C9AB24}">
+                <p16:designElem xmlns:p16="http://schemas.microsoft.com/office/powerpoint/2015/main" val="1"/>
+              </p:ext>
+            </p:extLst>
+          </p:nvPr>
+        </p:nvSpPr>
+        <p:spPr>
+          <a:xfrm>
+            <a:off x="0" y="4682920"/>
+            <a:ext cx="7114535" cy="2175080"/>
+          </a:xfrm>
+          <a:custGeom>
+            <a:avLst/>
+            <a:gdLst>
+              <a:gd name="connsiteX0" fmla="*/ 0 w 7114535"/>
+              <a:gd name="connsiteY0" fmla="*/ 0 h 2175080"/>
+              <a:gd name="connsiteX1" fmla="*/ 1189345 w 7114535"/>
+              <a:gd name="connsiteY1" fmla="*/ 0 h 2175080"/>
+              <a:gd name="connsiteX2" fmla="*/ 7114535 w 7114535"/>
+              <a:gd name="connsiteY2" fmla="*/ 0 h 2175080"/>
+              <a:gd name="connsiteX3" fmla="*/ 6107188 w 7114535"/>
+              <a:gd name="connsiteY3" fmla="*/ 2175080 h 2175080"/>
+              <a:gd name="connsiteX4" fmla="*/ 1189345 w 7114535"/>
+              <a:gd name="connsiteY4" fmla="*/ 2175080 h 2175080"/>
+              <a:gd name="connsiteX5" fmla="*/ 0 w 7114535"/>
+              <a:gd name="connsiteY5" fmla="*/ 2175080 h 2175080"/>
+            </a:gdLst>
+            <a:ahLst/>
+            <a:cxnLst>
+              <a:cxn ang="0">
+                <a:pos x="connsiteX0" y="connsiteY0"/>
+              </a:cxn>
+              <a:cxn ang="0">
+                <a:pos x="connsiteX1" y="connsiteY1"/>
+              </a:cxn>
+              <a:cxn ang="0">
+                <a:pos x="connsiteX2" y="connsiteY2"/>
+              </a:cxn>
+              <a:cxn ang="0">
+                <a:pos x="connsiteX3" y="connsiteY3"/>
+              </a:cxn>
+              <a:cxn ang="0">
+                <a:pos x="connsiteX4" y="connsiteY4"/>
+              </a:cxn>
+              <a:cxn ang="0">
+                <a:pos x="connsiteX5" y="connsiteY5"/>
+              </a:cxn>
+            </a:cxnLst>
+            <a:rect l="l" t="t" r="r" b="b"/>
+            <a:pathLst>
+              <a:path w="7114535" h="2175080">
+                <a:moveTo>
+                  <a:pt x="0" y="0"/>
+                </a:moveTo>
+                <a:lnTo>
+                  <a:pt x="1189345" y="0"/>
+                </a:lnTo>
+                <a:lnTo>
+                  <a:pt x="7114535" y="0"/>
+                </a:lnTo>
+                <a:lnTo>
+                  <a:pt x="6107188" y="2175080"/>
+                </a:lnTo>
+                <a:lnTo>
+                  <a:pt x="1189345" y="2175080"/>
+                </a:lnTo>
+                <a:lnTo>
+                  <a:pt x="0" y="2175080"/>
+                </a:lnTo>
+                <a:close/>
+              </a:path>
+            </a:pathLst>
+          </a:custGeom>
+          <a:solidFill>
+            <a:srgbClr val="7F7F7F">
+              <a:alpha val="40000"/>
+            </a:srgbClr>
+          </a:solidFill>
+          <a:ln>
+            <a:noFill/>
+          </a:ln>
+        </p:spPr>
+        <p:style>
+          <a:lnRef idx="2">
+            <a:schemeClr val="accent1">
+              <a:shade val="50000"/>
+            </a:schemeClr>
+          </a:lnRef>
+          <a:fillRef idx="1">
+            <a:schemeClr val="accent1"/>
+          </a:fillRef>
+          <a:effectRef idx="0">
+            <a:schemeClr val="accent1"/>
+          </a:effectRef>
+          <a:fontRef idx="minor">
+            <a:schemeClr val="lt1"/>
+          </a:fontRef>
+        </p:style>
+        <p:txBody>
+          <a:bodyPr rtlCol="0" anchor="ctr"/>
+          <a:lstStyle/>
+          <a:p>
+            <a:pPr algn="ctr"/>
+            <a:endParaRPr lang="en-US"/>
           </a:p>
         </p:txBody>
       </p:sp>
@@ -3844,6 +7622,14 @@
 <file path=ppt/slides/slide2.xml><?xml version="1.0" encoding="utf-8"?>
 <p:sld xmlns:a="http://schemas.openxmlformats.org/drawingml/2006/main" xmlns:r="http://schemas.openxmlformats.org/officeDocument/2006/relationships" xmlns:p="http://schemas.openxmlformats.org/presentationml/2006/main">
   <p:cSld>
+    <p:bg>
+      <p:bgPr>
+        <a:solidFill>
+          <a:schemeClr val="bg1"/>
+        </a:solidFill>
+        <a:effectLst/>
+      </p:bgPr>
+    </p:bg>
     <p:spTree>
       <p:nvGrpSpPr>
         <p:cNvPr id="1" name=""/>
@@ -3860,6 +7646,292 @@
       </p:grpSpPr>
       <p:sp>
         <p:nvSpPr>
+          <p:cNvPr id="20" name="Rectangle 19">
+            <a:extLst>
+              <a:ext uri="{FF2B5EF4-FFF2-40B4-BE49-F238E27FC236}">
+                <a16:creationId xmlns:a16="http://schemas.microsoft.com/office/drawing/2014/main" id="{56C20283-73E0-40EC-8AD8-057F581F64C2}"/>
+              </a:ext>
+              <a:ext uri="{C183D7F6-B498-43B3-948B-1728B52AA6E4}">
+                <adec:decorative xmlns:adec="http://schemas.microsoft.com/office/drawing/2017/decorative" val="1"/>
+              </a:ext>
+            </a:extLst>
+          </p:cNvPr>
+          <p:cNvSpPr>
+            <a:spLocks noGrp="1" noRot="1" noChangeAspect="1" noMove="1" noResize="1" noEditPoints="1" noAdjustHandles="1" noChangeArrowheads="1" noChangeShapeType="1" noTextEdit="1"/>
+          </p:cNvSpPr>
+          <p:nvPr>
+            <p:extLst>
+              <p:ext uri="{386F3935-93C4-4BCD-93E2-E3B085C9AB24}">
+                <p16:designElem xmlns:p16="http://schemas.microsoft.com/office/powerpoint/2015/main" val="1"/>
+              </p:ext>
+            </p:extLst>
+          </p:nvPr>
+        </p:nvSpPr>
+        <p:spPr>
+          <a:xfrm>
+            <a:off x="1524" y="0"/>
+            <a:ext cx="12188952" cy="6858000"/>
+          </a:xfrm>
+          <a:prstGeom prst="rect">
+            <a:avLst/>
+          </a:prstGeom>
+          <a:solidFill>
+            <a:schemeClr val="tx1"/>
+          </a:solidFill>
+          <a:ln>
+            <a:noFill/>
+          </a:ln>
+        </p:spPr>
+        <p:style>
+          <a:lnRef idx="2">
+            <a:schemeClr val="accent1">
+              <a:shade val="50000"/>
+            </a:schemeClr>
+          </a:lnRef>
+          <a:fillRef idx="1">
+            <a:schemeClr val="accent1"/>
+          </a:fillRef>
+          <a:effectRef idx="0">
+            <a:schemeClr val="accent1"/>
+          </a:effectRef>
+          <a:fontRef idx="minor">
+            <a:schemeClr val="lt1"/>
+          </a:fontRef>
+        </p:style>
+        <p:txBody>
+          <a:bodyPr rtlCol="0" anchor="ctr"/>
+          <a:lstStyle/>
+          <a:p>
+            <a:pPr algn="ctr"/>
+            <a:endParaRPr lang="en-US"/>
+          </a:p>
+        </p:txBody>
+      </p:sp>
+      <p:sp>
+        <p:nvSpPr>
+          <p:cNvPr id="22" name="Freeform 28">
+            <a:extLst>
+              <a:ext uri="{FF2B5EF4-FFF2-40B4-BE49-F238E27FC236}">
+                <a16:creationId xmlns:a16="http://schemas.microsoft.com/office/drawing/2014/main" id="{3FCC729B-E528-40C3-82D3-BA4375575E87}"/>
+              </a:ext>
+              <a:ext uri="{C183D7F6-B498-43B3-948B-1728B52AA6E4}">
+                <adec:decorative xmlns:adec="http://schemas.microsoft.com/office/drawing/2017/decorative" val="1"/>
+              </a:ext>
+            </a:extLst>
+          </p:cNvPr>
+          <p:cNvSpPr>
+            <a:spLocks noGrp="1" noRot="1" noChangeAspect="1" noMove="1" noResize="1" noEditPoints="1" noAdjustHandles="1" noChangeArrowheads="1" noChangeShapeType="1" noTextEdit="1"/>
+          </p:cNvSpPr>
+          <p:nvPr>
+            <p:extLst>
+              <p:ext uri="{386F3935-93C4-4BCD-93E2-E3B085C9AB24}">
+                <p16:designElem xmlns:p16="http://schemas.microsoft.com/office/powerpoint/2015/main" val="1"/>
+              </p:ext>
+            </p:extLst>
+          </p:nvPr>
+        </p:nvSpPr>
+        <p:spPr>
+          <a:xfrm flipH="1" flipV="1">
+            <a:off x="960120" y="0"/>
+            <a:ext cx="11218661" cy="6858000"/>
+          </a:xfrm>
+          <a:custGeom>
+            <a:avLst/>
+            <a:gdLst>
+              <a:gd name="connsiteX0" fmla="*/ 0 w 11218661"/>
+              <a:gd name="connsiteY0" fmla="*/ 0 h 6858000"/>
+              <a:gd name="connsiteX1" fmla="*/ 8042507 w 11218661"/>
+              <a:gd name="connsiteY1" fmla="*/ 0 h 6858000"/>
+              <a:gd name="connsiteX2" fmla="*/ 11218661 w 11218661"/>
+              <a:gd name="connsiteY2" fmla="*/ 6858000 h 6858000"/>
+              <a:gd name="connsiteX3" fmla="*/ 0 w 11218661"/>
+              <a:gd name="connsiteY3" fmla="*/ 6858000 h 6858000"/>
+            </a:gdLst>
+            <a:ahLst/>
+            <a:cxnLst>
+              <a:cxn ang="0">
+                <a:pos x="connsiteX0" y="connsiteY0"/>
+              </a:cxn>
+              <a:cxn ang="0">
+                <a:pos x="connsiteX1" y="connsiteY1"/>
+              </a:cxn>
+              <a:cxn ang="0">
+                <a:pos x="connsiteX2" y="connsiteY2"/>
+              </a:cxn>
+              <a:cxn ang="0">
+                <a:pos x="connsiteX3" y="connsiteY3"/>
+              </a:cxn>
+            </a:cxnLst>
+            <a:rect l="l" t="t" r="r" b="b"/>
+            <a:pathLst>
+              <a:path w="11218661" h="6858000">
+                <a:moveTo>
+                  <a:pt x="0" y="0"/>
+                </a:moveTo>
+                <a:lnTo>
+                  <a:pt x="8042507" y="0"/>
+                </a:lnTo>
+                <a:lnTo>
+                  <a:pt x="11218661" y="6858000"/>
+                </a:lnTo>
+                <a:lnTo>
+                  <a:pt x="0" y="6858000"/>
+                </a:lnTo>
+                <a:close/>
+              </a:path>
+            </a:pathLst>
+          </a:custGeom>
+          <a:solidFill>
+            <a:schemeClr val="bg1">
+              <a:lumMod val="85000"/>
+              <a:lumOff val="15000"/>
+              <a:alpha val="70000"/>
+            </a:schemeClr>
+          </a:solidFill>
+          <a:ln>
+            <a:noFill/>
+          </a:ln>
+        </p:spPr>
+        <p:style>
+          <a:lnRef idx="2">
+            <a:schemeClr val="accent1">
+              <a:shade val="50000"/>
+            </a:schemeClr>
+          </a:lnRef>
+          <a:fillRef idx="1">
+            <a:schemeClr val="accent1"/>
+          </a:fillRef>
+          <a:effectRef idx="0">
+            <a:schemeClr val="accent1"/>
+          </a:effectRef>
+          <a:fontRef idx="minor">
+            <a:schemeClr val="lt1"/>
+          </a:fontRef>
+        </p:style>
+        <p:txBody>
+          <a:bodyPr wrap="square" rtlCol="0" anchor="ctr">
+            <a:noAutofit/>
+          </a:bodyPr>
+          <a:lstStyle/>
+          <a:p>
+            <a:pPr algn="ctr"/>
+            <a:endParaRPr lang="en-US"/>
+          </a:p>
+        </p:txBody>
+      </p:sp>
+      <p:sp>
+        <p:nvSpPr>
+          <p:cNvPr id="24" name="Freeform 26">
+            <a:extLst>
+              <a:ext uri="{FF2B5EF4-FFF2-40B4-BE49-F238E27FC236}">
+                <a16:creationId xmlns:a16="http://schemas.microsoft.com/office/drawing/2014/main" id="{58F1FB8D-1842-4A04-998D-6CF047AB2790}"/>
+              </a:ext>
+              <a:ext uri="{C183D7F6-B498-43B3-948B-1728B52AA6E4}">
+                <adec:decorative xmlns:adec="http://schemas.microsoft.com/office/drawing/2017/decorative" val="1"/>
+              </a:ext>
+            </a:extLst>
+          </p:cNvPr>
+          <p:cNvSpPr>
+            <a:spLocks noGrp="1" noRot="1" noChangeAspect="1" noMove="1" noResize="1" noEditPoints="1" noAdjustHandles="1" noChangeArrowheads="1" noChangeShapeType="1" noTextEdit="1"/>
+          </p:cNvSpPr>
+          <p:nvPr>
+            <p:extLst>
+              <p:ext uri="{386F3935-93C4-4BCD-93E2-E3B085C9AB24}">
+                <p16:designElem xmlns:p16="http://schemas.microsoft.com/office/powerpoint/2015/main" val="1"/>
+              </p:ext>
+            </p:extLst>
+          </p:nvPr>
+        </p:nvSpPr>
+        <p:spPr>
+          <a:xfrm flipH="1" flipV="1">
+            <a:off x="1420248" y="0"/>
+            <a:ext cx="10771752" cy="6858000"/>
+          </a:xfrm>
+          <a:custGeom>
+            <a:avLst/>
+            <a:gdLst>
+              <a:gd name="connsiteX0" fmla="*/ 0 w 10771752"/>
+              <a:gd name="connsiteY0" fmla="*/ 0 h 6858000"/>
+              <a:gd name="connsiteX1" fmla="*/ 7595598 w 10771752"/>
+              <a:gd name="connsiteY1" fmla="*/ 0 h 6858000"/>
+              <a:gd name="connsiteX2" fmla="*/ 10771752 w 10771752"/>
+              <a:gd name="connsiteY2" fmla="*/ 6858000 h 6858000"/>
+              <a:gd name="connsiteX3" fmla="*/ 0 w 10771752"/>
+              <a:gd name="connsiteY3" fmla="*/ 6858000 h 6858000"/>
+            </a:gdLst>
+            <a:ahLst/>
+            <a:cxnLst>
+              <a:cxn ang="0">
+                <a:pos x="connsiteX0" y="connsiteY0"/>
+              </a:cxn>
+              <a:cxn ang="0">
+                <a:pos x="connsiteX1" y="connsiteY1"/>
+              </a:cxn>
+              <a:cxn ang="0">
+                <a:pos x="connsiteX2" y="connsiteY2"/>
+              </a:cxn>
+              <a:cxn ang="0">
+                <a:pos x="connsiteX3" y="connsiteY3"/>
+              </a:cxn>
+            </a:cxnLst>
+            <a:rect l="l" t="t" r="r" b="b"/>
+            <a:pathLst>
+              <a:path w="10771752" h="6858000">
+                <a:moveTo>
+                  <a:pt x="0" y="0"/>
+                </a:moveTo>
+                <a:lnTo>
+                  <a:pt x="7595598" y="0"/>
+                </a:lnTo>
+                <a:lnTo>
+                  <a:pt x="10771752" y="6858000"/>
+                </a:lnTo>
+                <a:lnTo>
+                  <a:pt x="0" y="6858000"/>
+                </a:lnTo>
+                <a:close/>
+              </a:path>
+            </a:pathLst>
+          </a:custGeom>
+          <a:solidFill>
+            <a:schemeClr val="bg1">
+              <a:lumMod val="85000"/>
+              <a:lumOff val="15000"/>
+            </a:schemeClr>
+          </a:solidFill>
+          <a:ln>
+            <a:noFill/>
+          </a:ln>
+        </p:spPr>
+        <p:style>
+          <a:lnRef idx="2">
+            <a:schemeClr val="accent1">
+              <a:shade val="50000"/>
+            </a:schemeClr>
+          </a:lnRef>
+          <a:fillRef idx="1">
+            <a:schemeClr val="accent1"/>
+          </a:fillRef>
+          <a:effectRef idx="0">
+            <a:schemeClr val="accent1"/>
+          </a:effectRef>
+          <a:fontRef idx="minor">
+            <a:schemeClr val="lt1"/>
+          </a:fontRef>
+        </p:style>
+        <p:txBody>
+          <a:bodyPr wrap="square" rtlCol="0" anchor="ctr">
+            <a:noAutofit/>
+          </a:bodyPr>
+          <a:lstStyle/>
+          <a:p>
+            <a:pPr algn="ctr"/>
+            <a:endParaRPr lang="en-US"/>
+          </a:p>
+        </p:txBody>
+      </p:sp>
+      <p:sp>
+        <p:nvSpPr>
           <p:cNvPr id="2" name="Title 1">
             <a:extLst>
               <a:ext uri="{FF2B5EF4-FFF2-40B4-BE49-F238E27FC236}">
@@ -3874,71 +7946,86 @@
             <p:ph type="title"/>
           </p:nvPr>
         </p:nvSpPr>
-        <p:spPr/>
+        <p:spPr>
+          <a:xfrm>
+            <a:off x="4384039" y="365125"/>
+            <a:ext cx="7164493" cy="1325563"/>
+          </a:xfrm>
+        </p:spPr>
         <p:txBody>
-          <a:bodyPr/>
+          <a:bodyPr>
+            <a:normAutofit/>
+          </a:bodyPr>
           <a:lstStyle/>
           <a:p>
             <a:r>
-              <a:rPr lang="en-US" dirty="0"/>
+              <a:rPr lang="en-US"/>
               <a:t>Motivation</a:t>
             </a:r>
           </a:p>
         </p:txBody>
       </p:sp>
-      <p:sp>
-        <p:nvSpPr>
-          <p:cNvPr id="3" name="Content Placeholder 2">
+      <p:pic>
+        <p:nvPicPr>
+          <p:cNvPr id="6" name="Picture 5" descr="A close up of a map&#10;&#10;Description automatically generated">
             <a:extLst>
               <a:ext uri="{FF2B5EF4-FFF2-40B4-BE49-F238E27FC236}">
-                <a16:creationId xmlns:a16="http://schemas.microsoft.com/office/drawing/2014/main" id="{0B9E47F7-C31B-2545-A408-EE42C283B52B}"/>
+                <a16:creationId xmlns:a16="http://schemas.microsoft.com/office/drawing/2014/main" id="{4445A75D-8DB8-9742-8F2F-5EF54F8BF1C0}"/>
               </a:ext>
             </a:extLst>
           </p:cNvPr>
-          <p:cNvSpPr>
-            <a:spLocks noGrp="1"/>
-          </p:cNvSpPr>
+          <p:cNvPicPr>
+            <a:picLocks noChangeAspect="1"/>
+          </p:cNvPicPr>
+          <p:nvPr/>
+        </p:nvPicPr>
+        <p:blipFill>
+          <a:blip r:embed="rId2"/>
+          <a:stretch>
+            <a:fillRect/>
+          </a:stretch>
+        </p:blipFill>
+        <p:spPr>
+          <a:xfrm>
+            <a:off x="13219" y="1460563"/>
+            <a:ext cx="5032312" cy="5032312"/>
+          </a:xfrm>
+          <a:prstGeom prst="rect">
+            <a:avLst/>
+          </a:prstGeom>
+        </p:spPr>
+      </p:pic>
+      <p:graphicFrame>
+        <p:nvGraphicFramePr>
+          <p:cNvPr id="5" name="Content Placeholder 2">
+            <a:extLst>
+              <a:ext uri="{FF2B5EF4-FFF2-40B4-BE49-F238E27FC236}">
+                <a16:creationId xmlns:a16="http://schemas.microsoft.com/office/drawing/2014/main" id="{5EB7829F-8F9E-4C3C-8861-AE50141B9CE5}"/>
+              </a:ext>
+            </a:extLst>
+          </p:cNvPr>
+          <p:cNvGraphicFramePr>
+            <a:graphicFrameLocks noGrp="1"/>
+          </p:cNvGraphicFramePr>
           <p:nvPr>
             <p:ph idx="1"/>
+            <p:extLst>
+              <p:ext uri="{D42A27DB-BD31-4B8C-83A1-F6EECF244321}">
+                <p14:modId xmlns:p14="http://schemas.microsoft.com/office/powerpoint/2010/main" val="3027382531"/>
+              </p:ext>
+            </p:extLst>
           </p:nvPr>
-        </p:nvSpPr>
-        <p:spPr/>
-        <p:txBody>
-          <a:bodyPr/>
-          <a:lstStyle/>
-          <a:p>
-            <a:r>
-              <a:rPr lang="en-US" dirty="0"/>
-              <a:t>Federal Reserve is responsible for setting short term interest rates in an attempt to keep inflation and unemployment within an acceptable range.</a:t>
-            </a:r>
-          </a:p>
-          <a:p>
-            <a:r>
-              <a:rPr lang="en-US" dirty="0"/>
-              <a:t>Federal Reserve Governor speeches can provide insights into future changes in interest rates</a:t>
-            </a:r>
-          </a:p>
-          <a:p>
-            <a:endParaRPr lang="en-US" dirty="0"/>
-          </a:p>
-          <a:p>
-            <a:r>
-              <a:rPr lang="en-US" dirty="0"/>
-              <a:t>INSERT MOST IMPORTANT WORDS </a:t>
-            </a:r>
-          </a:p>
-          <a:p>
-            <a:r>
-              <a:rPr lang="en-US" dirty="0"/>
-              <a:t>CHART OF THE DIFFERENCES HERE</a:t>
-            </a:r>
-            <a:br>
-              <a:rPr lang="en-US" dirty="0"/>
-            </a:br>
-            <a:endParaRPr lang="en-US" dirty="0"/>
-          </a:p>
-        </p:txBody>
-      </p:sp>
+        </p:nvGraphicFramePr>
+        <p:xfrm>
+          <a:off x="5301672" y="1460563"/>
+          <a:ext cx="6246859" cy="5032312"/>
+        </p:xfrm>
+        <a:graphic>
+          <a:graphicData uri="http://schemas.openxmlformats.org/drawingml/2006/diagram">
+            <dgm:relIds xmlns:dgm="http://schemas.openxmlformats.org/drawingml/2006/diagram" xmlns:r="http://schemas.openxmlformats.org/officeDocument/2006/relationships" r:dm="rId3" r:lo="rId4" r:qs="rId5" r:cs="rId6"/>
+          </a:graphicData>
+        </a:graphic>
+      </p:graphicFrame>
     </p:spTree>
     <p:extLst>
       <p:ext uri="{BB962C8B-B14F-4D97-AF65-F5344CB8AC3E}">
@@ -3947,7 +8034,7 @@
     </p:extLst>
   </p:cSld>
   <p:clrMapOvr>
-    <a:masterClrMapping/>
+    <a:overrideClrMapping bg1="dk1" tx1="lt1" bg2="dk2" tx2="lt2" accent1="accent1" accent2="accent2" accent3="accent3" accent4="accent4" accent5="accent5" accent6="accent6" hlink="hlink" folHlink="folHlink"/>
   </p:clrMapOvr>
 </p:sld>
 </file>
@@ -3977,31 +8064,199 @@
           <a:chExt cx="0" cy="0"/>
         </a:xfrm>
       </p:grpSpPr>
+      <p:sp>
+        <p:nvSpPr>
+          <p:cNvPr id="18" name="Rectangle 17">
+            <a:extLst>
+              <a:ext uri="{FF2B5EF4-FFF2-40B4-BE49-F238E27FC236}">
+                <a16:creationId xmlns:a16="http://schemas.microsoft.com/office/drawing/2014/main" id="{867D4867-5BA7-4462-B2F6-A23F4A622AA7}"/>
+              </a:ext>
+              <a:ext uri="{C183D7F6-B498-43B3-948B-1728B52AA6E4}">
+                <adec:decorative xmlns:adec="http://schemas.microsoft.com/office/drawing/2017/decorative" val="1"/>
+              </a:ext>
+            </a:extLst>
+          </p:cNvPr>
+          <p:cNvSpPr>
+            <a:spLocks noGrp="1" noRot="1" noChangeAspect="1" noMove="1" noResize="1" noEditPoints="1" noAdjustHandles="1" noChangeArrowheads="1" noChangeShapeType="1" noTextEdit="1"/>
+          </p:cNvSpPr>
+          <p:nvPr>
+            <p:extLst>
+              <p:ext uri="{386F3935-93C4-4BCD-93E2-E3B085C9AB24}">
+                <p16:designElem xmlns:p16="http://schemas.microsoft.com/office/powerpoint/2015/main" val="1"/>
+              </p:ext>
+            </p:extLst>
+          </p:nvPr>
+        </p:nvSpPr>
+        <p:spPr>
+          <a:xfrm>
+            <a:off x="0" y="0"/>
+            <a:ext cx="4654296" cy="6858000"/>
+          </a:xfrm>
+          <a:prstGeom prst="rect">
+            <a:avLst/>
+          </a:prstGeom>
+          <a:solidFill>
+            <a:schemeClr val="tx1">
+              <a:lumMod val="75000"/>
+              <a:lumOff val="25000"/>
+            </a:schemeClr>
+          </a:solidFill>
+          <a:ln>
+            <a:noFill/>
+          </a:ln>
+        </p:spPr>
+        <p:style>
+          <a:lnRef idx="0">
+            <a:scrgbClr r="0" g="0" b="0"/>
+          </a:lnRef>
+          <a:fillRef idx="0">
+            <a:scrgbClr r="0" g="0" b="0"/>
+          </a:fillRef>
+          <a:effectRef idx="0">
+            <a:scrgbClr r="0" g="0" b="0"/>
+          </a:effectRef>
+          <a:fontRef idx="minor">
+            <a:schemeClr val="lt1"/>
+          </a:fontRef>
+        </p:style>
+        <p:txBody>
+          <a:bodyPr rtlCol="0" anchor="ctr"/>
+          <a:lstStyle/>
+          <a:p>
+            <a:pPr algn="ctr"/>
+            <a:endParaRPr lang="en-US"/>
+          </a:p>
+        </p:txBody>
+      </p:sp>
+      <p:sp>
+        <p:nvSpPr>
+          <p:cNvPr id="2" name="Title 1">
+            <a:extLst>
+              <a:ext uri="{FF2B5EF4-FFF2-40B4-BE49-F238E27FC236}">
+                <a16:creationId xmlns:a16="http://schemas.microsoft.com/office/drawing/2014/main" id="{20F72B59-8A6A-A74F-A38C-1FC3E3AEAB56}"/>
+              </a:ext>
+            </a:extLst>
+          </p:cNvPr>
+          <p:cNvSpPr>
+            <a:spLocks noGrp="1"/>
+          </p:cNvSpPr>
+          <p:nvPr>
+            <p:ph type="title"/>
+          </p:nvPr>
+        </p:nvSpPr>
+        <p:spPr>
+          <a:xfrm>
+            <a:off x="643467" y="643467"/>
+            <a:ext cx="3363974" cy="1597315"/>
+          </a:xfrm>
+          <a:prstGeom prst="ellipse">
+            <a:avLst/>
+          </a:prstGeom>
+          <a:noFill/>
+          <a:ln w="19050">
+            <a:solidFill>
+              <a:schemeClr val="bg1"/>
+            </a:solidFill>
+          </a:ln>
+        </p:spPr>
+        <p:txBody>
+          <a:bodyPr wrap="square">
+            <a:normAutofit/>
+          </a:bodyPr>
+          <a:lstStyle/>
+          <a:p>
+            <a:pPr algn="ctr"/>
+            <a:r>
+              <a:rPr lang="en-US" sz="4000" dirty="0">
+                <a:solidFill>
+                  <a:schemeClr val="bg1"/>
+                </a:solidFill>
+              </a:rPr>
+              <a:t>NLP</a:t>
+            </a:r>
+          </a:p>
+        </p:txBody>
+      </p:sp>
+      <p:sp>
+        <p:nvSpPr>
+          <p:cNvPr id="10" name="Content Placeholder 9">
+            <a:extLst>
+              <a:ext uri="{FF2B5EF4-FFF2-40B4-BE49-F238E27FC236}">
+                <a16:creationId xmlns:a16="http://schemas.microsoft.com/office/drawing/2014/main" id="{4DF0AC69-42D1-4E2A-B6FF-D3E05CC193D6}"/>
+              </a:ext>
+            </a:extLst>
+          </p:cNvPr>
+          <p:cNvSpPr>
+            <a:spLocks noGrp="1"/>
+          </p:cNvSpPr>
+          <p:nvPr>
+            <p:ph idx="1"/>
+          </p:nvPr>
+        </p:nvSpPr>
+        <p:spPr>
+          <a:xfrm>
+            <a:off x="643468" y="2638044"/>
+            <a:ext cx="3363974" cy="3415622"/>
+          </a:xfrm>
+        </p:spPr>
+        <p:txBody>
+          <a:bodyPr>
+            <a:normAutofit fontScale="92500"/>
+          </a:bodyPr>
+          <a:lstStyle/>
+          <a:p>
+            <a:r>
+              <a:rPr lang="en-US" dirty="0">
+                <a:solidFill>
+                  <a:schemeClr val="bg1"/>
+                </a:solidFill>
+              </a:rPr>
+              <a:t>Text from speeches is highly variable based on speech title and location</a:t>
+            </a:r>
+          </a:p>
+          <a:p>
+            <a:endParaRPr lang="en-US" dirty="0">
+              <a:solidFill>
+                <a:schemeClr val="bg1"/>
+              </a:solidFill>
+            </a:endParaRPr>
+          </a:p>
+          <a:p>
+            <a:r>
+              <a:rPr lang="en-US" dirty="0">
+                <a:solidFill>
+                  <a:schemeClr val="bg1"/>
+                </a:solidFill>
+              </a:rPr>
+              <a:t>Text from press releases is measured and concise</a:t>
+            </a:r>
+          </a:p>
+        </p:txBody>
+      </p:sp>
       <p:pic>
         <p:nvPicPr>
-          <p:cNvPr id="16" name="Content Placeholder 4" descr="A close up of a map&#10;&#10;Description automatically generated">
+          <p:cNvPr id="8" name="Content Placeholder 4" descr="A close up of a newspaper&#10;&#10;Description automatically generated">
             <a:extLst>
               <a:ext uri="{FF2B5EF4-FFF2-40B4-BE49-F238E27FC236}">
-                <a16:creationId xmlns:a16="http://schemas.microsoft.com/office/drawing/2014/main" id="{EF08CD4F-3ADC-1947-8077-D1B2C3EA8AFC}"/>
+                <a16:creationId xmlns:a16="http://schemas.microsoft.com/office/drawing/2014/main" id="{E656D873-0FD7-654E-9F30-35E4BB7BB68D}"/>
               </a:ext>
             </a:extLst>
           </p:cNvPr>
           <p:cNvPicPr>
-            <a:picLocks noGrp="1" noChangeAspect="1"/>
+            <a:picLocks noChangeAspect="1"/>
           </p:cNvPicPr>
-          <p:nvPr>
-            <p:ph idx="1"/>
-          </p:nvPr>
+          <p:nvPr/>
         </p:nvPicPr>
-        <p:blipFill rotWithShape="1">
+        <p:blipFill>
           <a:blip r:embed="rId2"/>
-          <a:srcRect r="3766" b="-2"/>
-          <a:stretch/>
+          <a:stretch>
+            <a:fillRect/>
+          </a:stretch>
         </p:blipFill>
         <p:spPr>
           <a:xfrm>
-            <a:off x="1361516" y="-106461"/>
-            <a:ext cx="7231555" cy="7514704"/>
+            <a:off x="4849442" y="1776636"/>
+            <a:ext cx="6939235" cy="3469617"/>
           </a:xfrm>
           <a:prstGeom prst="rect">
             <a:avLst/>
@@ -4011,7 +8266,7 @@
     </p:spTree>
     <p:extLst>
       <p:ext uri="{BB962C8B-B14F-4D97-AF65-F5344CB8AC3E}">
-        <p14:creationId xmlns:p14="http://schemas.microsoft.com/office/powerpoint/2010/main" val="2813272081"/>
+        <p14:creationId xmlns:p14="http://schemas.microsoft.com/office/powerpoint/2010/main" val="381586696"/>
       </p:ext>
     </p:extLst>
   </p:cSld>
@@ -4038,46 +8293,19 @@
           <a:chExt cx="0" cy="0"/>
         </a:xfrm>
       </p:grpSpPr>
-      <p:sp>
-        <p:nvSpPr>
-          <p:cNvPr id="2" name="Title 1">
+      <p:pic>
+        <p:nvPicPr>
+          <p:cNvPr id="15" name="Picture 14" descr="A close up of a map&#10;&#10;Description automatically generated">
             <a:extLst>
               <a:ext uri="{FF2B5EF4-FFF2-40B4-BE49-F238E27FC236}">
-                <a16:creationId xmlns:a16="http://schemas.microsoft.com/office/drawing/2014/main" id="{13ECF33A-154D-E54D-A695-D1FF80DCD2CA}"/>
-              </a:ext>
-            </a:extLst>
-          </p:cNvPr>
-          <p:cNvSpPr>
-            <a:spLocks noGrp="1"/>
-          </p:cNvSpPr>
-          <p:nvPr>
-            <p:ph type="title"/>
-          </p:nvPr>
-        </p:nvSpPr>
-        <p:spPr/>
-        <p:txBody>
-          <a:bodyPr/>
-          <a:lstStyle/>
-          <a:p>
-            <a:endParaRPr lang="en-US"/>
-          </a:p>
-        </p:txBody>
-      </p:sp>
-      <p:pic>
-        <p:nvPicPr>
-          <p:cNvPr id="5" name="Content Placeholder 4" descr="A close up of a logo&#10;&#10;Description automatically generated">
-            <a:extLst>
-              <a:ext uri="{FF2B5EF4-FFF2-40B4-BE49-F238E27FC236}">
-                <a16:creationId xmlns:a16="http://schemas.microsoft.com/office/drawing/2014/main" id="{4D9E5FA1-6C28-E34B-AC92-FA3F7FC1F05D}"/>
+                <a16:creationId xmlns:a16="http://schemas.microsoft.com/office/drawing/2014/main" id="{96FE4078-7268-D643-9989-4587636B64F0}"/>
               </a:ext>
             </a:extLst>
           </p:cNvPr>
           <p:cNvPicPr>
-            <a:picLocks noGrp="1" noChangeAspect="1"/>
+            <a:picLocks noChangeAspect="1"/>
           </p:cNvPicPr>
-          <p:nvPr>
-            <p:ph idx="1"/>
-          </p:nvPr>
+          <p:nvPr/>
         </p:nvPicPr>
         <p:blipFill>
           <a:blip r:embed="rId3"/>
@@ -4087,9 +8315,12 @@
         </p:blipFill>
         <p:spPr>
           <a:xfrm>
-            <a:off x="504496" y="195208"/>
-            <a:ext cx="10626555" cy="6467583"/>
+            <a:off x="1524000" y="0"/>
+            <a:ext cx="9144000" cy="6858000"/>
           </a:xfrm>
+          <a:prstGeom prst="rect">
+            <a:avLst/>
+          </a:prstGeom>
         </p:spPr>
       </p:pic>
     </p:spTree>
@@ -4108,6 +8339,14 @@
 <file path=ppt/slides/slide5.xml><?xml version="1.0" encoding="utf-8"?>
 <p:sld xmlns:a="http://schemas.openxmlformats.org/drawingml/2006/main" xmlns:r="http://schemas.openxmlformats.org/officeDocument/2006/relationships" xmlns:p="http://schemas.openxmlformats.org/presentationml/2006/main">
   <p:cSld>
+    <p:bg>
+      <p:bgPr>
+        <a:solidFill>
+          <a:schemeClr val="bg1"/>
+        </a:solidFill>
+        <a:effectLst/>
+      </p:bgPr>
+    </p:bg>
     <p:spTree>
       <p:nvGrpSpPr>
         <p:cNvPr id="1" name=""/>
@@ -4124,88 +8363,1064 @@
       </p:grpSpPr>
       <p:sp>
         <p:nvSpPr>
-          <p:cNvPr id="3" name="Content Placeholder 2">
+          <p:cNvPr id="26" name="Rectangle 19">
             <a:extLst>
               <a:ext uri="{FF2B5EF4-FFF2-40B4-BE49-F238E27FC236}">
-                <a16:creationId xmlns:a16="http://schemas.microsoft.com/office/drawing/2014/main" id="{E626C082-3426-544A-A887-AC392C4AEF1A}"/>
+                <a16:creationId xmlns:a16="http://schemas.microsoft.com/office/drawing/2014/main" id="{F98ED85F-DCEE-4B50-802E-71A6E3E12B04}"/>
+              </a:ext>
+              <a:ext uri="{C183D7F6-B498-43B3-948B-1728B52AA6E4}">
+                <adec:decorative xmlns:adec="http://schemas.microsoft.com/office/drawing/2017/decorative" val="1"/>
               </a:ext>
             </a:extLst>
           </p:cNvPr>
           <p:cNvSpPr>
-            <a:spLocks noGrp="1"/>
+            <a:spLocks noGrp="1" noRot="1" noChangeAspect="1" noMove="1" noResize="1" noEditPoints="1" noAdjustHandles="1" noChangeArrowheads="1" noChangeShapeType="1" noTextEdit="1"/>
           </p:cNvSpPr>
           <p:nvPr>
-            <p:ph idx="1"/>
+            <p:extLst>
+              <p:ext uri="{386F3935-93C4-4BCD-93E2-E3B085C9AB24}">
+                <p16:designElem xmlns:p16="http://schemas.microsoft.com/office/powerpoint/2015/main" val="1"/>
+              </p:ext>
+            </p:extLst>
           </p:nvPr>
         </p:nvSpPr>
-        <p:spPr>
+        <p:spPr bwMode="ltGray">
           <a:xfrm>
-            <a:off x="522890" y="312135"/>
-            <a:ext cx="10515600" cy="4351338"/>
-          </a:xfrm>
-        </p:spPr>
-        <p:txBody>
-          <a:bodyPr/>
-          <a:lstStyle/>
-          <a:p>
-            <a:r>
-              <a:rPr lang="en-US" dirty="0"/>
-              <a:t>ARIMA model for each interest rate</a:t>
-            </a:r>
-          </a:p>
-          <a:p>
-            <a:r>
-              <a:rPr lang="en-US" dirty="0"/>
-              <a:t>ARIMAX model for each forward rate</a:t>
-            </a:r>
-          </a:p>
-          <a:p>
-            <a:r>
-              <a:rPr lang="en-US" dirty="0"/>
-              <a:t>ARIMA model on principal components of all interest rates</a:t>
-            </a:r>
-          </a:p>
-          <a:p>
-            <a:r>
-              <a:rPr lang="en-US" dirty="0"/>
-              <a:t>ARIMAX model on principal components of all interest rates</a:t>
-            </a:r>
-          </a:p>
-          <a:p>
-            <a:endParaRPr lang="en-US" dirty="0"/>
-          </a:p>
-        </p:txBody>
-      </p:sp>
-      <p:pic>
-        <p:nvPicPr>
-          <p:cNvPr id="4" name="Content Placeholder 4" descr="A close up of a map&#10;&#10;Description automatically generated">
-            <a:extLst>
-              <a:ext uri="{FF2B5EF4-FFF2-40B4-BE49-F238E27FC236}">
-                <a16:creationId xmlns:a16="http://schemas.microsoft.com/office/drawing/2014/main" id="{F215B80A-47E9-A341-BFB8-D898E7151632}"/>
-              </a:ext>
-            </a:extLst>
-          </p:cNvPr>
-          <p:cNvPicPr>
-            <a:picLocks noChangeAspect="1"/>
-          </p:cNvPicPr>
-          <p:nvPr/>
-        </p:nvPicPr>
-        <p:blipFill>
-          <a:blip r:embed="rId2"/>
-          <a:stretch>
-            <a:fillRect/>
-          </a:stretch>
-        </p:blipFill>
-        <p:spPr>
-          <a:xfrm>
-            <a:off x="2874517" y="2330560"/>
-            <a:ext cx="5812345" cy="4527440"/>
+            <a:off x="321564" y="320040"/>
+            <a:ext cx="11548872" cy="6217920"/>
           </a:xfrm>
           <a:prstGeom prst="rect">
             <a:avLst/>
           </a:prstGeom>
+          <a:solidFill>
+            <a:schemeClr val="tx1">
+              <a:alpha val="14000"/>
+            </a:schemeClr>
+          </a:solidFill>
+          <a:ln w="127000" cap="sq" cmpd="thinThick">
+            <a:solidFill>
+              <a:schemeClr val="tx1">
+                <a:lumMod val="85000"/>
+                <a:lumOff val="15000"/>
+                <a:alpha val="15000"/>
+              </a:schemeClr>
+            </a:solidFill>
+          </a:ln>
         </p:spPr>
-      </p:pic>
+        <p:style>
+          <a:lnRef idx="2">
+            <a:schemeClr val="accent1">
+              <a:shade val="50000"/>
+            </a:schemeClr>
+          </a:lnRef>
+          <a:fillRef idx="1">
+            <a:schemeClr val="accent1"/>
+          </a:fillRef>
+          <a:effectRef idx="0">
+            <a:schemeClr val="accent1"/>
+          </a:effectRef>
+          <a:fontRef idx="minor">
+            <a:schemeClr val="lt1"/>
+          </a:fontRef>
+        </p:style>
+        <p:txBody>
+          <a:bodyPr rtlCol="0" anchor="ctr"/>
+          <a:lstStyle/>
+          <a:p>
+            <a:pPr algn="ctr"/>
+            <a:endParaRPr lang="en-US"/>
+          </a:p>
+        </p:txBody>
+      </p:sp>
+      <mc:AlternateContent xmlns:mc="http://schemas.openxmlformats.org/markup-compatibility/2006">
+        <mc:Choice xmlns:a14="http://schemas.microsoft.com/office/drawing/2010/main" Requires="a14">
+          <p:sp>
+            <p:nvSpPr>
+              <p:cNvPr id="3" name="Content Placeholder 2">
+                <a:extLst>
+                  <a:ext uri="{FF2B5EF4-FFF2-40B4-BE49-F238E27FC236}">
+                    <a16:creationId xmlns:a16="http://schemas.microsoft.com/office/drawing/2014/main" id="{E626C082-3426-544A-A887-AC392C4AEF1A}"/>
+                  </a:ext>
+                </a:extLst>
+              </p:cNvPr>
+              <p:cNvSpPr>
+                <a:spLocks noGrp="1"/>
+              </p:cNvSpPr>
+              <p:nvPr>
+                <p:ph idx="1"/>
+              </p:nvPr>
+            </p:nvSpPr>
+            <p:spPr>
+              <a:xfrm>
+                <a:off x="554181" y="1403867"/>
+                <a:ext cx="10808855" cy="4285089"/>
+              </a:xfrm>
+            </p:spPr>
+            <p:txBody>
+              <a:bodyPr>
+                <a:normAutofit fontScale="70000" lnSpcReduction="20000"/>
+              </a:bodyPr>
+              <a:lstStyle/>
+              <a:p>
+                <a:r>
+                  <a:rPr lang="en-US" sz="2400" dirty="0"/>
+                  <a:t>ARIMA model for each interest rate</a:t>
+                </a:r>
+              </a:p>
+              <a:p>
+                <a:pPr marL="0" indent="0">
+                  <a:buNone/>
+                </a:pPr>
+                <a:r>
+                  <a:rPr lang="en-US" sz="2400" dirty="0"/>
+                  <a:t>	</a:t>
+                </a:r>
+                <a14:m>
+                  <m:oMath xmlns:m="http://schemas.openxmlformats.org/officeDocument/2006/math">
+                    <m:sSup>
+                      <m:sSupPr>
+                        <m:ctrlPr>
+                          <a:rPr lang="en-US" sz="2400" i="1">
+                            <a:latin typeface="Cambria Math" panose="02040503050406030204" pitchFamily="18" charset="0"/>
+                          </a:rPr>
+                        </m:ctrlPr>
+                      </m:sSupPr>
+                      <m:e>
+                        <m:r>
+                          <a:rPr lang="en-US" sz="2400" i="1">
+                            <a:latin typeface="Cambria Math" panose="02040503050406030204" pitchFamily="18" charset="0"/>
+                            <a:ea typeface="Cambria Math" panose="02040503050406030204" pitchFamily="18" charset="0"/>
+                          </a:rPr>
+                          <m:t>∆</m:t>
+                        </m:r>
+                      </m:e>
+                      <m:sup>
+                        <m:r>
+                          <a:rPr lang="en-US" sz="2400" i="1">
+                            <a:latin typeface="Cambria Math" panose="02040503050406030204" pitchFamily="18" charset="0"/>
+                          </a:rPr>
+                          <m:t>𝐷</m:t>
+                        </m:r>
+                      </m:sup>
+                    </m:sSup>
+                    <m:sSub>
+                      <m:sSubPr>
+                        <m:ctrlPr>
+                          <a:rPr lang="en-US" sz="2400" i="1">
+                            <a:latin typeface="Cambria Math" panose="02040503050406030204" pitchFamily="18" charset="0"/>
+                          </a:rPr>
+                        </m:ctrlPr>
+                      </m:sSubPr>
+                      <m:e>
+                        <m:r>
+                          <a:rPr lang="en-US" sz="2400" i="1">
+                            <a:latin typeface="Cambria Math" panose="02040503050406030204" pitchFamily="18" charset="0"/>
+                          </a:rPr>
+                          <m:t>𝑟</m:t>
+                        </m:r>
+                      </m:e>
+                      <m:sub>
+                        <m:r>
+                          <a:rPr lang="en-US" sz="2400" i="1">
+                            <a:latin typeface="Cambria Math" panose="02040503050406030204" pitchFamily="18" charset="0"/>
+                          </a:rPr>
+                          <m:t>𝑡</m:t>
+                        </m:r>
+                      </m:sub>
+                    </m:sSub>
+                    <m:r>
+                      <a:rPr lang="en-US" sz="2400" i="1">
+                        <a:latin typeface="Cambria Math" panose="02040503050406030204" pitchFamily="18" charset="0"/>
+                      </a:rPr>
+                      <m:t>=</m:t>
+                    </m:r>
+                    <m:nary>
+                      <m:naryPr>
+                        <m:chr m:val="∑"/>
+                        <m:ctrlPr>
+                          <a:rPr lang="en-US" sz="2400" i="1">
+                            <a:latin typeface="Cambria Math" panose="02040503050406030204" pitchFamily="18" charset="0"/>
+                          </a:rPr>
+                        </m:ctrlPr>
+                      </m:naryPr>
+                      <m:sub>
+                        <m:r>
+                          <m:rPr>
+                            <m:brk m:alnAt="23"/>
+                          </m:rPr>
+                          <a:rPr lang="en-US" sz="2400" i="1">
+                            <a:latin typeface="Cambria Math" panose="02040503050406030204" pitchFamily="18" charset="0"/>
+                          </a:rPr>
+                          <m:t>𝑖</m:t>
+                        </m:r>
+                        <m:r>
+                          <a:rPr lang="en-US" sz="2400" i="1">
+                            <a:latin typeface="Cambria Math" panose="02040503050406030204" pitchFamily="18" charset="0"/>
+                          </a:rPr>
+                          <m:t>=1</m:t>
+                        </m:r>
+                      </m:sub>
+                      <m:sup>
+                        <m:r>
+                          <a:rPr lang="en-US" sz="2400" i="1">
+                            <a:latin typeface="Cambria Math" panose="02040503050406030204" pitchFamily="18" charset="0"/>
+                          </a:rPr>
+                          <m:t>𝑝</m:t>
+                        </m:r>
+                      </m:sup>
+                      <m:e>
+                        <m:sSub>
+                          <m:sSubPr>
+                            <m:ctrlPr>
+                              <a:rPr lang="en-US" sz="2400" i="1">
+                                <a:latin typeface="Cambria Math" panose="02040503050406030204" pitchFamily="18" charset="0"/>
+                              </a:rPr>
+                            </m:ctrlPr>
+                          </m:sSubPr>
+                          <m:e>
+                            <m:r>
+                              <a:rPr lang="en-US" sz="2400" i="1">
+                                <a:latin typeface="Cambria Math" panose="02040503050406030204" pitchFamily="18" charset="0"/>
+                                <a:ea typeface="Cambria Math" panose="02040503050406030204" pitchFamily="18" charset="0"/>
+                              </a:rPr>
+                              <m:t>∅</m:t>
+                            </m:r>
+                          </m:e>
+                          <m:sub>
+                            <m:r>
+                              <a:rPr lang="en-US" sz="2400" i="1">
+                                <a:latin typeface="Cambria Math" panose="02040503050406030204" pitchFamily="18" charset="0"/>
+                              </a:rPr>
+                              <m:t>𝑖</m:t>
+                            </m:r>
+                          </m:sub>
+                        </m:sSub>
+                      </m:e>
+                    </m:nary>
+                  </m:oMath>
+                </a14:m>
+                <a:r>
+                  <a:rPr lang="en-US" sz="2400" dirty="0"/>
+                  <a:t> </a:t>
+                </a:r>
+                <a14:m>
+                  <m:oMath xmlns:m="http://schemas.openxmlformats.org/officeDocument/2006/math">
+                    <m:sSup>
+                      <m:sSupPr>
+                        <m:ctrlPr>
+                          <a:rPr lang="en-US" sz="2400" i="1">
+                            <a:latin typeface="Cambria Math" panose="02040503050406030204" pitchFamily="18" charset="0"/>
+                          </a:rPr>
+                        </m:ctrlPr>
+                      </m:sSupPr>
+                      <m:e>
+                        <m:r>
+                          <a:rPr lang="en-US" sz="2400" i="1">
+                            <a:latin typeface="Cambria Math" panose="02040503050406030204" pitchFamily="18" charset="0"/>
+                            <a:ea typeface="Cambria Math" panose="02040503050406030204" pitchFamily="18" charset="0"/>
+                          </a:rPr>
+                          <m:t>∆</m:t>
+                        </m:r>
+                      </m:e>
+                      <m:sup>
+                        <m:r>
+                          <a:rPr lang="en-US" sz="2400" i="1">
+                            <a:latin typeface="Cambria Math" panose="02040503050406030204" pitchFamily="18" charset="0"/>
+                          </a:rPr>
+                          <m:t>𝐷</m:t>
+                        </m:r>
+                      </m:sup>
+                    </m:sSup>
+                    <m:sSub>
+                      <m:sSubPr>
+                        <m:ctrlPr>
+                          <a:rPr lang="en-US" sz="2400" i="1">
+                            <a:latin typeface="Cambria Math" panose="02040503050406030204" pitchFamily="18" charset="0"/>
+                          </a:rPr>
+                        </m:ctrlPr>
+                      </m:sSubPr>
+                      <m:e>
+                        <m:r>
+                          <a:rPr lang="en-US" sz="2400" i="1">
+                            <a:latin typeface="Cambria Math" panose="02040503050406030204" pitchFamily="18" charset="0"/>
+                          </a:rPr>
+                          <m:t>𝑟</m:t>
+                        </m:r>
+                      </m:e>
+                      <m:sub>
+                        <m:r>
+                          <a:rPr lang="en-US" sz="2400" i="1">
+                            <a:latin typeface="Cambria Math" panose="02040503050406030204" pitchFamily="18" charset="0"/>
+                          </a:rPr>
+                          <m:t>𝑡</m:t>
+                        </m:r>
+                        <m:r>
+                          <a:rPr lang="en-US" sz="2400" i="1">
+                            <a:latin typeface="Cambria Math" panose="02040503050406030204" pitchFamily="18" charset="0"/>
+                          </a:rPr>
+                          <m:t>−1</m:t>
+                        </m:r>
+                      </m:sub>
+                    </m:sSub>
+                  </m:oMath>
+                </a14:m>
+                <a:r>
+                  <a:rPr lang="en-US" sz="2400" dirty="0"/>
+                  <a:t>+ </a:t>
+                </a:r>
+                <a14:m>
+                  <m:oMath xmlns:m="http://schemas.openxmlformats.org/officeDocument/2006/math">
+                    <m:nary>
+                      <m:naryPr>
+                        <m:chr m:val="∑"/>
+                        <m:ctrlPr>
+                          <a:rPr lang="en-US" sz="2400" i="1">
+                            <a:latin typeface="Cambria Math" panose="02040503050406030204" pitchFamily="18" charset="0"/>
+                          </a:rPr>
+                        </m:ctrlPr>
+                      </m:naryPr>
+                      <m:sub>
+                        <m:r>
+                          <a:rPr lang="en-US" sz="2400" i="1">
+                            <a:latin typeface="Cambria Math" panose="02040503050406030204" pitchFamily="18" charset="0"/>
+                          </a:rPr>
+                          <m:t>𝑗</m:t>
+                        </m:r>
+                        <m:r>
+                          <a:rPr lang="en-US" sz="2400" i="1">
+                            <a:latin typeface="Cambria Math" panose="02040503050406030204" pitchFamily="18" charset="0"/>
+                          </a:rPr>
+                          <m:t>=1</m:t>
+                        </m:r>
+                      </m:sub>
+                      <m:sup>
+                        <m:r>
+                          <a:rPr lang="en-US" sz="2400" i="1">
+                            <a:latin typeface="Cambria Math" panose="02040503050406030204" pitchFamily="18" charset="0"/>
+                          </a:rPr>
+                          <m:t>𝑞</m:t>
+                        </m:r>
+                      </m:sup>
+                      <m:e>
+                        <m:sSub>
+                          <m:sSubPr>
+                            <m:ctrlPr>
+                              <a:rPr lang="en-US" sz="2400" i="1">
+                                <a:latin typeface="Cambria Math" panose="02040503050406030204" pitchFamily="18" charset="0"/>
+                              </a:rPr>
+                            </m:ctrlPr>
+                          </m:sSubPr>
+                          <m:e>
+                            <m:r>
+                              <a:rPr lang="en-US" sz="2400" i="1">
+                                <a:latin typeface="Cambria Math" panose="02040503050406030204" pitchFamily="18" charset="0"/>
+                                <a:ea typeface="Cambria Math" panose="02040503050406030204" pitchFamily="18" charset="0"/>
+                              </a:rPr>
+                              <m:t>𝜃</m:t>
+                            </m:r>
+                          </m:e>
+                          <m:sub>
+                            <m:r>
+                              <a:rPr lang="en-US" sz="2400" i="1">
+                                <a:latin typeface="Cambria Math" panose="02040503050406030204" pitchFamily="18" charset="0"/>
+                              </a:rPr>
+                              <m:t>𝑗</m:t>
+                            </m:r>
+                          </m:sub>
+                        </m:sSub>
+                      </m:e>
+                    </m:nary>
+                  </m:oMath>
+                </a14:m>
+                <a:r>
+                  <a:rPr lang="en-US" sz="2400" dirty="0"/>
+                  <a:t> </a:t>
+                </a:r>
+                <a14:m>
+                  <m:oMath xmlns:m="http://schemas.openxmlformats.org/officeDocument/2006/math">
+                    <m:sSub>
+                      <m:sSubPr>
+                        <m:ctrlPr>
+                          <a:rPr lang="en-US" sz="2400" i="1">
+                            <a:latin typeface="Cambria Math" panose="02040503050406030204" pitchFamily="18" charset="0"/>
+                          </a:rPr>
+                        </m:ctrlPr>
+                      </m:sSubPr>
+                      <m:e>
+                        <m:r>
+                          <a:rPr lang="en-US" sz="2400" i="1">
+                            <a:latin typeface="Cambria Math" panose="02040503050406030204" pitchFamily="18" charset="0"/>
+                            <a:ea typeface="Cambria Math" panose="02040503050406030204" pitchFamily="18" charset="0"/>
+                          </a:rPr>
+                          <m:t>𝜖</m:t>
+                        </m:r>
+                      </m:e>
+                      <m:sub>
+                        <m:r>
+                          <a:rPr lang="en-US" sz="2400" i="1">
+                            <a:latin typeface="Cambria Math" panose="02040503050406030204" pitchFamily="18" charset="0"/>
+                          </a:rPr>
+                          <m:t>𝑡</m:t>
+                        </m:r>
+                        <m:r>
+                          <a:rPr lang="en-US" sz="2400" i="1">
+                            <a:latin typeface="Cambria Math" panose="02040503050406030204" pitchFamily="18" charset="0"/>
+                          </a:rPr>
+                          <m:t>−1</m:t>
+                        </m:r>
+                      </m:sub>
+                    </m:sSub>
+                    <m:r>
+                      <a:rPr lang="en-US" sz="2400" i="1">
+                        <a:latin typeface="Cambria Math" panose="02040503050406030204" pitchFamily="18" charset="0"/>
+                      </a:rPr>
+                      <m:t>+</m:t>
+                    </m:r>
+                    <m:sSub>
+                      <m:sSubPr>
+                        <m:ctrlPr>
+                          <a:rPr lang="en-US" sz="2400" i="1">
+                            <a:latin typeface="Cambria Math" panose="02040503050406030204" pitchFamily="18" charset="0"/>
+                          </a:rPr>
+                        </m:ctrlPr>
+                      </m:sSubPr>
+                      <m:e>
+                        <m:r>
+                          <a:rPr lang="en-US" sz="2400" i="1">
+                            <a:latin typeface="Cambria Math" panose="02040503050406030204" pitchFamily="18" charset="0"/>
+                            <a:ea typeface="Cambria Math" panose="02040503050406030204" pitchFamily="18" charset="0"/>
+                          </a:rPr>
+                          <m:t>𝜖</m:t>
+                        </m:r>
+                      </m:e>
+                      <m:sub>
+                        <m:r>
+                          <a:rPr lang="en-US" sz="2400" i="1">
+                            <a:latin typeface="Cambria Math" panose="02040503050406030204" pitchFamily="18" charset="0"/>
+                          </a:rPr>
+                          <m:t>𝑡</m:t>
+                        </m:r>
+                      </m:sub>
+                    </m:sSub>
+                  </m:oMath>
+                </a14:m>
+                <a:endParaRPr lang="en-US" sz="2400" dirty="0"/>
+              </a:p>
+              <a:p>
+                <a:pPr marL="0" indent="0">
+                  <a:buNone/>
+                </a:pPr>
+                <a:endParaRPr lang="en-US" sz="2400" dirty="0"/>
+              </a:p>
+              <a:p>
+                <a:r>
+                  <a:rPr lang="en-US" sz="2400" dirty="0"/>
+                  <a:t>ARIMAX model for each forward rate</a:t>
+                </a:r>
+              </a:p>
+              <a:p>
+                <a:pPr marL="0" indent="0">
+                  <a:buNone/>
+                </a:pPr>
+                <a:r>
+                  <a:rPr lang="en-US" sz="2400" dirty="0"/>
+                  <a:t>	</a:t>
+                </a:r>
+                <a14:m>
+                  <m:oMath xmlns:m="http://schemas.openxmlformats.org/officeDocument/2006/math">
+                    <m:sSup>
+                      <m:sSupPr>
+                        <m:ctrlPr>
+                          <a:rPr lang="en-US" sz="2400" i="1">
+                            <a:latin typeface="Cambria Math" panose="02040503050406030204" pitchFamily="18" charset="0"/>
+                          </a:rPr>
+                        </m:ctrlPr>
+                      </m:sSupPr>
+                      <m:e>
+                        <m:r>
+                          <a:rPr lang="en-US" sz="2400" i="1">
+                            <a:latin typeface="Cambria Math" panose="02040503050406030204" pitchFamily="18" charset="0"/>
+                            <a:ea typeface="Cambria Math" panose="02040503050406030204" pitchFamily="18" charset="0"/>
+                          </a:rPr>
+                          <m:t>∆</m:t>
+                        </m:r>
+                      </m:e>
+                      <m:sup>
+                        <m:r>
+                          <a:rPr lang="en-US" sz="2400" b="0" i="1">
+                            <a:latin typeface="Cambria Math" panose="02040503050406030204" pitchFamily="18" charset="0"/>
+                          </a:rPr>
+                          <m:t>𝐷</m:t>
+                        </m:r>
+                      </m:sup>
+                    </m:sSup>
+                    <m:sSub>
+                      <m:sSubPr>
+                        <m:ctrlPr>
+                          <a:rPr lang="en-US" sz="2400" i="1">
+                            <a:latin typeface="Cambria Math" panose="02040503050406030204" pitchFamily="18" charset="0"/>
+                          </a:rPr>
+                        </m:ctrlPr>
+                      </m:sSubPr>
+                      <m:e>
+                        <m:r>
+                          <a:rPr lang="en-US" sz="2400" b="0" i="1">
+                            <a:latin typeface="Cambria Math" panose="02040503050406030204" pitchFamily="18" charset="0"/>
+                          </a:rPr>
+                          <m:t>𝑟</m:t>
+                        </m:r>
+                      </m:e>
+                      <m:sub>
+                        <m:r>
+                          <a:rPr lang="en-US" sz="2400" b="0" i="1">
+                            <a:latin typeface="Cambria Math" panose="02040503050406030204" pitchFamily="18" charset="0"/>
+                          </a:rPr>
+                          <m:t>𝑡</m:t>
+                        </m:r>
+                      </m:sub>
+                    </m:sSub>
+                    <m:r>
+                      <a:rPr lang="en-US" sz="2400" b="0" i="1">
+                        <a:latin typeface="Cambria Math" panose="02040503050406030204" pitchFamily="18" charset="0"/>
+                      </a:rPr>
+                      <m:t>=</m:t>
+                    </m:r>
+                    <m:nary>
+                      <m:naryPr>
+                        <m:chr m:val="∑"/>
+                        <m:ctrlPr>
+                          <a:rPr lang="en-US" sz="2400" b="0" i="1">
+                            <a:latin typeface="Cambria Math" panose="02040503050406030204" pitchFamily="18" charset="0"/>
+                          </a:rPr>
+                        </m:ctrlPr>
+                      </m:naryPr>
+                      <m:sub>
+                        <m:r>
+                          <m:rPr>
+                            <m:brk m:alnAt="23"/>
+                          </m:rPr>
+                          <a:rPr lang="en-US" sz="2400" b="0" i="1">
+                            <a:latin typeface="Cambria Math" panose="02040503050406030204" pitchFamily="18" charset="0"/>
+                          </a:rPr>
+                          <m:t>𝑖</m:t>
+                        </m:r>
+                        <m:r>
+                          <a:rPr lang="en-US" sz="2400" b="0" i="1">
+                            <a:latin typeface="Cambria Math" panose="02040503050406030204" pitchFamily="18" charset="0"/>
+                          </a:rPr>
+                          <m:t>=1</m:t>
+                        </m:r>
+                      </m:sub>
+                      <m:sup>
+                        <m:r>
+                          <a:rPr lang="en-US" sz="2400" b="0" i="1">
+                            <a:latin typeface="Cambria Math" panose="02040503050406030204" pitchFamily="18" charset="0"/>
+                          </a:rPr>
+                          <m:t>𝑝</m:t>
+                        </m:r>
+                      </m:sup>
+                      <m:e>
+                        <m:sSub>
+                          <m:sSubPr>
+                            <m:ctrlPr>
+                              <a:rPr lang="en-US" sz="2400" b="0" i="1">
+                                <a:latin typeface="Cambria Math" panose="02040503050406030204" pitchFamily="18" charset="0"/>
+                              </a:rPr>
+                            </m:ctrlPr>
+                          </m:sSubPr>
+                          <m:e>
+                            <m:r>
+                              <a:rPr lang="en-US" sz="2400" b="0" i="1">
+                                <a:latin typeface="Cambria Math" panose="02040503050406030204" pitchFamily="18" charset="0"/>
+                                <a:ea typeface="Cambria Math" panose="02040503050406030204" pitchFamily="18" charset="0"/>
+                              </a:rPr>
+                              <m:t>∅</m:t>
+                            </m:r>
+                          </m:e>
+                          <m:sub>
+                            <m:r>
+                              <a:rPr lang="en-US" sz="2400" b="0" i="1">
+                                <a:latin typeface="Cambria Math" panose="02040503050406030204" pitchFamily="18" charset="0"/>
+                              </a:rPr>
+                              <m:t>𝑖</m:t>
+                            </m:r>
+                          </m:sub>
+                        </m:sSub>
+                      </m:e>
+                    </m:nary>
+                  </m:oMath>
+                </a14:m>
+                <a:r>
+                  <a:rPr lang="en-US" sz="2400" dirty="0"/>
+                  <a:t> </a:t>
+                </a:r>
+                <a14:m>
+                  <m:oMath xmlns:m="http://schemas.openxmlformats.org/officeDocument/2006/math">
+                    <m:sSup>
+                      <m:sSupPr>
+                        <m:ctrlPr>
+                          <a:rPr lang="en-US" sz="2400" i="1">
+                            <a:latin typeface="Cambria Math" panose="02040503050406030204" pitchFamily="18" charset="0"/>
+                          </a:rPr>
+                        </m:ctrlPr>
+                      </m:sSupPr>
+                      <m:e>
+                        <m:r>
+                          <a:rPr lang="en-US" sz="2400" i="1">
+                            <a:latin typeface="Cambria Math" panose="02040503050406030204" pitchFamily="18" charset="0"/>
+                            <a:ea typeface="Cambria Math" panose="02040503050406030204" pitchFamily="18" charset="0"/>
+                          </a:rPr>
+                          <m:t>∆</m:t>
+                        </m:r>
+                      </m:e>
+                      <m:sup>
+                        <m:r>
+                          <a:rPr lang="en-US" sz="2400" i="1">
+                            <a:latin typeface="Cambria Math" panose="02040503050406030204" pitchFamily="18" charset="0"/>
+                          </a:rPr>
+                          <m:t>𝐷</m:t>
+                        </m:r>
+                      </m:sup>
+                    </m:sSup>
+                    <m:sSub>
+                      <m:sSubPr>
+                        <m:ctrlPr>
+                          <a:rPr lang="en-US" sz="2400" i="1">
+                            <a:latin typeface="Cambria Math" panose="02040503050406030204" pitchFamily="18" charset="0"/>
+                          </a:rPr>
+                        </m:ctrlPr>
+                      </m:sSubPr>
+                      <m:e>
+                        <m:r>
+                          <a:rPr lang="en-US" sz="2400" i="1">
+                            <a:latin typeface="Cambria Math" panose="02040503050406030204" pitchFamily="18" charset="0"/>
+                          </a:rPr>
+                          <m:t>𝑟</m:t>
+                        </m:r>
+                      </m:e>
+                      <m:sub>
+                        <m:r>
+                          <a:rPr lang="en-US" sz="2400" i="1">
+                            <a:latin typeface="Cambria Math" panose="02040503050406030204" pitchFamily="18" charset="0"/>
+                          </a:rPr>
+                          <m:t>𝑡</m:t>
+                        </m:r>
+                        <m:r>
+                          <a:rPr lang="en-US" sz="2400" b="0" i="1">
+                            <a:latin typeface="Cambria Math" panose="02040503050406030204" pitchFamily="18" charset="0"/>
+                          </a:rPr>
+                          <m:t>−1</m:t>
+                        </m:r>
+                      </m:sub>
+                    </m:sSub>
+                  </m:oMath>
+                </a14:m>
+                <a:r>
+                  <a:rPr lang="en-US" sz="2400" dirty="0"/>
+                  <a:t>+ </a:t>
+                </a:r>
+                <a14:m>
+                  <m:oMath xmlns:m="http://schemas.openxmlformats.org/officeDocument/2006/math">
+                    <m:nary>
+                      <m:naryPr>
+                        <m:chr m:val="∑"/>
+                        <m:ctrlPr>
+                          <a:rPr lang="en-US" sz="2400" i="1">
+                            <a:latin typeface="Cambria Math" panose="02040503050406030204" pitchFamily="18" charset="0"/>
+                          </a:rPr>
+                        </m:ctrlPr>
+                      </m:naryPr>
+                      <m:sub>
+                        <m:r>
+                          <a:rPr lang="en-US" sz="2400" b="0" i="1">
+                            <a:latin typeface="Cambria Math" panose="02040503050406030204" pitchFamily="18" charset="0"/>
+                          </a:rPr>
+                          <m:t>𝑗</m:t>
+                        </m:r>
+                        <m:r>
+                          <a:rPr lang="en-US" sz="2400" i="1">
+                            <a:latin typeface="Cambria Math" panose="02040503050406030204" pitchFamily="18" charset="0"/>
+                          </a:rPr>
+                          <m:t>=1</m:t>
+                        </m:r>
+                      </m:sub>
+                      <m:sup>
+                        <m:r>
+                          <a:rPr lang="en-US" sz="2400" b="0" i="1">
+                            <a:latin typeface="Cambria Math" panose="02040503050406030204" pitchFamily="18" charset="0"/>
+                          </a:rPr>
+                          <m:t>𝑞</m:t>
+                        </m:r>
+                      </m:sup>
+                      <m:e>
+                        <m:sSub>
+                          <m:sSubPr>
+                            <m:ctrlPr>
+                              <a:rPr lang="en-US" sz="2400" i="1">
+                                <a:latin typeface="Cambria Math" panose="02040503050406030204" pitchFamily="18" charset="0"/>
+                              </a:rPr>
+                            </m:ctrlPr>
+                          </m:sSubPr>
+                          <m:e>
+                            <m:r>
+                              <a:rPr lang="en-US" sz="2400" i="1">
+                                <a:latin typeface="Cambria Math" panose="02040503050406030204" pitchFamily="18" charset="0"/>
+                                <a:ea typeface="Cambria Math" panose="02040503050406030204" pitchFamily="18" charset="0"/>
+                              </a:rPr>
+                              <m:t>𝜃</m:t>
+                            </m:r>
+                          </m:e>
+                          <m:sub>
+                            <m:r>
+                              <a:rPr lang="en-US" sz="2400" b="0" i="1">
+                                <a:latin typeface="Cambria Math" panose="02040503050406030204" pitchFamily="18" charset="0"/>
+                              </a:rPr>
+                              <m:t>𝑗</m:t>
+                            </m:r>
+                          </m:sub>
+                        </m:sSub>
+                      </m:e>
+                    </m:nary>
+                  </m:oMath>
+                </a14:m>
+                <a:r>
+                  <a:rPr lang="en-US" sz="2400" dirty="0"/>
+                  <a:t> </a:t>
+                </a:r>
+                <a14:m>
+                  <m:oMath xmlns:m="http://schemas.openxmlformats.org/officeDocument/2006/math">
+                    <m:sSub>
+                      <m:sSubPr>
+                        <m:ctrlPr>
+                          <a:rPr lang="en-US" sz="2400" i="1">
+                            <a:latin typeface="Cambria Math" panose="02040503050406030204" pitchFamily="18" charset="0"/>
+                          </a:rPr>
+                        </m:ctrlPr>
+                      </m:sSubPr>
+                      <m:e>
+                        <m:r>
+                          <a:rPr lang="en-US" sz="2400" i="1">
+                            <a:latin typeface="Cambria Math" panose="02040503050406030204" pitchFamily="18" charset="0"/>
+                            <a:ea typeface="Cambria Math" panose="02040503050406030204" pitchFamily="18" charset="0"/>
+                          </a:rPr>
+                          <m:t>𝜖</m:t>
+                        </m:r>
+                      </m:e>
+                      <m:sub>
+                        <m:r>
+                          <a:rPr lang="en-US" sz="2400" i="1">
+                            <a:latin typeface="Cambria Math" panose="02040503050406030204" pitchFamily="18" charset="0"/>
+                          </a:rPr>
+                          <m:t>𝑡</m:t>
+                        </m:r>
+                        <m:r>
+                          <a:rPr lang="en-US" sz="2400" i="1">
+                            <a:latin typeface="Cambria Math" panose="02040503050406030204" pitchFamily="18" charset="0"/>
+                          </a:rPr>
+                          <m:t>−1</m:t>
+                        </m:r>
+                      </m:sub>
+                    </m:sSub>
+                  </m:oMath>
+                </a14:m>
+                <a:r>
+                  <a:rPr lang="en-US" sz="2400" dirty="0"/>
+                  <a:t>+ </a:t>
+                </a:r>
+                <a14:m>
+                  <m:oMath xmlns:m="http://schemas.openxmlformats.org/officeDocument/2006/math">
+                    <m:nary>
+                      <m:naryPr>
+                        <m:chr m:val="∑"/>
+                        <m:ctrlPr>
+                          <a:rPr lang="en-US" sz="2400" i="1">
+                            <a:latin typeface="Cambria Math" panose="02040503050406030204" pitchFamily="18" charset="0"/>
+                          </a:rPr>
+                        </m:ctrlPr>
+                      </m:naryPr>
+                      <m:sub>
+                        <m:r>
+                          <a:rPr lang="en-US" sz="2400" b="0" i="1">
+                            <a:latin typeface="Cambria Math" panose="02040503050406030204" pitchFamily="18" charset="0"/>
+                          </a:rPr>
+                          <m:t>𝑚</m:t>
+                        </m:r>
+                        <m:r>
+                          <a:rPr lang="en-US" sz="2400" i="1">
+                            <a:latin typeface="Cambria Math" panose="02040503050406030204" pitchFamily="18" charset="0"/>
+                          </a:rPr>
+                          <m:t>=1</m:t>
+                        </m:r>
+                      </m:sub>
+                      <m:sup>
+                        <m:r>
+                          <a:rPr lang="en-US" sz="2400" b="0" i="1">
+                            <a:latin typeface="Cambria Math" panose="02040503050406030204" pitchFamily="18" charset="0"/>
+                          </a:rPr>
+                          <m:t>𝑀</m:t>
+                        </m:r>
+                      </m:sup>
+                      <m:e>
+                        <m:sSub>
+                          <m:sSubPr>
+                            <m:ctrlPr>
+                              <a:rPr lang="en-US" sz="2400" i="1">
+                                <a:latin typeface="Cambria Math" panose="02040503050406030204" pitchFamily="18" charset="0"/>
+                              </a:rPr>
+                            </m:ctrlPr>
+                          </m:sSubPr>
+                          <m:e>
+                            <m:r>
+                              <a:rPr lang="en-US" sz="2400" i="1">
+                                <a:latin typeface="Cambria Math" panose="02040503050406030204" pitchFamily="18" charset="0"/>
+                                <a:ea typeface="Cambria Math" panose="02040503050406030204" pitchFamily="18" charset="0"/>
+                              </a:rPr>
+                              <m:t>𝛽</m:t>
+                            </m:r>
+                          </m:e>
+                          <m:sub>
+                            <m:r>
+                              <a:rPr lang="en-US" sz="2400" b="0" i="1">
+                                <a:latin typeface="Cambria Math" panose="02040503050406030204" pitchFamily="18" charset="0"/>
+                              </a:rPr>
+                              <m:t>𝑚</m:t>
+                            </m:r>
+                          </m:sub>
+                        </m:sSub>
+                      </m:e>
+                    </m:nary>
+                  </m:oMath>
+                </a14:m>
+                <a:r>
+                  <a:rPr lang="en-US" sz="2400" dirty="0"/>
+                  <a:t> </a:t>
+                </a:r>
+                <a14:m>
+                  <m:oMath xmlns:m="http://schemas.openxmlformats.org/officeDocument/2006/math">
+                    <m:sSub>
+                      <m:sSubPr>
+                        <m:ctrlPr>
+                          <a:rPr lang="en-US" sz="2400" i="1">
+                            <a:latin typeface="Cambria Math" panose="02040503050406030204" pitchFamily="18" charset="0"/>
+                          </a:rPr>
+                        </m:ctrlPr>
+                      </m:sSubPr>
+                      <m:e>
+                        <m:r>
+                          <a:rPr lang="en-US" sz="2400" b="0" i="1">
+                            <a:latin typeface="Cambria Math" panose="02040503050406030204" pitchFamily="18" charset="0"/>
+                            <a:ea typeface="Cambria Math" panose="02040503050406030204" pitchFamily="18" charset="0"/>
+                          </a:rPr>
+                          <m:t>𝑋</m:t>
+                        </m:r>
+                      </m:e>
+                      <m:sub>
+                        <m:r>
+                          <a:rPr lang="en-US" sz="2400" b="0" i="1">
+                            <a:latin typeface="Cambria Math" panose="02040503050406030204" pitchFamily="18" charset="0"/>
+                            <a:ea typeface="Cambria Math" panose="02040503050406030204" pitchFamily="18" charset="0"/>
+                          </a:rPr>
+                          <m:t>𝑚</m:t>
+                        </m:r>
+                        <m:r>
+                          <a:rPr lang="en-US" sz="2400" b="0" i="1">
+                            <a:latin typeface="Cambria Math" panose="02040503050406030204" pitchFamily="18" charset="0"/>
+                            <a:ea typeface="Cambria Math" panose="02040503050406030204" pitchFamily="18" charset="0"/>
+                          </a:rPr>
+                          <m:t>,</m:t>
+                        </m:r>
+                        <m:r>
+                          <a:rPr lang="en-US" sz="2400" i="1">
+                            <a:latin typeface="Cambria Math" panose="02040503050406030204" pitchFamily="18" charset="0"/>
+                          </a:rPr>
+                          <m:t>𝑡</m:t>
+                        </m:r>
+                        <m:r>
+                          <a:rPr lang="en-US" sz="2400" i="1">
+                            <a:latin typeface="Cambria Math" panose="02040503050406030204" pitchFamily="18" charset="0"/>
+                          </a:rPr>
+                          <m:t>−1</m:t>
+                        </m:r>
+                      </m:sub>
+                    </m:sSub>
+                    <m:r>
+                      <a:rPr lang="en-US" sz="2400" b="0" i="1">
+                        <a:latin typeface="Cambria Math" panose="02040503050406030204" pitchFamily="18" charset="0"/>
+                      </a:rPr>
+                      <m:t>+</m:t>
+                    </m:r>
+                    <m:sSub>
+                      <m:sSubPr>
+                        <m:ctrlPr>
+                          <a:rPr lang="en-US" sz="2400" b="0" i="1">
+                            <a:latin typeface="Cambria Math" panose="02040503050406030204" pitchFamily="18" charset="0"/>
+                          </a:rPr>
+                        </m:ctrlPr>
+                      </m:sSubPr>
+                      <m:e>
+                        <m:r>
+                          <a:rPr lang="en-US" sz="2400" b="0" i="1">
+                            <a:latin typeface="Cambria Math" panose="02040503050406030204" pitchFamily="18" charset="0"/>
+                            <a:ea typeface="Cambria Math" panose="02040503050406030204" pitchFamily="18" charset="0"/>
+                          </a:rPr>
+                          <m:t>𝜖</m:t>
+                        </m:r>
+                      </m:e>
+                      <m:sub>
+                        <m:r>
+                          <a:rPr lang="en-US" sz="2400" b="0" i="1">
+                            <a:latin typeface="Cambria Math" panose="02040503050406030204" pitchFamily="18" charset="0"/>
+                          </a:rPr>
+                          <m:t>𝑡</m:t>
+                        </m:r>
+                      </m:sub>
+                    </m:sSub>
+                  </m:oMath>
+                </a14:m>
+                <a:endParaRPr lang="en-US" sz="2400" dirty="0"/>
+              </a:p>
+              <a:p>
+                <a:pPr marL="0" indent="0">
+                  <a:buNone/>
+                </a:pPr>
+                <a:r>
+                  <a:rPr lang="en-US" sz="2400" dirty="0"/>
+                  <a:t>	where 	p is the number of autoregressive lags,</a:t>
+                </a:r>
+              </a:p>
+              <a:p>
+                <a:pPr marL="0" indent="0">
+                  <a:buNone/>
+                </a:pPr>
+                <a:r>
+                  <a:rPr lang="en-US" sz="2400" dirty="0"/>
+                  <a:t>		d is the degree of differencing</a:t>
+                </a:r>
+              </a:p>
+              <a:p>
+                <a:pPr marL="0" indent="0">
+                  <a:buNone/>
+                </a:pPr>
+                <a:r>
+                  <a:rPr lang="en-US" sz="2400" dirty="0"/>
+                  <a:t>		q is the number of moving average lags</a:t>
+                </a:r>
+              </a:p>
+              <a:p>
+                <a:pPr marL="0" indent="0">
+                  <a:buNone/>
+                </a:pPr>
+                <a:r>
+                  <a:rPr lang="en-US" sz="2400" dirty="0"/>
+                  <a:t>		X is the distance metric for the new speech/minutes release</a:t>
+                </a:r>
+              </a:p>
+              <a:p>
+                <a:endParaRPr lang="en-US" sz="2400" dirty="0"/>
+              </a:p>
+              <a:p>
+                <a:r>
+                  <a:rPr lang="en-US" sz="2400" dirty="0"/>
+                  <a:t>ARIMA model on principal components of all interest rates</a:t>
+                </a:r>
+              </a:p>
+              <a:p>
+                <a:pPr marL="0" indent="0">
+                  <a:buNone/>
+                </a:pPr>
+                <a:endParaRPr lang="en-US" sz="2400" dirty="0"/>
+              </a:p>
+              <a:p>
+                <a:r>
+                  <a:rPr lang="en-US" sz="2400" dirty="0"/>
+                  <a:t>ARIMAX model on principal components of all interest rates</a:t>
+                </a:r>
+              </a:p>
+              <a:p>
+                <a:endParaRPr lang="en-US" sz="2400" dirty="0"/>
+              </a:p>
+            </p:txBody>
+          </p:sp>
+        </mc:Choice>
+        <mc:Fallback>
+          <p:sp>
+            <p:nvSpPr>
+              <p:cNvPr id="3" name="Content Placeholder 2">
+                <a:extLst>
+                  <a:ext uri="{FF2B5EF4-FFF2-40B4-BE49-F238E27FC236}">
+                    <a16:creationId xmlns:a16="http://schemas.microsoft.com/office/drawing/2014/main" id="{E626C082-3426-544A-A887-AC392C4AEF1A}"/>
+                  </a:ext>
+                </a:extLst>
+              </p:cNvPr>
+              <p:cNvSpPr>
+                <a:spLocks noGrp="1" noRot="1" noChangeAspect="1" noMove="1" noResize="1" noEditPoints="1" noAdjustHandles="1" noChangeArrowheads="1" noChangeShapeType="1" noTextEdit="1"/>
+              </p:cNvSpPr>
+              <p:nvPr>
+                <p:ph idx="1"/>
+              </p:nvPr>
+            </p:nvSpPr>
+            <p:spPr>
+              <a:xfrm>
+                <a:off x="554181" y="1403867"/>
+                <a:ext cx="10808855" cy="4285089"/>
+              </a:xfrm>
+              <a:blipFill>
+                <a:blip r:embed="rId2"/>
+                <a:stretch>
+                  <a:fillRect l="-235" t="-2959"/>
+                </a:stretch>
+              </a:blipFill>
+            </p:spPr>
+            <p:txBody>
+              <a:bodyPr/>
+              <a:lstStyle/>
+              <a:p>
+                <a:r>
+                  <a:rPr lang="en-US">
+                    <a:noFill/>
+                  </a:rPr>
+                  <a:t> </a:t>
+                </a:r>
+              </a:p>
+            </p:txBody>
+          </p:sp>
+        </mc:Fallback>
+      </mc:AlternateContent>
+      <p:sp>
+        <p:nvSpPr>
+          <p:cNvPr id="5" name="TextBox 4">
+            <a:extLst>
+              <a:ext uri="{FF2B5EF4-FFF2-40B4-BE49-F238E27FC236}">
+                <a16:creationId xmlns:a16="http://schemas.microsoft.com/office/drawing/2014/main" id="{AFD85537-DCF6-4E47-AC35-085200B4709F}"/>
+              </a:ext>
+            </a:extLst>
+          </p:cNvPr>
+          <p:cNvSpPr txBox="1"/>
+          <p:nvPr/>
+        </p:nvSpPr>
+        <p:spPr>
+          <a:xfrm>
+            <a:off x="3084946" y="538788"/>
+            <a:ext cx="3834704" cy="646331"/>
+          </a:xfrm>
+          <a:prstGeom prst="rect">
+            <a:avLst/>
+          </a:prstGeom>
+          <a:noFill/>
+        </p:spPr>
+        <p:txBody>
+          <a:bodyPr wrap="none" rtlCol="0">
+            <a:spAutoFit/>
+          </a:bodyPr>
+          <a:lstStyle/>
+          <a:p>
+            <a:r>
+              <a:rPr lang="en-US" sz="3600" dirty="0"/>
+              <a:t>Time Series Models</a:t>
+            </a:r>
+          </a:p>
+        </p:txBody>
+      </p:sp>
     </p:spTree>
     <p:extLst>
       <p:ext uri="{BB962C8B-B14F-4D97-AF65-F5344CB8AC3E}">
@@ -4236,12 +9451,37 @@
           <a:chExt cx="0" cy="0"/>
         </a:xfrm>
       </p:grpSpPr>
+      <p:sp>
+        <p:nvSpPr>
+          <p:cNvPr id="2" name="Title 1">
+            <a:extLst>
+              <a:ext uri="{FF2B5EF4-FFF2-40B4-BE49-F238E27FC236}">
+                <a16:creationId xmlns:a16="http://schemas.microsoft.com/office/drawing/2014/main" id="{32F91AA4-3D02-9C49-A872-17D0C7BC1D3A}"/>
+              </a:ext>
+            </a:extLst>
+          </p:cNvPr>
+          <p:cNvSpPr>
+            <a:spLocks noGrp="1"/>
+          </p:cNvSpPr>
+          <p:nvPr>
+            <p:ph type="title"/>
+          </p:nvPr>
+        </p:nvSpPr>
+        <p:spPr/>
+        <p:txBody>
+          <a:bodyPr/>
+          <a:lstStyle/>
+          <a:p>
+            <a:endParaRPr lang="en-US"/>
+          </a:p>
+        </p:txBody>
+      </p:sp>
       <p:pic>
         <p:nvPicPr>
-          <p:cNvPr id="5" name="Content Placeholder 4" descr="A close up of text on a white background&#10;&#10;Description automatically generated">
+          <p:cNvPr id="5" name="Content Placeholder 4">
             <a:extLst>
               <a:ext uri="{FF2B5EF4-FFF2-40B4-BE49-F238E27FC236}">
-                <a16:creationId xmlns:a16="http://schemas.microsoft.com/office/drawing/2014/main" id="{CD02FF74-AC91-944F-BD9E-CDF89D2AD6E1}"/>
+                <a16:creationId xmlns:a16="http://schemas.microsoft.com/office/drawing/2014/main" id="{50D68606-1AFA-3E4F-AA3A-4266BCA1AB4C}"/>
               </a:ext>
             </a:extLst>
           </p:cNvPr>
@@ -4260,15 +9500,45 @@
         </p:blipFill>
         <p:spPr>
           <a:xfrm>
-            <a:off x="2829698" y="104797"/>
-            <a:ext cx="6598507" cy="6598507"/>
+            <a:off x="1930314" y="3541713"/>
+            <a:ext cx="8331372" cy="2777124"/>
           </a:xfrm>
+        </p:spPr>
+      </p:pic>
+      <p:pic>
+        <p:nvPicPr>
+          <p:cNvPr id="7" name="Picture 6">
+            <a:extLst>
+              <a:ext uri="{FF2B5EF4-FFF2-40B4-BE49-F238E27FC236}">
+                <a16:creationId xmlns:a16="http://schemas.microsoft.com/office/drawing/2014/main" id="{AED30D8F-AB92-3E4A-B7D5-EE96A4A06590}"/>
+              </a:ext>
+            </a:extLst>
+          </p:cNvPr>
+          <p:cNvPicPr>
+            <a:picLocks noChangeAspect="1"/>
+          </p:cNvPicPr>
+          <p:nvPr/>
+        </p:nvPicPr>
+        <p:blipFill>
+          <a:blip r:embed="rId3"/>
+          <a:stretch>
+            <a:fillRect/>
+          </a:stretch>
+        </p:blipFill>
+        <p:spPr>
+          <a:xfrm>
+            <a:off x="0" y="166688"/>
+            <a:ext cx="12192000" cy="3048000"/>
+          </a:xfrm>
+          <a:prstGeom prst="rect">
+            <a:avLst/>
+          </a:prstGeom>
         </p:spPr>
       </p:pic>
     </p:spTree>
     <p:extLst>
       <p:ext uri="{BB962C8B-B14F-4D97-AF65-F5344CB8AC3E}">
-        <p14:creationId xmlns:p14="http://schemas.microsoft.com/office/powerpoint/2010/main" val="2418553037"/>
+        <p14:creationId xmlns:p14="http://schemas.microsoft.com/office/powerpoint/2010/main" val="1627015683"/>
       </p:ext>
     </p:extLst>
   </p:cSld>
@@ -4303,12 +9573,64 @@
           <a:chExt cx="0" cy="0"/>
         </a:xfrm>
       </p:grpSpPr>
+      <p:cxnSp>
+        <p:nvCxnSpPr>
+          <p:cNvPr id="84" name="Straight Connector 78">
+            <a:extLst>
+              <a:ext uri="{FF2B5EF4-FFF2-40B4-BE49-F238E27FC236}">
+                <a16:creationId xmlns:a16="http://schemas.microsoft.com/office/drawing/2014/main" id="{DB146403-F3D6-484B-B2ED-97F9565D0370}"/>
+              </a:ext>
+              <a:ext uri="{C183D7F6-B498-43B3-948B-1728B52AA6E4}">
+                <adec:decorative xmlns:adec="http://schemas.microsoft.com/office/drawing/2017/decorative" val="1"/>
+              </a:ext>
+            </a:extLst>
+          </p:cNvPr>
+          <p:cNvCxnSpPr>
+            <a:cxnSpLocks noGrp="1" noRot="1" noChangeAspect="1" noMove="1" noResize="1" noEditPoints="1" noAdjustHandles="1" noChangeArrowheads="1" noChangeShapeType="1"/>
+          </p:cNvCxnSpPr>
+          <p:nvPr>
+            <p:extLst>
+              <p:ext uri="{386F3935-93C4-4BCD-93E2-E3B085C9AB24}">
+                <p16:designElem xmlns:p16="http://schemas.microsoft.com/office/powerpoint/2015/main" val="1"/>
+              </p:ext>
+            </p:extLst>
+          </p:nvPr>
+        </p:nvCxnSpPr>
+        <p:spPr>
+          <a:xfrm>
+            <a:off x="6096000" y="477749"/>
+            <a:ext cx="0" cy="3657600"/>
+          </a:xfrm>
+          <a:prstGeom prst="line">
+            <a:avLst/>
+          </a:prstGeom>
+          <a:ln w="101600" cmpd="dbl">
+            <a:solidFill>
+              <a:srgbClr val="595959"/>
+            </a:solidFill>
+          </a:ln>
+        </p:spPr>
+        <p:style>
+          <a:lnRef idx="1">
+            <a:schemeClr val="accent1"/>
+          </a:lnRef>
+          <a:fillRef idx="0">
+            <a:schemeClr val="accent1"/>
+          </a:fillRef>
+          <a:effectRef idx="0">
+            <a:schemeClr val="accent1"/>
+          </a:effectRef>
+          <a:fontRef idx="minor">
+            <a:schemeClr val="tx1"/>
+          </a:fontRef>
+        </p:style>
+      </p:cxnSp>
       <p:sp>
         <p:nvSpPr>
-          <p:cNvPr id="72" name="Rectangle 71">
+          <p:cNvPr id="85" name="Rectangle 80">
             <a:extLst>
               <a:ext uri="{FF2B5EF4-FFF2-40B4-BE49-F238E27FC236}">
-                <a16:creationId xmlns:a16="http://schemas.microsoft.com/office/drawing/2014/main" id="{AB45A142-4255-493C-8284-5D566C121B10}"/>
+                <a16:creationId xmlns:a16="http://schemas.microsoft.com/office/drawing/2014/main" id="{823AC064-BC96-4F32-8AE1-B2FD38754823}"/>
               </a:ext>
               <a:ext uri="{C183D7F6-B498-43B3-948B-1728B52AA6E4}">
                 <adec:decorative xmlns:adec="http://schemas.microsoft.com/office/drawing/2017/decorative" val="1"/>
@@ -4328,22 +9650,18 @@
         </p:nvSpPr>
         <p:spPr bwMode="ltGray">
           <a:xfrm>
-            <a:off x="336884" y="321177"/>
-            <a:ext cx="4332307" cy="6179552"/>
+            <a:off x="378068" y="4633546"/>
+            <a:ext cx="11438793" cy="1844256"/>
           </a:xfrm>
           <a:prstGeom prst="rect">
             <a:avLst/>
           </a:prstGeom>
           <a:solidFill>
-            <a:srgbClr val="404040">
-              <a:alpha val="89804"/>
-            </a:srgbClr>
+            <a:srgbClr val="404040"/>
           </a:solidFill>
           <a:ln w="127000" cap="sq" cmpd="thinThick">
             <a:solidFill>
-              <a:srgbClr val="595959">
-                <a:alpha val="80000"/>
-              </a:srgbClr>
+              <a:srgbClr val="404040"/>
             </a:solidFill>
           </a:ln>
         </p:spPr>
@@ -4390,8 +9708,8 @@
         </p:nvSpPr>
         <p:spPr>
           <a:xfrm>
-            <a:off x="674237" y="914400"/>
-            <a:ext cx="3657600" cy="2887579"/>
+            <a:off x="527538" y="4756638"/>
+            <a:ext cx="11139854" cy="930447"/>
           </a:xfrm>
         </p:spPr>
         <p:txBody>
@@ -4402,25 +9720,84 @@
           <a:p>
             <a:pPr algn="ctr"/>
             <a:r>
-              <a:rPr lang="en-US" sz="4800" kern="1200" dirty="0">
+              <a:rPr lang="en-US" sz="5400" dirty="0">
                 <a:solidFill>
                   <a:srgbClr val="FFFFFF"/>
                 </a:solidFill>
-                <a:latin typeface="+mj-lt"/>
-                <a:ea typeface="+mj-ea"/>
-                <a:cs typeface="+mj-cs"/>
               </a:rPr>
-              <a:t>Final Distributions relative to Actual</a:t>
+              <a:t>Final Model Distribution</a:t>
             </a:r>
           </a:p>
         </p:txBody>
       </p:sp>
+      <p:pic>
+        <p:nvPicPr>
+          <p:cNvPr id="16" name="Picture 15" descr="A screenshot of a cell phone&#10;&#10;Description automatically generated">
+            <a:extLst>
+              <a:ext uri="{FF2B5EF4-FFF2-40B4-BE49-F238E27FC236}">
+                <a16:creationId xmlns:a16="http://schemas.microsoft.com/office/drawing/2014/main" id="{C3C1120B-3A22-474C-A09B-2CF3CFB82AFC}"/>
+              </a:ext>
+            </a:extLst>
+          </p:cNvPr>
+          <p:cNvPicPr>
+            <a:picLocks noChangeAspect="1"/>
+          </p:cNvPicPr>
+          <p:nvPr/>
+        </p:nvPicPr>
+        <p:blipFill>
+          <a:blip r:embed="rId2"/>
+          <a:stretch>
+            <a:fillRect/>
+          </a:stretch>
+        </p:blipFill>
+        <p:spPr>
+          <a:xfrm>
+            <a:off x="6096000" y="1166479"/>
+            <a:ext cx="5455917" cy="2727957"/>
+          </a:xfrm>
+          <a:prstGeom prst="rect">
+            <a:avLst/>
+          </a:prstGeom>
+        </p:spPr>
+      </p:pic>
+      <p:pic>
+        <p:nvPicPr>
+          <p:cNvPr id="12" name="Content Placeholder 11" descr="A screenshot of a cell phone&#10;&#10;Description automatically generated">
+            <a:extLst>
+              <a:ext uri="{FF2B5EF4-FFF2-40B4-BE49-F238E27FC236}">
+                <a16:creationId xmlns:a16="http://schemas.microsoft.com/office/drawing/2014/main" id="{4468B324-9313-0C42-B020-C6BAFB4A0240}"/>
+              </a:ext>
+            </a:extLst>
+          </p:cNvPr>
+          <p:cNvPicPr>
+            <a:picLocks noGrp="1" noChangeAspect="1"/>
+          </p:cNvPicPr>
+          <p:nvPr>
+            <p:ph idx="1"/>
+          </p:nvPr>
+        </p:nvPicPr>
+        <p:blipFill>
+          <a:blip r:embed="rId3"/>
+          <a:stretch>
+            <a:fillRect/>
+          </a:stretch>
+        </p:blipFill>
+        <p:spPr>
+          <a:xfrm>
+            <a:off x="378068" y="1119308"/>
+            <a:ext cx="5455917" cy="2727957"/>
+          </a:xfrm>
+          <a:prstGeom prst="rect">
+            <a:avLst/>
+          </a:prstGeom>
+        </p:spPr>
+      </p:pic>
       <p:cxnSp>
         <p:nvCxnSpPr>
-          <p:cNvPr id="74" name="Straight Connector 73">
+          <p:cNvPr id="83" name="Straight Connector 82">
             <a:extLst>
               <a:ext uri="{FF2B5EF4-FFF2-40B4-BE49-F238E27FC236}">
-                <a16:creationId xmlns:a16="http://schemas.microsoft.com/office/drawing/2014/main" id="{38FB9660-F42F-4313-BBC4-47C007FE484C}"/>
+                <a16:creationId xmlns:a16="http://schemas.microsoft.com/office/drawing/2014/main" id="{7E7C77BC-7138-40B1-A15B-20F57A494629}"/>
               </a:ext>
               <a:ext uri="{C183D7F6-B498-43B3-948B-1728B52AA6E4}">
                 <adec:decorative xmlns:adec="http://schemas.microsoft.com/office/drawing/2017/decorative" val="1"/>
@@ -4440,8 +9817,8 @@
         </p:nvCxnSpPr>
         <p:spPr>
           <a:xfrm>
-            <a:off x="1191126" y="3910267"/>
-            <a:ext cx="2586790" cy="0"/>
+            <a:off x="2209800" y="5738691"/>
+            <a:ext cx="7772400" cy="0"/>
           </a:xfrm>
           <a:prstGeom prst="line">
             <a:avLst/>
@@ -4467,58 +9844,130 @@
           </a:fontRef>
         </p:style>
       </p:cxnSp>
-      <p:pic>
-        <p:nvPicPr>
-          <p:cNvPr id="1029" name="Picture 2">
-            <a:extLst>
-              <a:ext uri="{FF2B5EF4-FFF2-40B4-BE49-F238E27FC236}">
-                <a16:creationId xmlns:a16="http://schemas.microsoft.com/office/drawing/2014/main" id="{B6C26C2A-636A-624E-9325-82E6BF22D31D}"/>
-              </a:ext>
-            </a:extLst>
-          </p:cNvPr>
-          <p:cNvPicPr>
-            <a:picLocks noGrp="1" noChangeAspect="1" noChangeArrowheads="1"/>
-          </p:cNvPicPr>
-          <p:nvPr>
-            <p:ph idx="1"/>
-          </p:nvPr>
-        </p:nvPicPr>
-        <p:blipFill>
-          <a:blip r:embed="rId2">
-            <a:extLst>
-              <a:ext uri="{28A0092B-C50C-407E-A947-70E740481C1C}">
-                <a14:useLocalDpi xmlns:a14="http://schemas.microsoft.com/office/drawing/2010/main" val="0"/>
-              </a:ext>
-            </a:extLst>
-          </a:blip>
-          <a:stretch>
-            <a:fillRect/>
-          </a:stretch>
-        </p:blipFill>
-        <p:spPr bwMode="auto">
-          <a:xfrm>
-            <a:off x="5696025" y="492573"/>
-            <a:ext cx="5469138" cy="5880796"/>
-          </a:xfrm>
-          <a:prstGeom prst="rect">
-            <a:avLst/>
-          </a:prstGeom>
-          <a:noFill/>
-          <a:extLst>
-            <a:ext uri="{909E8E84-426E-40DD-AFC4-6F175D3DCCD1}">
-              <a14:hiddenFill xmlns:a14="http://schemas.microsoft.com/office/drawing/2010/main">
-                <a:solidFill>
-                  <a:srgbClr val="FFFFFF"/>
-                </a:solidFill>
-              </a14:hiddenFill>
-            </a:ext>
-          </a:extLst>
-        </p:spPr>
-      </p:pic>
     </p:spTree>
     <p:extLst>
       <p:ext uri="{BB962C8B-B14F-4D97-AF65-F5344CB8AC3E}">
         <p14:creationId xmlns:p14="http://schemas.microsoft.com/office/powerpoint/2010/main" val="2219017634"/>
+      </p:ext>
+    </p:extLst>
+  </p:cSld>
+  <p:clrMapOvr>
+    <a:masterClrMapping/>
+  </p:clrMapOvr>
+</p:sld>
+</file>
+
+<file path=ppt/slides/slide8.xml><?xml version="1.0" encoding="utf-8"?>
+<p:sld xmlns:a="http://schemas.openxmlformats.org/drawingml/2006/main" xmlns:r="http://schemas.openxmlformats.org/officeDocument/2006/relationships" xmlns:p="http://schemas.openxmlformats.org/presentationml/2006/main">
+  <p:cSld>
+    <p:spTree>
+      <p:nvGrpSpPr>
+        <p:cNvPr id="1" name=""/>
+        <p:cNvGrpSpPr/>
+        <p:nvPr/>
+      </p:nvGrpSpPr>
+      <p:grpSpPr>
+        <a:xfrm>
+          <a:off x="0" y="0"/>
+          <a:ext cx="0" cy="0"/>
+          <a:chOff x="0" y="0"/>
+          <a:chExt cx="0" cy="0"/>
+        </a:xfrm>
+      </p:grpSpPr>
+      <p:sp>
+        <p:nvSpPr>
+          <p:cNvPr id="2" name="Title 1">
+            <a:extLst>
+              <a:ext uri="{FF2B5EF4-FFF2-40B4-BE49-F238E27FC236}">
+                <a16:creationId xmlns:a16="http://schemas.microsoft.com/office/drawing/2014/main" id="{B9637C3E-C2E2-484C-91F5-D0C4D250C2BC}"/>
+              </a:ext>
+            </a:extLst>
+          </p:cNvPr>
+          <p:cNvSpPr>
+            <a:spLocks noGrp="1"/>
+          </p:cNvSpPr>
+          <p:nvPr>
+            <p:ph type="title"/>
+          </p:nvPr>
+        </p:nvSpPr>
+        <p:spPr/>
+        <p:txBody>
+          <a:bodyPr/>
+          <a:lstStyle/>
+          <a:p>
+            <a:r>
+              <a:rPr lang="en-US" dirty="0"/>
+              <a:t>Conclusions/Further Study</a:t>
+            </a:r>
+          </a:p>
+        </p:txBody>
+      </p:sp>
+      <p:sp>
+        <p:nvSpPr>
+          <p:cNvPr id="3" name="Content Placeholder 2">
+            <a:extLst>
+              <a:ext uri="{FF2B5EF4-FFF2-40B4-BE49-F238E27FC236}">
+                <a16:creationId xmlns:a16="http://schemas.microsoft.com/office/drawing/2014/main" id="{9FD1FCE6-6EFD-D348-AE1D-3E053844E469}"/>
+              </a:ext>
+            </a:extLst>
+          </p:cNvPr>
+          <p:cNvSpPr>
+            <a:spLocks noGrp="1"/>
+          </p:cNvSpPr>
+          <p:nvPr>
+            <p:ph idx="1"/>
+          </p:nvPr>
+        </p:nvSpPr>
+        <p:spPr/>
+        <p:txBody>
+          <a:bodyPr/>
+          <a:lstStyle/>
+          <a:p>
+            <a:r>
+              <a:rPr lang="en-US" dirty="0"/>
+              <a:t>Time series models show very little impact on changes in interest rates based on differences in federal reserve speech and press release text</a:t>
+            </a:r>
+          </a:p>
+          <a:p>
+            <a:pPr lvl="1"/>
+            <a:r>
+              <a:rPr lang="en-US" dirty="0"/>
+              <a:t>We are measuring differences in what the Fed is saying, but not differences between what the Fed says and what the market expects after seeing the same data</a:t>
+            </a:r>
+          </a:p>
+          <a:p>
+            <a:r>
+              <a:rPr lang="en-US" dirty="0"/>
+              <a:t>Potential paths for future study</a:t>
+            </a:r>
+          </a:p>
+          <a:p>
+            <a:pPr lvl="1"/>
+            <a:r>
+              <a:rPr lang="en-US" dirty="0"/>
+              <a:t>Include a metric for inflation expectations that can be observed every day</a:t>
+            </a:r>
+          </a:p>
+          <a:p>
+            <a:pPr lvl="1"/>
+            <a:r>
+              <a:rPr lang="en-US" dirty="0"/>
+              <a:t>Include metrics for interest rate expectations that can be observed daily</a:t>
+            </a:r>
+          </a:p>
+          <a:p>
+            <a:pPr lvl="1"/>
+            <a:r>
+              <a:rPr lang="en-US" dirty="0"/>
+              <a:t>Do differences in Fed speeches impact the volatility of interest rates</a:t>
+            </a:r>
+          </a:p>
+        </p:txBody>
+      </p:sp>
+    </p:spTree>
+    <p:extLst>
+      <p:ext uri="{BB962C8B-B14F-4D97-AF65-F5344CB8AC3E}">
+        <p14:creationId xmlns:p14="http://schemas.microsoft.com/office/powerpoint/2010/main" val="3927709515"/>
       </p:ext>
     </p:extLst>
   </p:cSld>
